--- a/figures.pptx
+++ b/figures.pptx
@@ -10,10 +10,12 @@
     <p:sldId id="258" r:id="rId4"/>
     <p:sldId id="259" r:id="rId5"/>
     <p:sldId id="260" r:id="rId6"/>
-    <p:sldId id="261" r:id="rId7"/>
-    <p:sldId id="262" r:id="rId8"/>
-    <p:sldId id="263" r:id="rId9"/>
-    <p:sldId id="264" r:id="rId10"/>
+    <p:sldId id="265" r:id="rId7"/>
+    <p:sldId id="266" r:id="rId8"/>
+    <p:sldId id="261" r:id="rId9"/>
+    <p:sldId id="262" r:id="rId10"/>
+    <p:sldId id="263" r:id="rId11"/>
+    <p:sldId id="264" r:id="rId12"/>
   </p:sldIdLst>
   <p:sldSz cx="12192000" cy="6858000"/>
   <p:notesSz cx="6858000" cy="9144000"/>
@@ -112,6 +114,11 @@
       </a:defRPr>
     </a:lvl9pPr>
   </p:defaultTextStyle>
+  <p:extLst>
+    <p:ext uri="{EFAFB233-063F-42B5-8137-9DF3F51BA10A}">
+      <p15:sldGuideLst xmlns:p15="http://schemas.microsoft.com/office/powerpoint/2012/main"/>
+    </p:ext>
+  </p:extLst>
 </p:presentation>
 </file>
 
@@ -262,7 +269,7 @@
           <a:p>
             <a:fld id="{2AFDAD37-D088-2B48-8F75-C50957961EDD}" type="datetimeFigureOut">
               <a:rPr lang="en-US" smtClean="0"/>
-              <a:t>12/10/19</a:t>
+              <a:t>12/11/19</a:t>
             </a:fld>
             <a:endParaRPr lang="en-US"/>
           </a:p>
@@ -460,7 +467,7 @@
           <a:p>
             <a:fld id="{2AFDAD37-D088-2B48-8F75-C50957961EDD}" type="datetimeFigureOut">
               <a:rPr lang="en-US" smtClean="0"/>
-              <a:t>12/10/19</a:t>
+              <a:t>12/11/19</a:t>
             </a:fld>
             <a:endParaRPr lang="en-US"/>
           </a:p>
@@ -668,7 +675,7 @@
           <a:p>
             <a:fld id="{2AFDAD37-D088-2B48-8F75-C50957961EDD}" type="datetimeFigureOut">
               <a:rPr lang="en-US" smtClean="0"/>
-              <a:t>12/10/19</a:t>
+              <a:t>12/11/19</a:t>
             </a:fld>
             <a:endParaRPr lang="en-US"/>
           </a:p>
@@ -866,7 +873,7 @@
           <a:p>
             <a:fld id="{2AFDAD37-D088-2B48-8F75-C50957961EDD}" type="datetimeFigureOut">
               <a:rPr lang="en-US" smtClean="0"/>
-              <a:t>12/10/19</a:t>
+              <a:t>12/11/19</a:t>
             </a:fld>
             <a:endParaRPr lang="en-US"/>
           </a:p>
@@ -1141,7 +1148,7 @@
           <a:p>
             <a:fld id="{2AFDAD37-D088-2B48-8F75-C50957961EDD}" type="datetimeFigureOut">
               <a:rPr lang="en-US" smtClean="0"/>
-              <a:t>12/10/19</a:t>
+              <a:t>12/11/19</a:t>
             </a:fld>
             <a:endParaRPr lang="en-US"/>
           </a:p>
@@ -1406,7 +1413,7 @@
           <a:p>
             <a:fld id="{2AFDAD37-D088-2B48-8F75-C50957961EDD}" type="datetimeFigureOut">
               <a:rPr lang="en-US" smtClean="0"/>
-              <a:t>12/10/19</a:t>
+              <a:t>12/11/19</a:t>
             </a:fld>
             <a:endParaRPr lang="en-US"/>
           </a:p>
@@ -1818,7 +1825,7 @@
           <a:p>
             <a:fld id="{2AFDAD37-D088-2B48-8F75-C50957961EDD}" type="datetimeFigureOut">
               <a:rPr lang="en-US" smtClean="0"/>
-              <a:t>12/10/19</a:t>
+              <a:t>12/11/19</a:t>
             </a:fld>
             <a:endParaRPr lang="en-US"/>
           </a:p>
@@ -1959,7 +1966,7 @@
           <a:p>
             <a:fld id="{2AFDAD37-D088-2B48-8F75-C50957961EDD}" type="datetimeFigureOut">
               <a:rPr lang="en-US" smtClean="0"/>
-              <a:t>12/10/19</a:t>
+              <a:t>12/11/19</a:t>
             </a:fld>
             <a:endParaRPr lang="en-US"/>
           </a:p>
@@ -2072,7 +2079,7 @@
           <a:p>
             <a:fld id="{2AFDAD37-D088-2B48-8F75-C50957961EDD}" type="datetimeFigureOut">
               <a:rPr lang="en-US" smtClean="0"/>
-              <a:t>12/10/19</a:t>
+              <a:t>12/11/19</a:t>
             </a:fld>
             <a:endParaRPr lang="en-US"/>
           </a:p>
@@ -2383,7 +2390,7 @@
           <a:p>
             <a:fld id="{2AFDAD37-D088-2B48-8F75-C50957961EDD}" type="datetimeFigureOut">
               <a:rPr lang="en-US" smtClean="0"/>
-              <a:t>12/10/19</a:t>
+              <a:t>12/11/19</a:t>
             </a:fld>
             <a:endParaRPr lang="en-US"/>
           </a:p>
@@ -2671,7 +2678,7 @@
           <a:p>
             <a:fld id="{2AFDAD37-D088-2B48-8F75-C50957961EDD}" type="datetimeFigureOut">
               <a:rPr lang="en-US" smtClean="0"/>
-              <a:t>12/10/19</a:t>
+              <a:t>12/11/19</a:t>
             </a:fld>
             <a:endParaRPr lang="en-US"/>
           </a:p>
@@ -2912,7 +2919,7 @@
           <a:p>
             <a:fld id="{2AFDAD37-D088-2B48-8F75-C50957961EDD}" type="datetimeFigureOut">
               <a:rPr lang="en-US" smtClean="0"/>
-              <a:t>12/10/19</a:t>
+              <a:t>12/11/19</a:t>
             </a:fld>
             <a:endParaRPr lang="en-US"/>
           </a:p>
@@ -5557,10 +5564,170 @@
           </a:p>
         </p:txBody>
       </p:sp>
+      <p:cxnSp>
+        <p:nvCxnSpPr>
+          <p:cNvPr id="10" name="Curved Connector 9">
+            <a:extLst>
+              <a:ext uri="{FF2B5EF4-FFF2-40B4-BE49-F238E27FC236}">
+                <a16:creationId xmlns:a16="http://schemas.microsoft.com/office/drawing/2014/main" id="{E0D0DF59-BDF0-4344-AB03-73AFBA2446D4}"/>
+              </a:ext>
+            </a:extLst>
+          </p:cNvPr>
+          <p:cNvCxnSpPr>
+            <a:stCxn id="141" idx="6"/>
+            <a:endCxn id="142" idx="6"/>
+          </p:cNvCxnSpPr>
+          <p:nvPr/>
+        </p:nvCxnSpPr>
+        <p:spPr>
+          <a:xfrm flipV="1">
+            <a:off x="7332344" y="1529862"/>
+            <a:ext cx="32339" cy="2378351"/>
+          </a:xfrm>
+          <a:prstGeom prst="curvedConnector3">
+            <a:avLst>
+              <a:gd name="adj1" fmla="val 806886"/>
+            </a:avLst>
+          </a:prstGeom>
+          <a:ln>
+            <a:solidFill>
+              <a:schemeClr val="bg1">
+                <a:lumMod val="50000"/>
+              </a:schemeClr>
+            </a:solidFill>
+            <a:prstDash val="sysDot"/>
+            <a:tailEnd type="triangle"/>
+          </a:ln>
+        </p:spPr>
+        <p:style>
+          <a:lnRef idx="1">
+            <a:schemeClr val="accent1"/>
+          </a:lnRef>
+          <a:fillRef idx="0">
+            <a:schemeClr val="accent1"/>
+          </a:fillRef>
+          <a:effectRef idx="0">
+            <a:schemeClr val="accent1"/>
+          </a:effectRef>
+          <a:fontRef idx="minor">
+            <a:schemeClr val="tx1"/>
+          </a:fontRef>
+        </p:style>
+      </p:cxnSp>
+      <p:cxnSp>
+        <p:nvCxnSpPr>
+          <p:cNvPr id="17" name="Curved Connector 16">
+            <a:extLst>
+              <a:ext uri="{FF2B5EF4-FFF2-40B4-BE49-F238E27FC236}">
+                <a16:creationId xmlns:a16="http://schemas.microsoft.com/office/drawing/2014/main" id="{E012ED05-5411-6945-9157-B55004CE6AF8}"/>
+              </a:ext>
+            </a:extLst>
+          </p:cNvPr>
+          <p:cNvCxnSpPr>
+            <a:stCxn id="143" idx="6"/>
+            <a:endCxn id="141" idx="6"/>
+          </p:cNvCxnSpPr>
+          <p:nvPr/>
+        </p:nvCxnSpPr>
+        <p:spPr>
+          <a:xfrm flipV="1">
+            <a:off x="7332344" y="3908213"/>
+            <a:ext cx="12700" cy="791418"/>
+          </a:xfrm>
+          <a:prstGeom prst="curvedConnector3">
+            <a:avLst>
+              <a:gd name="adj1" fmla="val 1800000"/>
+            </a:avLst>
+          </a:prstGeom>
+          <a:ln>
+            <a:solidFill>
+              <a:schemeClr val="bg1">
+                <a:lumMod val="50000"/>
+              </a:schemeClr>
+            </a:solidFill>
+            <a:prstDash val="sysDot"/>
+            <a:tailEnd type="triangle"/>
+          </a:ln>
+        </p:spPr>
+        <p:style>
+          <a:lnRef idx="1">
+            <a:schemeClr val="accent1"/>
+          </a:lnRef>
+          <a:fillRef idx="0">
+            <a:schemeClr val="accent1"/>
+          </a:fillRef>
+          <a:effectRef idx="0">
+            <a:schemeClr val="accent1"/>
+          </a:effectRef>
+          <a:fontRef idx="minor">
+            <a:schemeClr val="tx1"/>
+          </a:fontRef>
+        </p:style>
+      </p:cxnSp>
     </p:spTree>
     <p:extLst>
       <p:ext uri="{BB962C8B-B14F-4D97-AF65-F5344CB8AC3E}">
         <p14:creationId xmlns:p14="http://schemas.microsoft.com/office/powerpoint/2010/main" val="4199610097"/>
+      </p:ext>
+    </p:extLst>
+  </p:cSld>
+  <p:clrMapOvr>
+    <a:masterClrMapping/>
+  </p:clrMapOvr>
+</p:sld>
+</file>
+
+<file path=ppt/slides/slide10.xml><?xml version="1.0" encoding="utf-8"?>
+<p:sld xmlns:a="http://schemas.openxmlformats.org/drawingml/2006/main" xmlns:r="http://schemas.openxmlformats.org/officeDocument/2006/relationships" xmlns:p="http://schemas.openxmlformats.org/presentationml/2006/main">
+  <p:cSld>
+    <p:spTree>
+      <p:nvGrpSpPr>
+        <p:cNvPr id="1" name=""/>
+        <p:cNvGrpSpPr/>
+        <p:nvPr/>
+      </p:nvGrpSpPr>
+      <p:grpSpPr>
+        <a:xfrm>
+          <a:off x="0" y="0"/>
+          <a:ext cx="0" cy="0"/>
+          <a:chOff x="0" y="0"/>
+          <a:chExt cx="0" cy="0"/>
+        </a:xfrm>
+      </p:grpSpPr>
+    </p:spTree>
+    <p:extLst>
+      <p:ext uri="{BB962C8B-B14F-4D97-AF65-F5344CB8AC3E}">
+        <p14:creationId xmlns:p14="http://schemas.microsoft.com/office/powerpoint/2010/main" val="1620160819"/>
+      </p:ext>
+    </p:extLst>
+  </p:cSld>
+  <p:clrMapOvr>
+    <a:masterClrMapping/>
+  </p:clrMapOvr>
+</p:sld>
+</file>
+
+<file path=ppt/slides/slide11.xml><?xml version="1.0" encoding="utf-8"?>
+<p:sld xmlns:a="http://schemas.openxmlformats.org/drawingml/2006/main" xmlns:r="http://schemas.openxmlformats.org/officeDocument/2006/relationships" xmlns:p="http://schemas.openxmlformats.org/presentationml/2006/main">
+  <p:cSld>
+    <p:spTree>
+      <p:nvGrpSpPr>
+        <p:cNvPr id="1" name=""/>
+        <p:cNvGrpSpPr/>
+        <p:nvPr/>
+      </p:nvGrpSpPr>
+      <p:grpSpPr>
+        <a:xfrm>
+          <a:off x="0" y="0"/>
+          <a:ext cx="0" cy="0"/>
+          <a:chOff x="0" y="0"/>
+          <a:chExt cx="0" cy="0"/>
+        </a:xfrm>
+      </p:grpSpPr>
+    </p:spTree>
+    <p:extLst>
+      <p:ext uri="{BB962C8B-B14F-4D97-AF65-F5344CB8AC3E}">
+        <p14:creationId xmlns:p14="http://schemas.microsoft.com/office/powerpoint/2010/main" val="3957349314"/>
       </p:ext>
     </p:extLst>
   </p:cSld>
@@ -8575,6 +8742,1142 @@
           <a:chExt cx="0" cy="0"/>
         </a:xfrm>
       </p:grpSpPr>
+      <p:grpSp>
+        <p:nvGrpSpPr>
+          <p:cNvPr id="2" name="Group 1">
+            <a:extLst>
+              <a:ext uri="{FF2B5EF4-FFF2-40B4-BE49-F238E27FC236}">
+                <a16:creationId xmlns:a16="http://schemas.microsoft.com/office/drawing/2014/main" id="{6D6F6A61-82CA-9046-999D-513F4DCFC120}"/>
+              </a:ext>
+            </a:extLst>
+          </p:cNvPr>
+          <p:cNvGrpSpPr/>
+          <p:nvPr/>
+        </p:nvGrpSpPr>
+        <p:grpSpPr>
+          <a:xfrm>
+            <a:off x="3589282" y="2121070"/>
+            <a:ext cx="2238704" cy="2201918"/>
+            <a:chOff x="951186" y="1292772"/>
+            <a:chExt cx="2238704" cy="2201918"/>
+          </a:xfrm>
+        </p:grpSpPr>
+        <p:sp>
+          <p:nvSpPr>
+            <p:cNvPr id="3" name="Oval 2">
+              <a:extLst>
+                <a:ext uri="{FF2B5EF4-FFF2-40B4-BE49-F238E27FC236}">
+                  <a16:creationId xmlns:a16="http://schemas.microsoft.com/office/drawing/2014/main" id="{F69F9FE2-7E19-C14A-9EEC-055A36BD2E44}"/>
+                </a:ext>
+              </a:extLst>
+            </p:cNvPr>
+            <p:cNvSpPr/>
+            <p:nvPr/>
+          </p:nvSpPr>
+          <p:spPr>
+            <a:xfrm>
+              <a:off x="1744717" y="1292772"/>
+              <a:ext cx="578069" cy="588580"/>
+            </a:xfrm>
+            <a:prstGeom prst="ellipse">
+              <a:avLst/>
+            </a:prstGeom>
+          </p:spPr>
+          <p:style>
+            <a:lnRef idx="2">
+              <a:schemeClr val="dk1"/>
+            </a:lnRef>
+            <a:fillRef idx="1">
+              <a:schemeClr val="lt1"/>
+            </a:fillRef>
+            <a:effectRef idx="0">
+              <a:schemeClr val="dk1"/>
+            </a:effectRef>
+            <a:fontRef idx="minor">
+              <a:schemeClr val="dk1"/>
+            </a:fontRef>
+          </p:style>
+          <p:txBody>
+            <a:bodyPr rtlCol="0" anchor="ctr"/>
+            <a:lstStyle/>
+            <a:p>
+              <a:pPr algn="ctr"/>
+              <a:r>
+                <a:rPr lang="en-US" sz="2000" b="1" dirty="0"/>
+                <a:t>1</a:t>
+              </a:r>
+            </a:p>
+          </p:txBody>
+        </p:sp>
+        <p:sp>
+          <p:nvSpPr>
+            <p:cNvPr id="4" name="Oval 3">
+              <a:extLst>
+                <a:ext uri="{FF2B5EF4-FFF2-40B4-BE49-F238E27FC236}">
+                  <a16:creationId xmlns:a16="http://schemas.microsoft.com/office/drawing/2014/main" id="{B0C4E04D-EB33-1B4B-8F73-163B44A3A998}"/>
+                </a:ext>
+              </a:extLst>
+            </p:cNvPr>
+            <p:cNvSpPr/>
+            <p:nvPr/>
+          </p:nvSpPr>
+          <p:spPr>
+            <a:xfrm>
+              <a:off x="2611821" y="1991710"/>
+              <a:ext cx="578069" cy="588580"/>
+            </a:xfrm>
+            <a:prstGeom prst="ellipse">
+              <a:avLst/>
+            </a:prstGeom>
+          </p:spPr>
+          <p:style>
+            <a:lnRef idx="2">
+              <a:schemeClr val="dk1"/>
+            </a:lnRef>
+            <a:fillRef idx="1">
+              <a:schemeClr val="lt1"/>
+            </a:fillRef>
+            <a:effectRef idx="0">
+              <a:schemeClr val="dk1"/>
+            </a:effectRef>
+            <a:fontRef idx="minor">
+              <a:schemeClr val="dk1"/>
+            </a:fontRef>
+          </p:style>
+          <p:txBody>
+            <a:bodyPr rtlCol="0" anchor="ctr"/>
+            <a:lstStyle/>
+            <a:p>
+              <a:pPr algn="ctr"/>
+              <a:r>
+                <a:rPr lang="en-US" sz="2000" b="1" dirty="0"/>
+                <a:t>2</a:t>
+              </a:r>
+            </a:p>
+          </p:txBody>
+        </p:sp>
+        <p:sp>
+          <p:nvSpPr>
+            <p:cNvPr id="5" name="Oval 4">
+              <a:extLst>
+                <a:ext uri="{FF2B5EF4-FFF2-40B4-BE49-F238E27FC236}">
+                  <a16:creationId xmlns:a16="http://schemas.microsoft.com/office/drawing/2014/main" id="{080AB740-75F4-C746-AC01-B37C02CC3C9E}"/>
+                </a:ext>
+              </a:extLst>
+            </p:cNvPr>
+            <p:cNvSpPr/>
+            <p:nvPr/>
+          </p:nvSpPr>
+          <p:spPr>
+            <a:xfrm>
+              <a:off x="951186" y="1991710"/>
+              <a:ext cx="578069" cy="588580"/>
+            </a:xfrm>
+            <a:prstGeom prst="ellipse">
+              <a:avLst/>
+            </a:prstGeom>
+          </p:spPr>
+          <p:style>
+            <a:lnRef idx="2">
+              <a:schemeClr val="dk1"/>
+            </a:lnRef>
+            <a:fillRef idx="1">
+              <a:schemeClr val="lt1"/>
+            </a:fillRef>
+            <a:effectRef idx="0">
+              <a:schemeClr val="dk1"/>
+            </a:effectRef>
+            <a:fontRef idx="minor">
+              <a:schemeClr val="dk1"/>
+            </a:fontRef>
+          </p:style>
+          <p:txBody>
+            <a:bodyPr rtlCol="0" anchor="ctr"/>
+            <a:lstStyle/>
+            <a:p>
+              <a:pPr algn="ctr"/>
+              <a:r>
+                <a:rPr lang="en-US" sz="2000" b="1" dirty="0"/>
+                <a:t>5</a:t>
+              </a:r>
+            </a:p>
+          </p:txBody>
+        </p:sp>
+        <p:sp>
+          <p:nvSpPr>
+            <p:cNvPr id="6" name="Oval 5">
+              <a:extLst>
+                <a:ext uri="{FF2B5EF4-FFF2-40B4-BE49-F238E27FC236}">
+                  <a16:creationId xmlns:a16="http://schemas.microsoft.com/office/drawing/2014/main" id="{CAE38CE7-70D2-A248-B30C-8ECF028FE57B}"/>
+                </a:ext>
+              </a:extLst>
+            </p:cNvPr>
+            <p:cNvSpPr/>
+            <p:nvPr/>
+          </p:nvSpPr>
+          <p:spPr>
+            <a:xfrm>
+              <a:off x="1319047" y="2906110"/>
+              <a:ext cx="578069" cy="588580"/>
+            </a:xfrm>
+            <a:prstGeom prst="ellipse">
+              <a:avLst/>
+            </a:prstGeom>
+          </p:spPr>
+          <p:style>
+            <a:lnRef idx="2">
+              <a:schemeClr val="dk1"/>
+            </a:lnRef>
+            <a:fillRef idx="1">
+              <a:schemeClr val="lt1"/>
+            </a:fillRef>
+            <a:effectRef idx="0">
+              <a:schemeClr val="dk1"/>
+            </a:effectRef>
+            <a:fontRef idx="minor">
+              <a:schemeClr val="dk1"/>
+            </a:fontRef>
+          </p:style>
+          <p:txBody>
+            <a:bodyPr rtlCol="0" anchor="ctr"/>
+            <a:lstStyle/>
+            <a:p>
+              <a:pPr algn="ctr"/>
+              <a:r>
+                <a:rPr lang="en-US" sz="2000" b="1" dirty="0"/>
+                <a:t>4</a:t>
+              </a:r>
+            </a:p>
+          </p:txBody>
+        </p:sp>
+        <p:sp>
+          <p:nvSpPr>
+            <p:cNvPr id="7" name="Oval 6">
+              <a:extLst>
+                <a:ext uri="{FF2B5EF4-FFF2-40B4-BE49-F238E27FC236}">
+                  <a16:creationId xmlns:a16="http://schemas.microsoft.com/office/drawing/2014/main" id="{33D7DA41-93E5-3044-BAAA-176F7D8D2D22}"/>
+                </a:ext>
+              </a:extLst>
+            </p:cNvPr>
+            <p:cNvSpPr/>
+            <p:nvPr/>
+          </p:nvSpPr>
+          <p:spPr>
+            <a:xfrm>
+              <a:off x="2238130" y="2906110"/>
+              <a:ext cx="578069" cy="588580"/>
+            </a:xfrm>
+            <a:prstGeom prst="ellipse">
+              <a:avLst/>
+            </a:prstGeom>
+          </p:spPr>
+          <p:style>
+            <a:lnRef idx="2">
+              <a:schemeClr val="dk1"/>
+            </a:lnRef>
+            <a:fillRef idx="1">
+              <a:schemeClr val="lt1"/>
+            </a:fillRef>
+            <a:effectRef idx="0">
+              <a:schemeClr val="dk1"/>
+            </a:effectRef>
+            <a:fontRef idx="minor">
+              <a:schemeClr val="dk1"/>
+            </a:fontRef>
+          </p:style>
+          <p:txBody>
+            <a:bodyPr rtlCol="0" anchor="ctr"/>
+            <a:lstStyle/>
+            <a:p>
+              <a:pPr algn="ctr"/>
+              <a:r>
+                <a:rPr lang="en-US" sz="2000" b="1" dirty="0"/>
+                <a:t>3</a:t>
+              </a:r>
+            </a:p>
+          </p:txBody>
+        </p:sp>
+        <p:cxnSp>
+          <p:nvCxnSpPr>
+            <p:cNvPr id="8" name="Straight Arrow Connector 7">
+              <a:extLst>
+                <a:ext uri="{FF2B5EF4-FFF2-40B4-BE49-F238E27FC236}">
+                  <a16:creationId xmlns:a16="http://schemas.microsoft.com/office/drawing/2014/main" id="{1F05F295-6EAD-3F4B-8A57-F42AC4FFE10D}"/>
+                </a:ext>
+              </a:extLst>
+            </p:cNvPr>
+            <p:cNvCxnSpPr>
+              <a:stCxn id="5" idx="7"/>
+              <a:endCxn id="3" idx="3"/>
+            </p:cNvCxnSpPr>
+            <p:nvPr/>
+          </p:nvCxnSpPr>
+          <p:spPr>
+            <a:xfrm flipV="1">
+              <a:off x="1444599" y="1795156"/>
+              <a:ext cx="384774" cy="282750"/>
+            </a:xfrm>
+            <a:prstGeom prst="straightConnector1">
+              <a:avLst/>
+            </a:prstGeom>
+            <a:ln>
+              <a:tailEnd type="triangle"/>
+            </a:ln>
+          </p:spPr>
+          <p:style>
+            <a:lnRef idx="1">
+              <a:schemeClr val="accent1"/>
+            </a:lnRef>
+            <a:fillRef idx="0">
+              <a:schemeClr val="accent1"/>
+            </a:fillRef>
+            <a:effectRef idx="0">
+              <a:schemeClr val="accent1"/>
+            </a:effectRef>
+            <a:fontRef idx="minor">
+              <a:schemeClr val="tx1"/>
+            </a:fontRef>
+          </p:style>
+        </p:cxnSp>
+        <p:cxnSp>
+          <p:nvCxnSpPr>
+            <p:cNvPr id="9" name="Straight Arrow Connector 8">
+              <a:extLst>
+                <a:ext uri="{FF2B5EF4-FFF2-40B4-BE49-F238E27FC236}">
+                  <a16:creationId xmlns:a16="http://schemas.microsoft.com/office/drawing/2014/main" id="{27518D10-3CDA-3347-BD55-84E0A61F4F8A}"/>
+                </a:ext>
+              </a:extLst>
+            </p:cNvPr>
+            <p:cNvCxnSpPr>
+              <a:cxnSpLocks/>
+              <a:stCxn id="3" idx="5"/>
+              <a:endCxn id="4" idx="1"/>
+            </p:cNvCxnSpPr>
+            <p:nvPr/>
+          </p:nvCxnSpPr>
+          <p:spPr>
+            <a:xfrm>
+              <a:off x="2238130" y="1795156"/>
+              <a:ext cx="458347" cy="282750"/>
+            </a:xfrm>
+            <a:prstGeom prst="straightConnector1">
+              <a:avLst/>
+            </a:prstGeom>
+            <a:ln>
+              <a:tailEnd type="triangle"/>
+            </a:ln>
+          </p:spPr>
+          <p:style>
+            <a:lnRef idx="1">
+              <a:schemeClr val="accent1"/>
+            </a:lnRef>
+            <a:fillRef idx="0">
+              <a:schemeClr val="accent1"/>
+            </a:fillRef>
+            <a:effectRef idx="0">
+              <a:schemeClr val="accent1"/>
+            </a:effectRef>
+            <a:fontRef idx="minor">
+              <a:schemeClr val="tx1"/>
+            </a:fontRef>
+          </p:style>
+        </p:cxnSp>
+        <p:cxnSp>
+          <p:nvCxnSpPr>
+            <p:cNvPr id="10" name="Straight Arrow Connector 9">
+              <a:extLst>
+                <a:ext uri="{FF2B5EF4-FFF2-40B4-BE49-F238E27FC236}">
+                  <a16:creationId xmlns:a16="http://schemas.microsoft.com/office/drawing/2014/main" id="{13D27551-2B94-184A-A745-B26D66635A9B}"/>
+                </a:ext>
+              </a:extLst>
+            </p:cNvPr>
+            <p:cNvCxnSpPr>
+              <a:stCxn id="4" idx="4"/>
+              <a:endCxn id="7" idx="7"/>
+            </p:cNvCxnSpPr>
+            <p:nvPr/>
+          </p:nvCxnSpPr>
+          <p:spPr>
+            <a:xfrm flipH="1">
+              <a:off x="2731543" y="2580290"/>
+              <a:ext cx="169313" cy="412016"/>
+            </a:xfrm>
+            <a:prstGeom prst="straightConnector1">
+              <a:avLst/>
+            </a:prstGeom>
+            <a:ln>
+              <a:tailEnd type="triangle"/>
+            </a:ln>
+          </p:spPr>
+          <p:style>
+            <a:lnRef idx="1">
+              <a:schemeClr val="accent1"/>
+            </a:lnRef>
+            <a:fillRef idx="0">
+              <a:schemeClr val="accent1"/>
+            </a:fillRef>
+            <a:effectRef idx="0">
+              <a:schemeClr val="accent1"/>
+            </a:effectRef>
+            <a:fontRef idx="minor">
+              <a:schemeClr val="tx1"/>
+            </a:fontRef>
+          </p:style>
+        </p:cxnSp>
+        <p:cxnSp>
+          <p:nvCxnSpPr>
+            <p:cNvPr id="11" name="Straight Arrow Connector 10">
+              <a:extLst>
+                <a:ext uri="{FF2B5EF4-FFF2-40B4-BE49-F238E27FC236}">
+                  <a16:creationId xmlns:a16="http://schemas.microsoft.com/office/drawing/2014/main" id="{16A198B7-2CBC-3F4D-A905-C2759BE4A1FE}"/>
+                </a:ext>
+              </a:extLst>
+            </p:cNvPr>
+            <p:cNvCxnSpPr>
+              <a:stCxn id="7" idx="1"/>
+              <a:endCxn id="3" idx="4"/>
+            </p:cNvCxnSpPr>
+            <p:nvPr/>
+          </p:nvCxnSpPr>
+          <p:spPr>
+            <a:xfrm flipH="1" flipV="1">
+              <a:off x="2033752" y="1881352"/>
+              <a:ext cx="289034" cy="1110954"/>
+            </a:xfrm>
+            <a:prstGeom prst="straightConnector1">
+              <a:avLst/>
+            </a:prstGeom>
+            <a:ln>
+              <a:tailEnd type="triangle"/>
+            </a:ln>
+          </p:spPr>
+          <p:style>
+            <a:lnRef idx="1">
+              <a:schemeClr val="accent1"/>
+            </a:lnRef>
+            <a:fillRef idx="0">
+              <a:schemeClr val="accent1"/>
+            </a:fillRef>
+            <a:effectRef idx="0">
+              <a:schemeClr val="accent1"/>
+            </a:effectRef>
+            <a:fontRef idx="minor">
+              <a:schemeClr val="tx1"/>
+            </a:fontRef>
+          </p:style>
+        </p:cxnSp>
+        <p:cxnSp>
+          <p:nvCxnSpPr>
+            <p:cNvPr id="12" name="Straight Arrow Connector 11">
+              <a:extLst>
+                <a:ext uri="{FF2B5EF4-FFF2-40B4-BE49-F238E27FC236}">
+                  <a16:creationId xmlns:a16="http://schemas.microsoft.com/office/drawing/2014/main" id="{86A992CD-9638-8E4A-BC8F-215A78C7C5AB}"/>
+                </a:ext>
+              </a:extLst>
+            </p:cNvPr>
+            <p:cNvCxnSpPr>
+              <a:cxnSpLocks/>
+              <a:stCxn id="7" idx="2"/>
+              <a:endCxn id="6" idx="6"/>
+            </p:cNvCxnSpPr>
+            <p:nvPr/>
+          </p:nvCxnSpPr>
+          <p:spPr>
+            <a:xfrm flipH="1">
+              <a:off x="1897116" y="3200400"/>
+              <a:ext cx="341014" cy="0"/>
+            </a:xfrm>
+            <a:prstGeom prst="straightConnector1">
+              <a:avLst/>
+            </a:prstGeom>
+            <a:ln>
+              <a:tailEnd type="triangle"/>
+            </a:ln>
+          </p:spPr>
+          <p:style>
+            <a:lnRef idx="1">
+              <a:schemeClr val="accent1"/>
+            </a:lnRef>
+            <a:fillRef idx="0">
+              <a:schemeClr val="accent1"/>
+            </a:fillRef>
+            <a:effectRef idx="0">
+              <a:schemeClr val="accent1"/>
+            </a:effectRef>
+            <a:fontRef idx="minor">
+              <a:schemeClr val="tx1"/>
+            </a:fontRef>
+          </p:style>
+        </p:cxnSp>
+        <p:cxnSp>
+          <p:nvCxnSpPr>
+            <p:cNvPr id="13" name="Straight Arrow Connector 12">
+              <a:extLst>
+                <a:ext uri="{FF2B5EF4-FFF2-40B4-BE49-F238E27FC236}">
+                  <a16:creationId xmlns:a16="http://schemas.microsoft.com/office/drawing/2014/main" id="{32CE65D7-0E6D-E04C-8F65-6698F1B91FBB}"/>
+                </a:ext>
+              </a:extLst>
+            </p:cNvPr>
+            <p:cNvCxnSpPr>
+              <a:stCxn id="6" idx="1"/>
+              <a:endCxn id="5" idx="4"/>
+            </p:cNvCxnSpPr>
+            <p:nvPr/>
+          </p:nvCxnSpPr>
+          <p:spPr>
+            <a:xfrm flipH="1" flipV="1">
+              <a:off x="1240221" y="2580290"/>
+              <a:ext cx="163482" cy="412016"/>
+            </a:xfrm>
+            <a:prstGeom prst="straightConnector1">
+              <a:avLst/>
+            </a:prstGeom>
+            <a:ln>
+              <a:tailEnd type="triangle"/>
+            </a:ln>
+          </p:spPr>
+          <p:style>
+            <a:lnRef idx="1">
+              <a:schemeClr val="accent1"/>
+            </a:lnRef>
+            <a:fillRef idx="0">
+              <a:schemeClr val="accent1"/>
+            </a:fillRef>
+            <a:effectRef idx="0">
+              <a:schemeClr val="accent1"/>
+            </a:effectRef>
+            <a:fontRef idx="minor">
+              <a:schemeClr val="tx1"/>
+            </a:fontRef>
+          </p:style>
+        </p:cxnSp>
+        <p:cxnSp>
+          <p:nvCxnSpPr>
+            <p:cNvPr id="14" name="Straight Arrow Connector 13">
+              <a:extLst>
+                <a:ext uri="{FF2B5EF4-FFF2-40B4-BE49-F238E27FC236}">
+                  <a16:creationId xmlns:a16="http://schemas.microsoft.com/office/drawing/2014/main" id="{F4A1097B-3C8B-0449-A41E-07E42E5894EF}"/>
+                </a:ext>
+              </a:extLst>
+            </p:cNvPr>
+            <p:cNvCxnSpPr>
+              <a:stCxn id="4" idx="2"/>
+              <a:endCxn id="5" idx="6"/>
+            </p:cNvCxnSpPr>
+            <p:nvPr/>
+          </p:nvCxnSpPr>
+          <p:spPr>
+            <a:xfrm flipH="1">
+              <a:off x="1529255" y="2286000"/>
+              <a:ext cx="1082566" cy="0"/>
+            </a:xfrm>
+            <a:prstGeom prst="straightConnector1">
+              <a:avLst/>
+            </a:prstGeom>
+            <a:ln>
+              <a:tailEnd type="triangle"/>
+            </a:ln>
+          </p:spPr>
+          <p:style>
+            <a:lnRef idx="1">
+              <a:schemeClr val="accent1"/>
+            </a:lnRef>
+            <a:fillRef idx="0">
+              <a:schemeClr val="accent1"/>
+            </a:fillRef>
+            <a:effectRef idx="0">
+              <a:schemeClr val="accent1"/>
+            </a:effectRef>
+            <a:fontRef idx="minor">
+              <a:schemeClr val="tx1"/>
+            </a:fontRef>
+          </p:style>
+        </p:cxnSp>
+      </p:grpSp>
+      <p:grpSp>
+        <p:nvGrpSpPr>
+          <p:cNvPr id="59" name="Group 58">
+            <a:extLst>
+              <a:ext uri="{FF2B5EF4-FFF2-40B4-BE49-F238E27FC236}">
+                <a16:creationId xmlns:a16="http://schemas.microsoft.com/office/drawing/2014/main" id="{D3082B35-DE2E-DB41-B7BB-3565DD80B4BE}"/>
+              </a:ext>
+            </a:extLst>
+          </p:cNvPr>
+          <p:cNvGrpSpPr/>
+          <p:nvPr/>
+        </p:nvGrpSpPr>
+        <p:grpSpPr>
+          <a:xfrm>
+            <a:off x="7351699" y="2013339"/>
+            <a:ext cx="2238704" cy="2201918"/>
+            <a:chOff x="6857429" y="1314401"/>
+            <a:chExt cx="2238704" cy="2201918"/>
+          </a:xfrm>
+        </p:grpSpPr>
+        <p:grpSp>
+          <p:nvGrpSpPr>
+            <p:cNvPr id="58" name="Group 57">
+              <a:extLst>
+                <a:ext uri="{FF2B5EF4-FFF2-40B4-BE49-F238E27FC236}">
+                  <a16:creationId xmlns:a16="http://schemas.microsoft.com/office/drawing/2014/main" id="{6A1FD1BA-4F9D-8E45-B95E-55097B496510}"/>
+                </a:ext>
+              </a:extLst>
+            </p:cNvPr>
+            <p:cNvGrpSpPr/>
+            <p:nvPr/>
+          </p:nvGrpSpPr>
+          <p:grpSpPr>
+            <a:xfrm>
+              <a:off x="6857429" y="1314401"/>
+              <a:ext cx="2238704" cy="2201918"/>
+              <a:chOff x="6485455" y="2121070"/>
+              <a:chExt cx="2238704" cy="2201918"/>
+            </a:xfrm>
+          </p:grpSpPr>
+          <p:sp>
+            <p:nvSpPr>
+              <p:cNvPr id="40" name="Oval 39">
+                <a:extLst>
+                  <a:ext uri="{FF2B5EF4-FFF2-40B4-BE49-F238E27FC236}">
+                    <a16:creationId xmlns:a16="http://schemas.microsoft.com/office/drawing/2014/main" id="{AB2A0691-F4AF-514D-8C75-223D38898216}"/>
+                  </a:ext>
+                </a:extLst>
+              </p:cNvPr>
+              <p:cNvSpPr/>
+              <p:nvPr/>
+            </p:nvSpPr>
+            <p:spPr>
+              <a:xfrm>
+                <a:off x="7278986" y="2121070"/>
+                <a:ext cx="578069" cy="588580"/>
+              </a:xfrm>
+              <a:prstGeom prst="ellipse">
+                <a:avLst/>
+              </a:prstGeom>
+            </p:spPr>
+            <p:style>
+              <a:lnRef idx="2">
+                <a:schemeClr val="dk1"/>
+              </a:lnRef>
+              <a:fillRef idx="1">
+                <a:schemeClr val="lt1"/>
+              </a:fillRef>
+              <a:effectRef idx="0">
+                <a:schemeClr val="dk1"/>
+              </a:effectRef>
+              <a:fontRef idx="minor">
+                <a:schemeClr val="dk1"/>
+              </a:fontRef>
+            </p:style>
+            <p:txBody>
+              <a:bodyPr rtlCol="0" anchor="ctr"/>
+              <a:lstStyle/>
+              <a:p>
+                <a:pPr algn="ctr"/>
+                <a:r>
+                  <a:rPr lang="en-US" sz="2000" b="1" dirty="0"/>
+                  <a:t>1</a:t>
+                </a:r>
+              </a:p>
+            </p:txBody>
+          </p:sp>
+          <p:sp>
+            <p:nvSpPr>
+              <p:cNvPr id="41" name="Oval 40">
+                <a:extLst>
+                  <a:ext uri="{FF2B5EF4-FFF2-40B4-BE49-F238E27FC236}">
+                    <a16:creationId xmlns:a16="http://schemas.microsoft.com/office/drawing/2014/main" id="{85B83F60-01BD-5E4B-BD65-83692F897EC8}"/>
+                  </a:ext>
+                </a:extLst>
+              </p:cNvPr>
+              <p:cNvSpPr/>
+              <p:nvPr/>
+            </p:nvSpPr>
+            <p:spPr>
+              <a:xfrm>
+                <a:off x="8146090" y="2820008"/>
+                <a:ext cx="578069" cy="588580"/>
+              </a:xfrm>
+              <a:prstGeom prst="ellipse">
+                <a:avLst/>
+              </a:prstGeom>
+            </p:spPr>
+            <p:style>
+              <a:lnRef idx="2">
+                <a:schemeClr val="dk1"/>
+              </a:lnRef>
+              <a:fillRef idx="1">
+                <a:schemeClr val="lt1"/>
+              </a:fillRef>
+              <a:effectRef idx="0">
+                <a:schemeClr val="dk1"/>
+              </a:effectRef>
+              <a:fontRef idx="minor">
+                <a:schemeClr val="dk1"/>
+              </a:fontRef>
+            </p:style>
+            <p:txBody>
+              <a:bodyPr rtlCol="0" anchor="ctr"/>
+              <a:lstStyle/>
+              <a:p>
+                <a:pPr algn="ctr"/>
+                <a:r>
+                  <a:rPr lang="en-US" sz="2000" b="1" dirty="0"/>
+                  <a:t>2</a:t>
+                </a:r>
+              </a:p>
+            </p:txBody>
+          </p:sp>
+          <p:sp>
+            <p:nvSpPr>
+              <p:cNvPr id="42" name="Oval 41">
+                <a:extLst>
+                  <a:ext uri="{FF2B5EF4-FFF2-40B4-BE49-F238E27FC236}">
+                    <a16:creationId xmlns:a16="http://schemas.microsoft.com/office/drawing/2014/main" id="{2AB4B804-1F2F-2D4D-AB3F-4AFD2F24B12E}"/>
+                  </a:ext>
+                </a:extLst>
+              </p:cNvPr>
+              <p:cNvSpPr/>
+              <p:nvPr/>
+            </p:nvSpPr>
+            <p:spPr>
+              <a:xfrm>
+                <a:off x="6485455" y="2820008"/>
+                <a:ext cx="578069" cy="588580"/>
+              </a:xfrm>
+              <a:prstGeom prst="ellipse">
+                <a:avLst/>
+              </a:prstGeom>
+            </p:spPr>
+            <p:style>
+              <a:lnRef idx="2">
+                <a:schemeClr val="dk1"/>
+              </a:lnRef>
+              <a:fillRef idx="1">
+                <a:schemeClr val="lt1"/>
+              </a:fillRef>
+              <a:effectRef idx="0">
+                <a:schemeClr val="dk1"/>
+              </a:effectRef>
+              <a:fontRef idx="minor">
+                <a:schemeClr val="dk1"/>
+              </a:fontRef>
+            </p:style>
+            <p:txBody>
+              <a:bodyPr rtlCol="0" anchor="ctr"/>
+              <a:lstStyle/>
+              <a:p>
+                <a:pPr algn="ctr"/>
+                <a:r>
+                  <a:rPr lang="en-US" sz="2000" b="1" dirty="0"/>
+                  <a:t>5</a:t>
+                </a:r>
+              </a:p>
+            </p:txBody>
+          </p:sp>
+          <p:sp>
+            <p:nvSpPr>
+              <p:cNvPr id="43" name="Oval 42">
+                <a:extLst>
+                  <a:ext uri="{FF2B5EF4-FFF2-40B4-BE49-F238E27FC236}">
+                    <a16:creationId xmlns:a16="http://schemas.microsoft.com/office/drawing/2014/main" id="{3F336FDC-4ABF-E04D-BEB9-5BE50AC382A4}"/>
+                  </a:ext>
+                </a:extLst>
+              </p:cNvPr>
+              <p:cNvSpPr/>
+              <p:nvPr/>
+            </p:nvSpPr>
+            <p:spPr>
+              <a:xfrm>
+                <a:off x="6853316" y="3734408"/>
+                <a:ext cx="578069" cy="588580"/>
+              </a:xfrm>
+              <a:prstGeom prst="ellipse">
+                <a:avLst/>
+              </a:prstGeom>
+            </p:spPr>
+            <p:style>
+              <a:lnRef idx="2">
+                <a:schemeClr val="dk1"/>
+              </a:lnRef>
+              <a:fillRef idx="1">
+                <a:schemeClr val="lt1"/>
+              </a:fillRef>
+              <a:effectRef idx="0">
+                <a:schemeClr val="dk1"/>
+              </a:effectRef>
+              <a:fontRef idx="minor">
+                <a:schemeClr val="dk1"/>
+              </a:fontRef>
+            </p:style>
+            <p:txBody>
+              <a:bodyPr rtlCol="0" anchor="ctr"/>
+              <a:lstStyle/>
+              <a:p>
+                <a:pPr algn="ctr"/>
+                <a:r>
+                  <a:rPr lang="en-US" sz="2000" b="1" dirty="0"/>
+                  <a:t>4</a:t>
+                </a:r>
+              </a:p>
+            </p:txBody>
+          </p:sp>
+          <p:sp>
+            <p:nvSpPr>
+              <p:cNvPr id="44" name="Oval 43">
+                <a:extLst>
+                  <a:ext uri="{FF2B5EF4-FFF2-40B4-BE49-F238E27FC236}">
+                    <a16:creationId xmlns:a16="http://schemas.microsoft.com/office/drawing/2014/main" id="{3241F687-BF26-5C4D-A133-65F39FF718A3}"/>
+                  </a:ext>
+                </a:extLst>
+              </p:cNvPr>
+              <p:cNvSpPr/>
+              <p:nvPr/>
+            </p:nvSpPr>
+            <p:spPr>
+              <a:xfrm>
+                <a:off x="7772399" y="3734408"/>
+                <a:ext cx="578069" cy="588580"/>
+              </a:xfrm>
+              <a:prstGeom prst="ellipse">
+                <a:avLst/>
+              </a:prstGeom>
+            </p:spPr>
+            <p:style>
+              <a:lnRef idx="2">
+                <a:schemeClr val="dk1"/>
+              </a:lnRef>
+              <a:fillRef idx="1">
+                <a:schemeClr val="lt1"/>
+              </a:fillRef>
+              <a:effectRef idx="0">
+                <a:schemeClr val="dk1"/>
+              </a:effectRef>
+              <a:fontRef idx="minor">
+                <a:schemeClr val="dk1"/>
+              </a:fontRef>
+            </p:style>
+            <p:txBody>
+              <a:bodyPr rtlCol="0" anchor="ctr"/>
+              <a:lstStyle/>
+              <a:p>
+                <a:pPr algn="ctr"/>
+                <a:r>
+                  <a:rPr lang="en-US" sz="2000" b="1" dirty="0"/>
+                  <a:t>3</a:t>
+                </a:r>
+              </a:p>
+            </p:txBody>
+          </p:sp>
+          <p:cxnSp>
+            <p:nvCxnSpPr>
+              <p:cNvPr id="45" name="Straight Arrow Connector 44">
+                <a:extLst>
+                  <a:ext uri="{FF2B5EF4-FFF2-40B4-BE49-F238E27FC236}">
+                    <a16:creationId xmlns:a16="http://schemas.microsoft.com/office/drawing/2014/main" id="{8BC0E4F6-9363-E441-B941-16A73062049A}"/>
+                  </a:ext>
+                </a:extLst>
+              </p:cNvPr>
+              <p:cNvCxnSpPr>
+                <a:stCxn id="41" idx="4"/>
+                <a:endCxn id="44" idx="7"/>
+              </p:cNvCxnSpPr>
+              <p:nvPr/>
+            </p:nvCxnSpPr>
+            <p:spPr>
+              <a:xfrm flipH="1">
+                <a:off x="8265812" y="3408588"/>
+                <a:ext cx="169313" cy="412016"/>
+              </a:xfrm>
+              <a:prstGeom prst="straightConnector1">
+                <a:avLst/>
+              </a:prstGeom>
+              <a:ln>
+                <a:tailEnd type="triangle"/>
+              </a:ln>
+            </p:spPr>
+            <p:style>
+              <a:lnRef idx="1">
+                <a:schemeClr val="accent1"/>
+              </a:lnRef>
+              <a:fillRef idx="0">
+                <a:schemeClr val="accent1"/>
+              </a:fillRef>
+              <a:effectRef idx="0">
+                <a:schemeClr val="accent1"/>
+              </a:effectRef>
+              <a:fontRef idx="minor">
+                <a:schemeClr val="tx1"/>
+              </a:fontRef>
+            </p:style>
+          </p:cxnSp>
+          <p:cxnSp>
+            <p:nvCxnSpPr>
+              <p:cNvPr id="46" name="Straight Arrow Connector 45">
+                <a:extLst>
+                  <a:ext uri="{FF2B5EF4-FFF2-40B4-BE49-F238E27FC236}">
+                    <a16:creationId xmlns:a16="http://schemas.microsoft.com/office/drawing/2014/main" id="{2960B3AA-9D7E-DD45-A070-0BED85148519}"/>
+                  </a:ext>
+                </a:extLst>
+              </p:cNvPr>
+              <p:cNvCxnSpPr>
+                <a:stCxn id="44" idx="1"/>
+                <a:endCxn id="40" idx="4"/>
+              </p:cNvCxnSpPr>
+              <p:nvPr/>
+            </p:nvCxnSpPr>
+            <p:spPr>
+              <a:xfrm flipH="1" flipV="1">
+                <a:off x="7568021" y="2709650"/>
+                <a:ext cx="289034" cy="1110954"/>
+              </a:xfrm>
+              <a:prstGeom prst="straightConnector1">
+                <a:avLst/>
+              </a:prstGeom>
+              <a:ln>
+                <a:tailEnd type="triangle"/>
+              </a:ln>
+            </p:spPr>
+            <p:style>
+              <a:lnRef idx="1">
+                <a:schemeClr val="accent1"/>
+              </a:lnRef>
+              <a:fillRef idx="0">
+                <a:schemeClr val="accent1"/>
+              </a:fillRef>
+              <a:effectRef idx="0">
+                <a:schemeClr val="accent1"/>
+              </a:effectRef>
+              <a:fontRef idx="minor">
+                <a:schemeClr val="tx1"/>
+              </a:fontRef>
+            </p:style>
+          </p:cxnSp>
+          <p:cxnSp>
+            <p:nvCxnSpPr>
+              <p:cNvPr id="47" name="Straight Arrow Connector 46">
+                <a:extLst>
+                  <a:ext uri="{FF2B5EF4-FFF2-40B4-BE49-F238E27FC236}">
+                    <a16:creationId xmlns:a16="http://schemas.microsoft.com/office/drawing/2014/main" id="{4ADCB8F3-730B-CC4D-A461-18265C4BB9B4}"/>
+                  </a:ext>
+                </a:extLst>
+              </p:cNvPr>
+              <p:cNvCxnSpPr>
+                <a:cxnSpLocks/>
+                <a:stCxn id="44" idx="2"/>
+                <a:endCxn id="43" idx="6"/>
+              </p:cNvCxnSpPr>
+              <p:nvPr/>
+            </p:nvCxnSpPr>
+            <p:spPr>
+              <a:xfrm flipH="1">
+                <a:off x="7431385" y="4028698"/>
+                <a:ext cx="341014" cy="0"/>
+              </a:xfrm>
+              <a:prstGeom prst="straightConnector1">
+                <a:avLst/>
+              </a:prstGeom>
+              <a:ln>
+                <a:tailEnd type="triangle"/>
+              </a:ln>
+            </p:spPr>
+            <p:style>
+              <a:lnRef idx="1">
+                <a:schemeClr val="accent1"/>
+              </a:lnRef>
+              <a:fillRef idx="0">
+                <a:schemeClr val="accent1"/>
+              </a:fillRef>
+              <a:effectRef idx="0">
+                <a:schemeClr val="accent1"/>
+              </a:effectRef>
+              <a:fontRef idx="minor">
+                <a:schemeClr val="tx1"/>
+              </a:fontRef>
+            </p:style>
+          </p:cxnSp>
+          <p:cxnSp>
+            <p:nvCxnSpPr>
+              <p:cNvPr id="48" name="Straight Arrow Connector 47">
+                <a:extLst>
+                  <a:ext uri="{FF2B5EF4-FFF2-40B4-BE49-F238E27FC236}">
+                    <a16:creationId xmlns:a16="http://schemas.microsoft.com/office/drawing/2014/main" id="{D01F0BD5-2A8A-3A41-9D8B-B5C0C54C10A1}"/>
+                  </a:ext>
+                </a:extLst>
+              </p:cNvPr>
+              <p:cNvCxnSpPr>
+                <a:stCxn id="43" idx="1"/>
+                <a:endCxn id="42" idx="4"/>
+              </p:cNvCxnSpPr>
+              <p:nvPr/>
+            </p:nvCxnSpPr>
+            <p:spPr>
+              <a:xfrm flipH="1" flipV="1">
+                <a:off x="6774490" y="3408588"/>
+                <a:ext cx="163482" cy="412016"/>
+              </a:xfrm>
+              <a:prstGeom prst="straightConnector1">
+                <a:avLst/>
+              </a:prstGeom>
+              <a:ln>
+                <a:tailEnd type="triangle"/>
+              </a:ln>
+            </p:spPr>
+            <p:style>
+              <a:lnRef idx="1">
+                <a:schemeClr val="accent1"/>
+              </a:lnRef>
+              <a:fillRef idx="0">
+                <a:schemeClr val="accent1"/>
+              </a:fillRef>
+              <a:effectRef idx="0">
+                <a:schemeClr val="accent1"/>
+              </a:effectRef>
+              <a:fontRef idx="minor">
+                <a:schemeClr val="tx1"/>
+              </a:fontRef>
+            </p:style>
+          </p:cxnSp>
+          <p:cxnSp>
+            <p:nvCxnSpPr>
+              <p:cNvPr id="49" name="Straight Arrow Connector 48">
+                <a:extLst>
+                  <a:ext uri="{FF2B5EF4-FFF2-40B4-BE49-F238E27FC236}">
+                    <a16:creationId xmlns:a16="http://schemas.microsoft.com/office/drawing/2014/main" id="{557327D3-BFE0-8E4F-A39C-B0A9AB70984F}"/>
+                  </a:ext>
+                </a:extLst>
+              </p:cNvPr>
+              <p:cNvCxnSpPr>
+                <a:stCxn id="41" idx="2"/>
+                <a:endCxn id="42" idx="6"/>
+              </p:cNvCxnSpPr>
+              <p:nvPr/>
+            </p:nvCxnSpPr>
+            <p:spPr>
+              <a:xfrm flipH="1">
+                <a:off x="7063524" y="3114298"/>
+                <a:ext cx="1082566" cy="0"/>
+              </a:xfrm>
+              <a:prstGeom prst="straightConnector1">
+                <a:avLst/>
+              </a:prstGeom>
+              <a:ln>
+                <a:tailEnd type="triangle"/>
+              </a:ln>
+            </p:spPr>
+            <p:style>
+              <a:lnRef idx="1">
+                <a:schemeClr val="accent1"/>
+              </a:lnRef>
+              <a:fillRef idx="0">
+                <a:schemeClr val="accent1"/>
+              </a:fillRef>
+              <a:effectRef idx="0">
+                <a:schemeClr val="accent1"/>
+              </a:effectRef>
+              <a:fontRef idx="minor">
+                <a:schemeClr val="tx1"/>
+              </a:fontRef>
+            </p:style>
+          </p:cxnSp>
+        </p:grpSp>
+        <p:cxnSp>
+          <p:nvCxnSpPr>
+            <p:cNvPr id="55" name="Straight Arrow Connector 54">
+              <a:extLst>
+                <a:ext uri="{FF2B5EF4-FFF2-40B4-BE49-F238E27FC236}">
+                  <a16:creationId xmlns:a16="http://schemas.microsoft.com/office/drawing/2014/main" id="{E9AFA501-2F63-AA41-9CB2-7FAC72F7641A}"/>
+                </a:ext>
+              </a:extLst>
+            </p:cNvPr>
+            <p:cNvCxnSpPr>
+              <a:stCxn id="40" idx="5"/>
+              <a:endCxn id="41" idx="1"/>
+            </p:cNvCxnSpPr>
+            <p:nvPr/>
+          </p:nvCxnSpPr>
+          <p:spPr>
+            <a:xfrm>
+              <a:off x="8144373" y="1816785"/>
+              <a:ext cx="458347" cy="282750"/>
+            </a:xfrm>
+            <a:prstGeom prst="straightConnector1">
+              <a:avLst/>
+            </a:prstGeom>
+            <a:ln>
+              <a:solidFill>
+                <a:schemeClr val="bg1">
+                  <a:lumMod val="50000"/>
+                </a:schemeClr>
+              </a:solidFill>
+              <a:prstDash val="sysDot"/>
+              <a:tailEnd type="triangle"/>
+            </a:ln>
+          </p:spPr>
+          <p:style>
+            <a:lnRef idx="1">
+              <a:schemeClr val="accent1"/>
+            </a:lnRef>
+            <a:fillRef idx="0">
+              <a:schemeClr val="accent1"/>
+            </a:fillRef>
+            <a:effectRef idx="0">
+              <a:schemeClr val="accent1"/>
+            </a:effectRef>
+            <a:fontRef idx="minor">
+              <a:schemeClr val="tx1"/>
+            </a:fontRef>
+          </p:style>
+        </p:cxnSp>
+        <p:cxnSp>
+          <p:nvCxnSpPr>
+            <p:cNvPr id="57" name="Straight Arrow Connector 56">
+              <a:extLst>
+                <a:ext uri="{FF2B5EF4-FFF2-40B4-BE49-F238E27FC236}">
+                  <a16:creationId xmlns:a16="http://schemas.microsoft.com/office/drawing/2014/main" id="{9FF28B6A-4AC1-6444-8597-BC9368399465}"/>
+                </a:ext>
+              </a:extLst>
+            </p:cNvPr>
+            <p:cNvCxnSpPr>
+              <a:stCxn id="42" idx="7"/>
+              <a:endCxn id="40" idx="3"/>
+            </p:cNvCxnSpPr>
+            <p:nvPr/>
+          </p:nvCxnSpPr>
+          <p:spPr>
+            <a:xfrm flipV="1">
+              <a:off x="7350842" y="1816785"/>
+              <a:ext cx="384774" cy="282750"/>
+            </a:xfrm>
+            <a:prstGeom prst="straightConnector1">
+              <a:avLst/>
+            </a:prstGeom>
+            <a:ln>
+              <a:solidFill>
+                <a:schemeClr val="bg1">
+                  <a:lumMod val="50000"/>
+                </a:schemeClr>
+              </a:solidFill>
+              <a:prstDash val="sysDot"/>
+              <a:tailEnd type="triangle"/>
+            </a:ln>
+          </p:spPr>
+          <p:style>
+            <a:lnRef idx="1">
+              <a:schemeClr val="accent1"/>
+            </a:lnRef>
+            <a:fillRef idx="0">
+              <a:schemeClr val="accent1"/>
+            </a:fillRef>
+            <a:effectRef idx="0">
+              <a:schemeClr val="accent1"/>
+            </a:effectRef>
+            <a:fontRef idx="minor">
+              <a:schemeClr val="tx1"/>
+            </a:fontRef>
+          </p:style>
+        </p:cxnSp>
+      </p:grpSp>
     </p:spTree>
     <p:extLst>
       <p:ext uri="{BB962C8B-B14F-4D97-AF65-F5344CB8AC3E}">
@@ -8605,10 +9908,2344 @@
           <a:chExt cx="0" cy="0"/>
         </a:xfrm>
       </p:grpSpPr>
+      <p:grpSp>
+        <p:nvGrpSpPr>
+          <p:cNvPr id="168" name="Group 167">
+            <a:extLst>
+              <a:ext uri="{FF2B5EF4-FFF2-40B4-BE49-F238E27FC236}">
+                <a16:creationId xmlns:a16="http://schemas.microsoft.com/office/drawing/2014/main" id="{2C07B862-0E6D-4C4D-AFA9-2227F68E055A}"/>
+              </a:ext>
+            </a:extLst>
+          </p:cNvPr>
+          <p:cNvGrpSpPr/>
+          <p:nvPr/>
+        </p:nvGrpSpPr>
+        <p:grpSpPr>
+          <a:xfrm>
+            <a:off x="1287517" y="1818290"/>
+            <a:ext cx="2238704" cy="2201918"/>
+            <a:chOff x="951186" y="1292772"/>
+            <a:chExt cx="2238704" cy="2201918"/>
+          </a:xfrm>
+        </p:grpSpPr>
+        <p:sp>
+          <p:nvSpPr>
+            <p:cNvPr id="5" name="Oval 4">
+              <a:extLst>
+                <a:ext uri="{FF2B5EF4-FFF2-40B4-BE49-F238E27FC236}">
+                  <a16:creationId xmlns:a16="http://schemas.microsoft.com/office/drawing/2014/main" id="{D4F729E4-F0D8-BE4B-9097-B726881F16C5}"/>
+                </a:ext>
+              </a:extLst>
+            </p:cNvPr>
+            <p:cNvSpPr/>
+            <p:nvPr/>
+          </p:nvSpPr>
+          <p:spPr>
+            <a:xfrm>
+              <a:off x="1744717" y="1292772"/>
+              <a:ext cx="578069" cy="588580"/>
+            </a:xfrm>
+            <a:prstGeom prst="ellipse">
+              <a:avLst/>
+            </a:prstGeom>
+            <a:ln w="28575"/>
+          </p:spPr>
+          <p:style>
+            <a:lnRef idx="2">
+              <a:schemeClr val="dk1"/>
+            </a:lnRef>
+            <a:fillRef idx="1">
+              <a:schemeClr val="lt1"/>
+            </a:fillRef>
+            <a:effectRef idx="0">
+              <a:schemeClr val="dk1"/>
+            </a:effectRef>
+            <a:fontRef idx="minor">
+              <a:schemeClr val="dk1"/>
+            </a:fontRef>
+          </p:style>
+          <p:txBody>
+            <a:bodyPr rtlCol="0" anchor="ctr"/>
+            <a:lstStyle/>
+            <a:p>
+              <a:pPr algn="ctr"/>
+              <a:r>
+                <a:rPr lang="en-US" sz="2000" b="1" dirty="0"/>
+                <a:t>1</a:t>
+              </a:r>
+            </a:p>
+          </p:txBody>
+        </p:sp>
+        <p:sp>
+          <p:nvSpPr>
+            <p:cNvPr id="6" name="Oval 5">
+              <a:extLst>
+                <a:ext uri="{FF2B5EF4-FFF2-40B4-BE49-F238E27FC236}">
+                  <a16:creationId xmlns:a16="http://schemas.microsoft.com/office/drawing/2014/main" id="{CCCB6BA1-E775-B648-83FF-D5E2F3399110}"/>
+                </a:ext>
+              </a:extLst>
+            </p:cNvPr>
+            <p:cNvSpPr/>
+            <p:nvPr/>
+          </p:nvSpPr>
+          <p:spPr>
+            <a:xfrm>
+              <a:off x="2611821" y="1991710"/>
+              <a:ext cx="578069" cy="588580"/>
+            </a:xfrm>
+            <a:prstGeom prst="ellipse">
+              <a:avLst/>
+            </a:prstGeom>
+            <a:ln w="28575"/>
+          </p:spPr>
+          <p:style>
+            <a:lnRef idx="2">
+              <a:schemeClr val="dk1"/>
+            </a:lnRef>
+            <a:fillRef idx="1">
+              <a:schemeClr val="lt1"/>
+            </a:fillRef>
+            <a:effectRef idx="0">
+              <a:schemeClr val="dk1"/>
+            </a:effectRef>
+            <a:fontRef idx="minor">
+              <a:schemeClr val="dk1"/>
+            </a:fontRef>
+          </p:style>
+          <p:txBody>
+            <a:bodyPr rtlCol="0" anchor="ctr"/>
+            <a:lstStyle/>
+            <a:p>
+              <a:pPr algn="ctr"/>
+              <a:r>
+                <a:rPr lang="en-US" sz="2000" b="1" dirty="0"/>
+                <a:t>2</a:t>
+              </a:r>
+            </a:p>
+          </p:txBody>
+        </p:sp>
+        <p:sp>
+          <p:nvSpPr>
+            <p:cNvPr id="7" name="Oval 6">
+              <a:extLst>
+                <a:ext uri="{FF2B5EF4-FFF2-40B4-BE49-F238E27FC236}">
+                  <a16:creationId xmlns:a16="http://schemas.microsoft.com/office/drawing/2014/main" id="{40D7FD0C-422B-1D4B-BE3B-69B502F50F57}"/>
+                </a:ext>
+              </a:extLst>
+            </p:cNvPr>
+            <p:cNvSpPr/>
+            <p:nvPr/>
+          </p:nvSpPr>
+          <p:spPr>
+            <a:xfrm>
+              <a:off x="951186" y="1991710"/>
+              <a:ext cx="578069" cy="588580"/>
+            </a:xfrm>
+            <a:prstGeom prst="ellipse">
+              <a:avLst/>
+            </a:prstGeom>
+            <a:ln w="28575"/>
+          </p:spPr>
+          <p:style>
+            <a:lnRef idx="2">
+              <a:schemeClr val="dk1"/>
+            </a:lnRef>
+            <a:fillRef idx="1">
+              <a:schemeClr val="lt1"/>
+            </a:fillRef>
+            <a:effectRef idx="0">
+              <a:schemeClr val="dk1"/>
+            </a:effectRef>
+            <a:fontRef idx="minor">
+              <a:schemeClr val="dk1"/>
+            </a:fontRef>
+          </p:style>
+          <p:txBody>
+            <a:bodyPr rtlCol="0" anchor="ctr"/>
+            <a:lstStyle/>
+            <a:p>
+              <a:pPr algn="ctr"/>
+              <a:r>
+                <a:rPr lang="en-US" sz="2000" b="1" dirty="0"/>
+                <a:t>5</a:t>
+              </a:r>
+            </a:p>
+          </p:txBody>
+        </p:sp>
+        <p:sp>
+          <p:nvSpPr>
+            <p:cNvPr id="8" name="Oval 7">
+              <a:extLst>
+                <a:ext uri="{FF2B5EF4-FFF2-40B4-BE49-F238E27FC236}">
+                  <a16:creationId xmlns:a16="http://schemas.microsoft.com/office/drawing/2014/main" id="{5E10372D-2BF9-054C-94AB-4488C82CF17B}"/>
+                </a:ext>
+              </a:extLst>
+            </p:cNvPr>
+            <p:cNvSpPr/>
+            <p:nvPr/>
+          </p:nvSpPr>
+          <p:spPr>
+            <a:xfrm>
+              <a:off x="1319047" y="2906110"/>
+              <a:ext cx="578069" cy="588580"/>
+            </a:xfrm>
+            <a:prstGeom prst="ellipse">
+              <a:avLst/>
+            </a:prstGeom>
+            <a:ln w="28575"/>
+          </p:spPr>
+          <p:style>
+            <a:lnRef idx="2">
+              <a:schemeClr val="dk1"/>
+            </a:lnRef>
+            <a:fillRef idx="1">
+              <a:schemeClr val="lt1"/>
+            </a:fillRef>
+            <a:effectRef idx="0">
+              <a:schemeClr val="dk1"/>
+            </a:effectRef>
+            <a:fontRef idx="minor">
+              <a:schemeClr val="dk1"/>
+            </a:fontRef>
+          </p:style>
+          <p:txBody>
+            <a:bodyPr rtlCol="0" anchor="ctr"/>
+            <a:lstStyle/>
+            <a:p>
+              <a:pPr algn="ctr"/>
+              <a:r>
+                <a:rPr lang="en-US" sz="2000" b="1" dirty="0"/>
+                <a:t>4</a:t>
+              </a:r>
+            </a:p>
+          </p:txBody>
+        </p:sp>
+        <p:sp>
+          <p:nvSpPr>
+            <p:cNvPr id="9" name="Oval 8">
+              <a:extLst>
+                <a:ext uri="{FF2B5EF4-FFF2-40B4-BE49-F238E27FC236}">
+                  <a16:creationId xmlns:a16="http://schemas.microsoft.com/office/drawing/2014/main" id="{054CB620-49C9-2E4C-A546-61D1601A8843}"/>
+                </a:ext>
+              </a:extLst>
+            </p:cNvPr>
+            <p:cNvSpPr/>
+            <p:nvPr/>
+          </p:nvSpPr>
+          <p:spPr>
+            <a:xfrm>
+              <a:off x="2238130" y="2906110"/>
+              <a:ext cx="578069" cy="588580"/>
+            </a:xfrm>
+            <a:prstGeom prst="ellipse">
+              <a:avLst/>
+            </a:prstGeom>
+            <a:ln w="28575"/>
+          </p:spPr>
+          <p:style>
+            <a:lnRef idx="2">
+              <a:schemeClr val="dk1"/>
+            </a:lnRef>
+            <a:fillRef idx="1">
+              <a:schemeClr val="lt1"/>
+            </a:fillRef>
+            <a:effectRef idx="0">
+              <a:schemeClr val="dk1"/>
+            </a:effectRef>
+            <a:fontRef idx="minor">
+              <a:schemeClr val="dk1"/>
+            </a:fontRef>
+          </p:style>
+          <p:txBody>
+            <a:bodyPr rtlCol="0" anchor="ctr"/>
+            <a:lstStyle/>
+            <a:p>
+              <a:pPr algn="ctr"/>
+              <a:r>
+                <a:rPr lang="en-US" sz="2000" b="1" dirty="0"/>
+                <a:t>3</a:t>
+              </a:r>
+            </a:p>
+          </p:txBody>
+        </p:sp>
+        <p:cxnSp>
+          <p:nvCxnSpPr>
+            <p:cNvPr id="11" name="Straight Arrow Connector 10">
+              <a:extLst>
+                <a:ext uri="{FF2B5EF4-FFF2-40B4-BE49-F238E27FC236}">
+                  <a16:creationId xmlns:a16="http://schemas.microsoft.com/office/drawing/2014/main" id="{E4158C1A-8A86-984E-AAAC-5DAD289A0C57}"/>
+                </a:ext>
+              </a:extLst>
+            </p:cNvPr>
+            <p:cNvCxnSpPr>
+              <a:stCxn id="7" idx="7"/>
+              <a:endCxn id="5" idx="3"/>
+            </p:cNvCxnSpPr>
+            <p:nvPr/>
+          </p:nvCxnSpPr>
+          <p:spPr>
+            <a:xfrm flipV="1">
+              <a:off x="1444599" y="1795156"/>
+              <a:ext cx="384774" cy="282750"/>
+            </a:xfrm>
+            <a:prstGeom prst="straightConnector1">
+              <a:avLst/>
+            </a:prstGeom>
+            <a:ln w="28575">
+              <a:tailEnd type="triangle"/>
+            </a:ln>
+          </p:spPr>
+          <p:style>
+            <a:lnRef idx="1">
+              <a:schemeClr val="accent1"/>
+            </a:lnRef>
+            <a:fillRef idx="0">
+              <a:schemeClr val="accent1"/>
+            </a:fillRef>
+            <a:effectRef idx="0">
+              <a:schemeClr val="accent1"/>
+            </a:effectRef>
+            <a:fontRef idx="minor">
+              <a:schemeClr val="tx1"/>
+            </a:fontRef>
+          </p:style>
+        </p:cxnSp>
+        <p:cxnSp>
+          <p:nvCxnSpPr>
+            <p:cNvPr id="13" name="Straight Arrow Connector 12">
+              <a:extLst>
+                <a:ext uri="{FF2B5EF4-FFF2-40B4-BE49-F238E27FC236}">
+                  <a16:creationId xmlns:a16="http://schemas.microsoft.com/office/drawing/2014/main" id="{6230F5ED-151E-DD49-8852-F1FF6B83E518}"/>
+                </a:ext>
+              </a:extLst>
+            </p:cNvPr>
+            <p:cNvCxnSpPr>
+              <a:cxnSpLocks/>
+              <a:stCxn id="5" idx="5"/>
+              <a:endCxn id="6" idx="1"/>
+            </p:cNvCxnSpPr>
+            <p:nvPr/>
+          </p:nvCxnSpPr>
+          <p:spPr>
+            <a:xfrm>
+              <a:off x="2238130" y="1795156"/>
+              <a:ext cx="458347" cy="282750"/>
+            </a:xfrm>
+            <a:prstGeom prst="straightConnector1">
+              <a:avLst/>
+            </a:prstGeom>
+            <a:ln w="28575">
+              <a:tailEnd type="triangle"/>
+            </a:ln>
+          </p:spPr>
+          <p:style>
+            <a:lnRef idx="1">
+              <a:schemeClr val="accent1"/>
+            </a:lnRef>
+            <a:fillRef idx="0">
+              <a:schemeClr val="accent1"/>
+            </a:fillRef>
+            <a:effectRef idx="0">
+              <a:schemeClr val="accent1"/>
+            </a:effectRef>
+            <a:fontRef idx="minor">
+              <a:schemeClr val="tx1"/>
+            </a:fontRef>
+          </p:style>
+        </p:cxnSp>
+        <p:cxnSp>
+          <p:nvCxnSpPr>
+            <p:cNvPr id="16" name="Straight Arrow Connector 15">
+              <a:extLst>
+                <a:ext uri="{FF2B5EF4-FFF2-40B4-BE49-F238E27FC236}">
+                  <a16:creationId xmlns:a16="http://schemas.microsoft.com/office/drawing/2014/main" id="{82ABE7E9-9404-6246-82CD-7155E2022763}"/>
+                </a:ext>
+              </a:extLst>
+            </p:cNvPr>
+            <p:cNvCxnSpPr>
+              <a:stCxn id="6" idx="4"/>
+              <a:endCxn id="9" idx="7"/>
+            </p:cNvCxnSpPr>
+            <p:nvPr/>
+          </p:nvCxnSpPr>
+          <p:spPr>
+            <a:xfrm flipH="1">
+              <a:off x="2731543" y="2580290"/>
+              <a:ext cx="169313" cy="412016"/>
+            </a:xfrm>
+            <a:prstGeom prst="straightConnector1">
+              <a:avLst/>
+            </a:prstGeom>
+            <a:ln w="28575">
+              <a:tailEnd type="triangle"/>
+            </a:ln>
+          </p:spPr>
+          <p:style>
+            <a:lnRef idx="1">
+              <a:schemeClr val="accent1"/>
+            </a:lnRef>
+            <a:fillRef idx="0">
+              <a:schemeClr val="accent1"/>
+            </a:fillRef>
+            <a:effectRef idx="0">
+              <a:schemeClr val="accent1"/>
+            </a:effectRef>
+            <a:fontRef idx="minor">
+              <a:schemeClr val="tx1"/>
+            </a:fontRef>
+          </p:style>
+        </p:cxnSp>
+        <p:cxnSp>
+          <p:nvCxnSpPr>
+            <p:cNvPr id="18" name="Straight Arrow Connector 17">
+              <a:extLst>
+                <a:ext uri="{FF2B5EF4-FFF2-40B4-BE49-F238E27FC236}">
+                  <a16:creationId xmlns:a16="http://schemas.microsoft.com/office/drawing/2014/main" id="{83BA002D-FD17-034E-9D28-B68F8EBBC0AC}"/>
+                </a:ext>
+              </a:extLst>
+            </p:cNvPr>
+            <p:cNvCxnSpPr>
+              <a:stCxn id="9" idx="1"/>
+              <a:endCxn id="5" idx="4"/>
+            </p:cNvCxnSpPr>
+            <p:nvPr/>
+          </p:nvCxnSpPr>
+          <p:spPr>
+            <a:xfrm flipH="1" flipV="1">
+              <a:off x="2033752" y="1881352"/>
+              <a:ext cx="289034" cy="1110954"/>
+            </a:xfrm>
+            <a:prstGeom prst="straightConnector1">
+              <a:avLst/>
+            </a:prstGeom>
+            <a:ln w="28575">
+              <a:tailEnd type="triangle"/>
+            </a:ln>
+          </p:spPr>
+          <p:style>
+            <a:lnRef idx="1">
+              <a:schemeClr val="accent1"/>
+            </a:lnRef>
+            <a:fillRef idx="0">
+              <a:schemeClr val="accent1"/>
+            </a:fillRef>
+            <a:effectRef idx="0">
+              <a:schemeClr val="accent1"/>
+            </a:effectRef>
+            <a:fontRef idx="minor">
+              <a:schemeClr val="tx1"/>
+            </a:fontRef>
+          </p:style>
+        </p:cxnSp>
+        <p:cxnSp>
+          <p:nvCxnSpPr>
+            <p:cNvPr id="20" name="Straight Arrow Connector 19">
+              <a:extLst>
+                <a:ext uri="{FF2B5EF4-FFF2-40B4-BE49-F238E27FC236}">
+                  <a16:creationId xmlns:a16="http://schemas.microsoft.com/office/drawing/2014/main" id="{3D4B93AC-7533-1E42-961A-D5D95D48A241}"/>
+                </a:ext>
+              </a:extLst>
+            </p:cNvPr>
+            <p:cNvCxnSpPr>
+              <a:cxnSpLocks/>
+              <a:stCxn id="9" idx="2"/>
+              <a:endCxn id="8" idx="6"/>
+            </p:cNvCxnSpPr>
+            <p:nvPr/>
+          </p:nvCxnSpPr>
+          <p:spPr>
+            <a:xfrm flipH="1">
+              <a:off x="1897116" y="3200400"/>
+              <a:ext cx="341014" cy="0"/>
+            </a:xfrm>
+            <a:prstGeom prst="straightConnector1">
+              <a:avLst/>
+            </a:prstGeom>
+            <a:ln w="28575">
+              <a:tailEnd type="triangle"/>
+            </a:ln>
+          </p:spPr>
+          <p:style>
+            <a:lnRef idx="1">
+              <a:schemeClr val="accent1"/>
+            </a:lnRef>
+            <a:fillRef idx="0">
+              <a:schemeClr val="accent1"/>
+            </a:fillRef>
+            <a:effectRef idx="0">
+              <a:schemeClr val="accent1"/>
+            </a:effectRef>
+            <a:fontRef idx="minor">
+              <a:schemeClr val="tx1"/>
+            </a:fontRef>
+          </p:style>
+        </p:cxnSp>
+        <p:cxnSp>
+          <p:nvCxnSpPr>
+            <p:cNvPr id="22" name="Straight Arrow Connector 21">
+              <a:extLst>
+                <a:ext uri="{FF2B5EF4-FFF2-40B4-BE49-F238E27FC236}">
+                  <a16:creationId xmlns:a16="http://schemas.microsoft.com/office/drawing/2014/main" id="{3E14F0E7-4F68-B34E-B562-1C526853D90F}"/>
+                </a:ext>
+              </a:extLst>
+            </p:cNvPr>
+            <p:cNvCxnSpPr>
+              <a:stCxn id="8" idx="1"/>
+              <a:endCxn id="7" idx="4"/>
+            </p:cNvCxnSpPr>
+            <p:nvPr/>
+          </p:nvCxnSpPr>
+          <p:spPr>
+            <a:xfrm flipH="1" flipV="1">
+              <a:off x="1240221" y="2580290"/>
+              <a:ext cx="163482" cy="412016"/>
+            </a:xfrm>
+            <a:prstGeom prst="straightConnector1">
+              <a:avLst/>
+            </a:prstGeom>
+            <a:ln w="28575">
+              <a:tailEnd type="triangle"/>
+            </a:ln>
+          </p:spPr>
+          <p:style>
+            <a:lnRef idx="1">
+              <a:schemeClr val="accent1"/>
+            </a:lnRef>
+            <a:fillRef idx="0">
+              <a:schemeClr val="accent1"/>
+            </a:fillRef>
+            <a:effectRef idx="0">
+              <a:schemeClr val="accent1"/>
+            </a:effectRef>
+            <a:fontRef idx="minor">
+              <a:schemeClr val="tx1"/>
+            </a:fontRef>
+          </p:style>
+        </p:cxnSp>
+        <p:cxnSp>
+          <p:nvCxnSpPr>
+            <p:cNvPr id="24" name="Straight Arrow Connector 23">
+              <a:extLst>
+                <a:ext uri="{FF2B5EF4-FFF2-40B4-BE49-F238E27FC236}">
+                  <a16:creationId xmlns:a16="http://schemas.microsoft.com/office/drawing/2014/main" id="{778E91F5-01C8-5046-AC15-FECA19F4F44E}"/>
+                </a:ext>
+              </a:extLst>
+            </p:cNvPr>
+            <p:cNvCxnSpPr>
+              <a:stCxn id="6" idx="2"/>
+              <a:endCxn id="7" idx="6"/>
+            </p:cNvCxnSpPr>
+            <p:nvPr/>
+          </p:nvCxnSpPr>
+          <p:spPr>
+            <a:xfrm flipH="1">
+              <a:off x="1529255" y="2286000"/>
+              <a:ext cx="1082566" cy="0"/>
+            </a:xfrm>
+            <a:prstGeom prst="straightConnector1">
+              <a:avLst/>
+            </a:prstGeom>
+            <a:ln w="28575">
+              <a:tailEnd type="triangle"/>
+            </a:ln>
+          </p:spPr>
+          <p:style>
+            <a:lnRef idx="1">
+              <a:schemeClr val="accent1"/>
+            </a:lnRef>
+            <a:fillRef idx="0">
+              <a:schemeClr val="accent1"/>
+            </a:fillRef>
+            <a:effectRef idx="0">
+              <a:schemeClr val="accent1"/>
+            </a:effectRef>
+            <a:fontRef idx="minor">
+              <a:schemeClr val="tx1"/>
+            </a:fontRef>
+          </p:style>
+        </p:cxnSp>
+      </p:grpSp>
+      <p:grpSp>
+        <p:nvGrpSpPr>
+          <p:cNvPr id="165" name="Group 164">
+            <a:extLst>
+              <a:ext uri="{FF2B5EF4-FFF2-40B4-BE49-F238E27FC236}">
+                <a16:creationId xmlns:a16="http://schemas.microsoft.com/office/drawing/2014/main" id="{23A6290D-63D7-A548-86D6-5DDCCBE51DB9}"/>
+              </a:ext>
+            </a:extLst>
+          </p:cNvPr>
+          <p:cNvGrpSpPr/>
+          <p:nvPr/>
+        </p:nvGrpSpPr>
+        <p:grpSpPr>
+          <a:xfrm>
+            <a:off x="4600536" y="1226633"/>
+            <a:ext cx="610408" cy="3758349"/>
+            <a:chOff x="5315167" y="793905"/>
+            <a:chExt cx="610408" cy="3758349"/>
+          </a:xfrm>
+        </p:grpSpPr>
+        <p:sp>
+          <p:nvSpPr>
+            <p:cNvPr id="29" name="Oval 28">
+              <a:extLst>
+                <a:ext uri="{FF2B5EF4-FFF2-40B4-BE49-F238E27FC236}">
+                  <a16:creationId xmlns:a16="http://schemas.microsoft.com/office/drawing/2014/main" id="{58793003-6D42-8E4B-A35C-D81C4681C3F6}"/>
+                </a:ext>
+              </a:extLst>
+            </p:cNvPr>
+            <p:cNvSpPr/>
+            <p:nvPr/>
+          </p:nvSpPr>
+          <p:spPr>
+            <a:xfrm>
+              <a:off x="5315167" y="3172256"/>
+              <a:ext cx="578069" cy="588580"/>
+            </a:xfrm>
+            <a:prstGeom prst="ellipse">
+              <a:avLst/>
+            </a:prstGeom>
+            <a:ln w="28575"/>
+          </p:spPr>
+          <p:style>
+            <a:lnRef idx="2">
+              <a:schemeClr val="dk1"/>
+            </a:lnRef>
+            <a:fillRef idx="1">
+              <a:schemeClr val="lt1"/>
+            </a:fillRef>
+            <a:effectRef idx="0">
+              <a:schemeClr val="dk1"/>
+            </a:effectRef>
+            <a:fontRef idx="minor">
+              <a:schemeClr val="dk1"/>
+            </a:fontRef>
+          </p:style>
+          <p:txBody>
+            <a:bodyPr rtlCol="0" anchor="ctr"/>
+            <a:lstStyle/>
+            <a:p>
+              <a:pPr algn="ctr"/>
+              <a:r>
+                <a:rPr lang="en-US" sz="2000" b="1" dirty="0"/>
+                <a:t>1</a:t>
+              </a:r>
+            </a:p>
+          </p:txBody>
+        </p:sp>
+        <p:sp>
+          <p:nvSpPr>
+            <p:cNvPr id="30" name="Oval 29">
+              <a:extLst>
+                <a:ext uri="{FF2B5EF4-FFF2-40B4-BE49-F238E27FC236}">
+                  <a16:creationId xmlns:a16="http://schemas.microsoft.com/office/drawing/2014/main" id="{489E9F9D-94FD-AD48-9B75-628E11F1A5E0}"/>
+                </a:ext>
+              </a:extLst>
+            </p:cNvPr>
+            <p:cNvSpPr/>
+            <p:nvPr/>
+          </p:nvSpPr>
+          <p:spPr>
+            <a:xfrm>
+              <a:off x="5347506" y="793905"/>
+              <a:ext cx="578069" cy="588580"/>
+            </a:xfrm>
+            <a:prstGeom prst="ellipse">
+              <a:avLst/>
+            </a:prstGeom>
+            <a:ln w="28575"/>
+          </p:spPr>
+          <p:style>
+            <a:lnRef idx="2">
+              <a:schemeClr val="dk1"/>
+            </a:lnRef>
+            <a:fillRef idx="1">
+              <a:schemeClr val="lt1"/>
+            </a:fillRef>
+            <a:effectRef idx="0">
+              <a:schemeClr val="dk1"/>
+            </a:effectRef>
+            <a:fontRef idx="minor">
+              <a:schemeClr val="dk1"/>
+            </a:fontRef>
+          </p:style>
+          <p:txBody>
+            <a:bodyPr rtlCol="0" anchor="ctr"/>
+            <a:lstStyle/>
+            <a:p>
+              <a:pPr algn="ctr"/>
+              <a:r>
+                <a:rPr lang="en-US" sz="2000" b="1" dirty="0"/>
+                <a:t>2</a:t>
+              </a:r>
+            </a:p>
+          </p:txBody>
+        </p:sp>
+        <p:sp>
+          <p:nvSpPr>
+            <p:cNvPr id="31" name="Oval 30">
+              <a:extLst>
+                <a:ext uri="{FF2B5EF4-FFF2-40B4-BE49-F238E27FC236}">
+                  <a16:creationId xmlns:a16="http://schemas.microsoft.com/office/drawing/2014/main" id="{161389E2-DFAA-844A-8F02-6F815BC4662D}"/>
+                </a:ext>
+              </a:extLst>
+            </p:cNvPr>
+            <p:cNvSpPr/>
+            <p:nvPr/>
+          </p:nvSpPr>
+          <p:spPr>
+            <a:xfrm>
+              <a:off x="5315167" y="3963674"/>
+              <a:ext cx="578069" cy="588580"/>
+            </a:xfrm>
+            <a:prstGeom prst="ellipse">
+              <a:avLst/>
+            </a:prstGeom>
+            <a:ln w="28575"/>
+          </p:spPr>
+          <p:style>
+            <a:lnRef idx="2">
+              <a:schemeClr val="dk1"/>
+            </a:lnRef>
+            <a:fillRef idx="1">
+              <a:schemeClr val="lt1"/>
+            </a:fillRef>
+            <a:effectRef idx="0">
+              <a:schemeClr val="dk1"/>
+            </a:effectRef>
+            <a:fontRef idx="minor">
+              <a:schemeClr val="dk1"/>
+            </a:fontRef>
+          </p:style>
+          <p:txBody>
+            <a:bodyPr rtlCol="0" anchor="ctr"/>
+            <a:lstStyle/>
+            <a:p>
+              <a:pPr algn="ctr"/>
+              <a:r>
+                <a:rPr lang="en-US" sz="2000" b="1" dirty="0"/>
+                <a:t>5</a:t>
+              </a:r>
+            </a:p>
+          </p:txBody>
+        </p:sp>
+        <p:sp>
+          <p:nvSpPr>
+            <p:cNvPr id="32" name="Oval 31">
+              <a:extLst>
+                <a:ext uri="{FF2B5EF4-FFF2-40B4-BE49-F238E27FC236}">
+                  <a16:creationId xmlns:a16="http://schemas.microsoft.com/office/drawing/2014/main" id="{A2AC922F-C1EE-C744-9D18-A0A27F13D2DB}"/>
+                </a:ext>
+              </a:extLst>
+            </p:cNvPr>
+            <p:cNvSpPr/>
+            <p:nvPr/>
+          </p:nvSpPr>
+          <p:spPr>
+            <a:xfrm>
+              <a:off x="5341156" y="2377887"/>
+              <a:ext cx="578069" cy="588580"/>
+            </a:xfrm>
+            <a:prstGeom prst="ellipse">
+              <a:avLst/>
+            </a:prstGeom>
+            <a:ln w="28575"/>
+          </p:spPr>
+          <p:style>
+            <a:lnRef idx="2">
+              <a:schemeClr val="dk1"/>
+            </a:lnRef>
+            <a:fillRef idx="1">
+              <a:schemeClr val="lt1"/>
+            </a:fillRef>
+            <a:effectRef idx="0">
+              <a:schemeClr val="dk1"/>
+            </a:effectRef>
+            <a:fontRef idx="minor">
+              <a:schemeClr val="dk1"/>
+            </a:fontRef>
+          </p:style>
+          <p:txBody>
+            <a:bodyPr rtlCol="0" anchor="ctr"/>
+            <a:lstStyle/>
+            <a:p>
+              <a:pPr algn="ctr"/>
+              <a:r>
+                <a:rPr lang="en-US" sz="2000" b="1" dirty="0"/>
+                <a:t>4</a:t>
+              </a:r>
+            </a:p>
+          </p:txBody>
+        </p:sp>
+        <p:sp>
+          <p:nvSpPr>
+            <p:cNvPr id="33" name="Oval 32">
+              <a:extLst>
+                <a:ext uri="{FF2B5EF4-FFF2-40B4-BE49-F238E27FC236}">
+                  <a16:creationId xmlns:a16="http://schemas.microsoft.com/office/drawing/2014/main" id="{E42FF2A1-C3B1-3949-9B24-2B7652ACECED}"/>
+                </a:ext>
+              </a:extLst>
+            </p:cNvPr>
+            <p:cNvSpPr/>
+            <p:nvPr/>
+          </p:nvSpPr>
+          <p:spPr>
+            <a:xfrm>
+              <a:off x="5341156" y="1588274"/>
+              <a:ext cx="578069" cy="588580"/>
+            </a:xfrm>
+            <a:prstGeom prst="ellipse">
+              <a:avLst/>
+            </a:prstGeom>
+            <a:ln w="28575"/>
+          </p:spPr>
+          <p:style>
+            <a:lnRef idx="2">
+              <a:schemeClr val="dk1"/>
+            </a:lnRef>
+            <a:fillRef idx="1">
+              <a:schemeClr val="lt1"/>
+            </a:fillRef>
+            <a:effectRef idx="0">
+              <a:schemeClr val="dk1"/>
+            </a:effectRef>
+            <a:fontRef idx="minor">
+              <a:schemeClr val="dk1"/>
+            </a:fontRef>
+          </p:style>
+          <p:txBody>
+            <a:bodyPr rtlCol="0" anchor="ctr"/>
+            <a:lstStyle/>
+            <a:p>
+              <a:pPr algn="ctr"/>
+              <a:r>
+                <a:rPr lang="en-US" sz="2000" b="1" dirty="0"/>
+                <a:t>3</a:t>
+              </a:r>
+            </a:p>
+          </p:txBody>
+        </p:sp>
+        <p:cxnSp>
+          <p:nvCxnSpPr>
+            <p:cNvPr id="51" name="Curved Connector 50">
+              <a:extLst>
+                <a:ext uri="{FF2B5EF4-FFF2-40B4-BE49-F238E27FC236}">
+                  <a16:creationId xmlns:a16="http://schemas.microsoft.com/office/drawing/2014/main" id="{7DCDF455-3ECE-CC43-BAE8-43034FB44F41}"/>
+                </a:ext>
+              </a:extLst>
+            </p:cNvPr>
+            <p:cNvCxnSpPr>
+              <a:stCxn id="31" idx="6"/>
+              <a:endCxn id="29" idx="6"/>
+            </p:cNvCxnSpPr>
+            <p:nvPr/>
+          </p:nvCxnSpPr>
+          <p:spPr>
+            <a:xfrm flipV="1">
+              <a:off x="5893236" y="3466546"/>
+              <a:ext cx="12700" cy="791418"/>
+            </a:xfrm>
+            <a:prstGeom prst="curvedConnector3">
+              <a:avLst>
+                <a:gd name="adj1" fmla="val 1800000"/>
+              </a:avLst>
+            </a:prstGeom>
+            <a:ln w="28575">
+              <a:solidFill>
+                <a:srgbClr val="FF0000"/>
+              </a:solidFill>
+              <a:tailEnd type="triangle"/>
+            </a:ln>
+          </p:spPr>
+          <p:style>
+            <a:lnRef idx="1">
+              <a:schemeClr val="accent1"/>
+            </a:lnRef>
+            <a:fillRef idx="0">
+              <a:schemeClr val="accent1"/>
+            </a:fillRef>
+            <a:effectRef idx="0">
+              <a:schemeClr val="accent1"/>
+            </a:effectRef>
+            <a:fontRef idx="minor">
+              <a:schemeClr val="tx1"/>
+            </a:fontRef>
+          </p:style>
+        </p:cxnSp>
+        <p:cxnSp>
+          <p:nvCxnSpPr>
+            <p:cNvPr id="53" name="Curved Connector 52">
+              <a:extLst>
+                <a:ext uri="{FF2B5EF4-FFF2-40B4-BE49-F238E27FC236}">
+                  <a16:creationId xmlns:a16="http://schemas.microsoft.com/office/drawing/2014/main" id="{CAEFFD6A-F631-E245-BD1E-DEC4E6A36578}"/>
+                </a:ext>
+              </a:extLst>
+            </p:cNvPr>
+            <p:cNvCxnSpPr>
+              <a:cxnSpLocks/>
+              <a:stCxn id="29" idx="6"/>
+              <a:endCxn id="30" idx="6"/>
+            </p:cNvCxnSpPr>
+            <p:nvPr/>
+          </p:nvCxnSpPr>
+          <p:spPr>
+            <a:xfrm flipV="1">
+              <a:off x="5893236" y="1088195"/>
+              <a:ext cx="32339" cy="2378351"/>
+            </a:xfrm>
+            <a:prstGeom prst="curvedConnector3">
+              <a:avLst>
+                <a:gd name="adj1" fmla="val 806886"/>
+              </a:avLst>
+            </a:prstGeom>
+            <a:ln w="28575">
+              <a:solidFill>
+                <a:srgbClr val="FF0000"/>
+              </a:solidFill>
+              <a:tailEnd type="triangle"/>
+            </a:ln>
+          </p:spPr>
+          <p:style>
+            <a:lnRef idx="1">
+              <a:schemeClr val="accent1"/>
+            </a:lnRef>
+            <a:fillRef idx="0">
+              <a:schemeClr val="accent1"/>
+            </a:fillRef>
+            <a:effectRef idx="0">
+              <a:schemeClr val="accent1"/>
+            </a:effectRef>
+            <a:fontRef idx="minor">
+              <a:schemeClr val="tx1"/>
+            </a:fontRef>
+          </p:style>
+        </p:cxnSp>
+        <p:cxnSp>
+          <p:nvCxnSpPr>
+            <p:cNvPr id="57" name="Curved Connector 56">
+              <a:extLst>
+                <a:ext uri="{FF2B5EF4-FFF2-40B4-BE49-F238E27FC236}">
+                  <a16:creationId xmlns:a16="http://schemas.microsoft.com/office/drawing/2014/main" id="{167A1491-866B-364F-9F41-9BA3A50AE65B}"/>
+                </a:ext>
+              </a:extLst>
+            </p:cNvPr>
+            <p:cNvCxnSpPr>
+              <a:cxnSpLocks/>
+              <a:stCxn id="30" idx="2"/>
+              <a:endCxn id="33" idx="2"/>
+            </p:cNvCxnSpPr>
+            <p:nvPr/>
+          </p:nvCxnSpPr>
+          <p:spPr>
+            <a:xfrm rot="10800000" flipV="1">
+              <a:off x="5341156" y="1088194"/>
+              <a:ext cx="6350" cy="794369"/>
+            </a:xfrm>
+            <a:prstGeom prst="curvedConnector3">
+              <a:avLst>
+                <a:gd name="adj1" fmla="val 3700000"/>
+              </a:avLst>
+            </a:prstGeom>
+            <a:ln w="28575">
+              <a:tailEnd type="triangle"/>
+            </a:ln>
+          </p:spPr>
+          <p:style>
+            <a:lnRef idx="1">
+              <a:schemeClr val="accent1"/>
+            </a:lnRef>
+            <a:fillRef idx="0">
+              <a:schemeClr val="accent1"/>
+            </a:fillRef>
+            <a:effectRef idx="0">
+              <a:schemeClr val="accent1"/>
+            </a:effectRef>
+            <a:fontRef idx="minor">
+              <a:schemeClr val="tx1"/>
+            </a:fontRef>
+          </p:style>
+        </p:cxnSp>
+        <p:cxnSp>
+          <p:nvCxnSpPr>
+            <p:cNvPr id="59" name="Curved Connector 58">
+              <a:extLst>
+                <a:ext uri="{FF2B5EF4-FFF2-40B4-BE49-F238E27FC236}">
+                  <a16:creationId xmlns:a16="http://schemas.microsoft.com/office/drawing/2014/main" id="{53A1FAB3-D5C4-F648-BA7E-EF02AB188CC7}"/>
+                </a:ext>
+              </a:extLst>
+            </p:cNvPr>
+            <p:cNvCxnSpPr>
+              <a:cxnSpLocks/>
+              <a:stCxn id="33" idx="2"/>
+              <a:endCxn id="32" idx="2"/>
+            </p:cNvCxnSpPr>
+            <p:nvPr/>
+          </p:nvCxnSpPr>
+          <p:spPr>
+            <a:xfrm rot="10800000" flipV="1">
+              <a:off x="5341156" y="1882563"/>
+              <a:ext cx="12700" cy="789613"/>
+            </a:xfrm>
+            <a:prstGeom prst="curvedConnector3">
+              <a:avLst>
+                <a:gd name="adj1" fmla="val 1800000"/>
+              </a:avLst>
+            </a:prstGeom>
+            <a:ln w="28575">
+              <a:tailEnd type="triangle"/>
+            </a:ln>
+          </p:spPr>
+          <p:style>
+            <a:lnRef idx="1">
+              <a:schemeClr val="accent1"/>
+            </a:lnRef>
+            <a:fillRef idx="0">
+              <a:schemeClr val="accent1"/>
+            </a:fillRef>
+            <a:effectRef idx="0">
+              <a:schemeClr val="accent1"/>
+            </a:effectRef>
+            <a:fontRef idx="minor">
+              <a:schemeClr val="tx1"/>
+            </a:fontRef>
+          </p:style>
+        </p:cxnSp>
+        <p:cxnSp>
+          <p:nvCxnSpPr>
+            <p:cNvPr id="61" name="Curved Connector 60">
+              <a:extLst>
+                <a:ext uri="{FF2B5EF4-FFF2-40B4-BE49-F238E27FC236}">
+                  <a16:creationId xmlns:a16="http://schemas.microsoft.com/office/drawing/2014/main" id="{E1F5404C-B801-F549-92BC-92060C4C7A4D}"/>
+                </a:ext>
+              </a:extLst>
+            </p:cNvPr>
+            <p:cNvCxnSpPr>
+              <a:cxnSpLocks/>
+              <a:stCxn id="32" idx="2"/>
+              <a:endCxn id="31" idx="2"/>
+            </p:cNvCxnSpPr>
+            <p:nvPr/>
+          </p:nvCxnSpPr>
+          <p:spPr>
+            <a:xfrm rot="10800000" flipV="1">
+              <a:off x="5315168" y="2672176"/>
+              <a:ext cx="25989" cy="1585787"/>
+            </a:xfrm>
+            <a:prstGeom prst="curvedConnector3">
+              <a:avLst>
+                <a:gd name="adj1" fmla="val 979603"/>
+              </a:avLst>
+            </a:prstGeom>
+            <a:ln w="28575">
+              <a:tailEnd type="triangle"/>
+            </a:ln>
+          </p:spPr>
+          <p:style>
+            <a:lnRef idx="1">
+              <a:schemeClr val="accent1"/>
+            </a:lnRef>
+            <a:fillRef idx="0">
+              <a:schemeClr val="accent1"/>
+            </a:fillRef>
+            <a:effectRef idx="0">
+              <a:schemeClr val="accent1"/>
+            </a:effectRef>
+            <a:fontRef idx="minor">
+              <a:schemeClr val="tx1"/>
+            </a:fontRef>
+          </p:style>
+        </p:cxnSp>
+        <p:cxnSp>
+          <p:nvCxnSpPr>
+            <p:cNvPr id="65" name="Curved Connector 64">
+              <a:extLst>
+                <a:ext uri="{FF2B5EF4-FFF2-40B4-BE49-F238E27FC236}">
+                  <a16:creationId xmlns:a16="http://schemas.microsoft.com/office/drawing/2014/main" id="{DC45DE4B-46EF-C94B-85F6-5F2C8299CFB8}"/>
+                </a:ext>
+              </a:extLst>
+            </p:cNvPr>
+            <p:cNvCxnSpPr>
+              <a:cxnSpLocks/>
+              <a:stCxn id="33" idx="2"/>
+              <a:endCxn id="29" idx="2"/>
+            </p:cNvCxnSpPr>
+            <p:nvPr/>
+          </p:nvCxnSpPr>
+          <p:spPr>
+            <a:xfrm rot="10800000" flipV="1">
+              <a:off x="5315168" y="1882564"/>
+              <a:ext cx="25989" cy="1583982"/>
+            </a:xfrm>
+            <a:prstGeom prst="curvedConnector3">
+              <a:avLst>
+                <a:gd name="adj1" fmla="val 979603"/>
+              </a:avLst>
+            </a:prstGeom>
+            <a:ln w="28575">
+              <a:tailEnd type="triangle"/>
+            </a:ln>
+          </p:spPr>
+          <p:style>
+            <a:lnRef idx="1">
+              <a:schemeClr val="accent1"/>
+            </a:lnRef>
+            <a:fillRef idx="0">
+              <a:schemeClr val="accent1"/>
+            </a:fillRef>
+            <a:effectRef idx="0">
+              <a:schemeClr val="accent1"/>
+            </a:effectRef>
+            <a:fontRef idx="minor">
+              <a:schemeClr val="tx1"/>
+            </a:fontRef>
+          </p:style>
+        </p:cxnSp>
+        <p:cxnSp>
+          <p:nvCxnSpPr>
+            <p:cNvPr id="67" name="Curved Connector 66">
+              <a:extLst>
+                <a:ext uri="{FF2B5EF4-FFF2-40B4-BE49-F238E27FC236}">
+                  <a16:creationId xmlns:a16="http://schemas.microsoft.com/office/drawing/2014/main" id="{D149AD4C-025E-AA46-9A33-B829BC12CACC}"/>
+                </a:ext>
+              </a:extLst>
+            </p:cNvPr>
+            <p:cNvCxnSpPr>
+              <a:cxnSpLocks/>
+              <a:stCxn id="30" idx="2"/>
+              <a:endCxn id="31" idx="2"/>
+            </p:cNvCxnSpPr>
+            <p:nvPr/>
+          </p:nvCxnSpPr>
+          <p:spPr>
+            <a:xfrm rot="10800000" flipV="1">
+              <a:off x="5315168" y="1088194"/>
+              <a:ext cx="32339" cy="3169769"/>
+            </a:xfrm>
+            <a:prstGeom prst="curvedConnector3">
+              <a:avLst>
+                <a:gd name="adj1" fmla="val 1781901"/>
+              </a:avLst>
+            </a:prstGeom>
+            <a:ln w="28575">
+              <a:tailEnd type="triangle"/>
+            </a:ln>
+          </p:spPr>
+          <p:style>
+            <a:lnRef idx="1">
+              <a:schemeClr val="accent1"/>
+            </a:lnRef>
+            <a:fillRef idx="0">
+              <a:schemeClr val="accent1"/>
+            </a:fillRef>
+            <a:effectRef idx="0">
+              <a:schemeClr val="accent1"/>
+            </a:effectRef>
+            <a:fontRef idx="minor">
+              <a:schemeClr val="tx1"/>
+            </a:fontRef>
+          </p:style>
+        </p:cxnSp>
+      </p:grpSp>
+      <p:grpSp>
+        <p:nvGrpSpPr>
+          <p:cNvPr id="15" name="Group 14">
+            <a:extLst>
+              <a:ext uri="{FF2B5EF4-FFF2-40B4-BE49-F238E27FC236}">
+                <a16:creationId xmlns:a16="http://schemas.microsoft.com/office/drawing/2014/main" id="{0D887990-3B30-2B4E-B34A-DB717A07848A}"/>
+              </a:ext>
+            </a:extLst>
+          </p:cNvPr>
+          <p:cNvGrpSpPr/>
+          <p:nvPr/>
+        </p:nvGrpSpPr>
+        <p:grpSpPr>
+          <a:xfrm>
+            <a:off x="6754275" y="1235572"/>
+            <a:ext cx="610408" cy="3758349"/>
+            <a:chOff x="6754275" y="1235572"/>
+            <a:chExt cx="610408" cy="3758349"/>
+          </a:xfrm>
+        </p:grpSpPr>
+        <p:grpSp>
+          <p:nvGrpSpPr>
+            <p:cNvPr id="166" name="Group 165">
+              <a:extLst>
+                <a:ext uri="{FF2B5EF4-FFF2-40B4-BE49-F238E27FC236}">
+                  <a16:creationId xmlns:a16="http://schemas.microsoft.com/office/drawing/2014/main" id="{D155BB26-D494-E245-B61F-4BB9DCA4D6E1}"/>
+                </a:ext>
+              </a:extLst>
+            </p:cNvPr>
+            <p:cNvGrpSpPr/>
+            <p:nvPr/>
+          </p:nvGrpSpPr>
+          <p:grpSpPr>
+            <a:xfrm>
+              <a:off x="6754275" y="1235572"/>
+              <a:ext cx="610408" cy="3758349"/>
+              <a:chOff x="7512690" y="792693"/>
+              <a:chExt cx="610408" cy="3758349"/>
+            </a:xfrm>
+          </p:grpSpPr>
+          <p:sp>
+            <p:nvSpPr>
+              <p:cNvPr id="141" name="Oval 140">
+                <a:extLst>
+                  <a:ext uri="{FF2B5EF4-FFF2-40B4-BE49-F238E27FC236}">
+                    <a16:creationId xmlns:a16="http://schemas.microsoft.com/office/drawing/2014/main" id="{BA4F77EE-4E5E-1749-BA1C-A1E261993B9B}"/>
+                  </a:ext>
+                </a:extLst>
+              </p:cNvPr>
+              <p:cNvSpPr/>
+              <p:nvPr/>
+            </p:nvSpPr>
+            <p:spPr>
+              <a:xfrm>
+                <a:off x="7512690" y="3171044"/>
+                <a:ext cx="578069" cy="588580"/>
+              </a:xfrm>
+              <a:prstGeom prst="ellipse">
+                <a:avLst/>
+              </a:prstGeom>
+              <a:ln w="28575"/>
+            </p:spPr>
+            <p:style>
+              <a:lnRef idx="2">
+                <a:schemeClr val="dk1"/>
+              </a:lnRef>
+              <a:fillRef idx="1">
+                <a:schemeClr val="lt1"/>
+              </a:fillRef>
+              <a:effectRef idx="0">
+                <a:schemeClr val="dk1"/>
+              </a:effectRef>
+              <a:fontRef idx="minor">
+                <a:schemeClr val="dk1"/>
+              </a:fontRef>
+            </p:style>
+            <p:txBody>
+              <a:bodyPr rtlCol="0" anchor="ctr"/>
+              <a:lstStyle/>
+              <a:p>
+                <a:pPr algn="ctr"/>
+                <a:r>
+                  <a:rPr lang="en-US" sz="2000" b="1" dirty="0"/>
+                  <a:t>1</a:t>
+                </a:r>
+              </a:p>
+            </p:txBody>
+          </p:sp>
+          <p:sp>
+            <p:nvSpPr>
+              <p:cNvPr id="142" name="Oval 141">
+                <a:extLst>
+                  <a:ext uri="{FF2B5EF4-FFF2-40B4-BE49-F238E27FC236}">
+                    <a16:creationId xmlns:a16="http://schemas.microsoft.com/office/drawing/2014/main" id="{201D6A6A-5131-A440-850C-46D2C4CA5B66}"/>
+                  </a:ext>
+                </a:extLst>
+              </p:cNvPr>
+              <p:cNvSpPr/>
+              <p:nvPr/>
+            </p:nvSpPr>
+            <p:spPr>
+              <a:xfrm>
+                <a:off x="7545029" y="792693"/>
+                <a:ext cx="578069" cy="588580"/>
+              </a:xfrm>
+              <a:prstGeom prst="ellipse">
+                <a:avLst/>
+              </a:prstGeom>
+              <a:ln w="28575"/>
+            </p:spPr>
+            <p:style>
+              <a:lnRef idx="2">
+                <a:schemeClr val="dk1"/>
+              </a:lnRef>
+              <a:fillRef idx="1">
+                <a:schemeClr val="lt1"/>
+              </a:fillRef>
+              <a:effectRef idx="0">
+                <a:schemeClr val="dk1"/>
+              </a:effectRef>
+              <a:fontRef idx="minor">
+                <a:schemeClr val="dk1"/>
+              </a:fontRef>
+            </p:style>
+            <p:txBody>
+              <a:bodyPr rtlCol="0" anchor="ctr"/>
+              <a:lstStyle/>
+              <a:p>
+                <a:pPr algn="ctr"/>
+                <a:r>
+                  <a:rPr lang="en-US" sz="2000" b="1" dirty="0"/>
+                  <a:t>2</a:t>
+                </a:r>
+              </a:p>
+            </p:txBody>
+          </p:sp>
+          <p:sp>
+            <p:nvSpPr>
+              <p:cNvPr id="143" name="Oval 142">
+                <a:extLst>
+                  <a:ext uri="{FF2B5EF4-FFF2-40B4-BE49-F238E27FC236}">
+                    <a16:creationId xmlns:a16="http://schemas.microsoft.com/office/drawing/2014/main" id="{A98D7DE3-8ABC-7C46-B7D3-0ECC73B364C3}"/>
+                  </a:ext>
+                </a:extLst>
+              </p:cNvPr>
+              <p:cNvSpPr/>
+              <p:nvPr/>
+            </p:nvSpPr>
+            <p:spPr>
+              <a:xfrm>
+                <a:off x="7512690" y="3962462"/>
+                <a:ext cx="578069" cy="588580"/>
+              </a:xfrm>
+              <a:prstGeom prst="ellipse">
+                <a:avLst/>
+              </a:prstGeom>
+              <a:ln w="28575"/>
+            </p:spPr>
+            <p:style>
+              <a:lnRef idx="2">
+                <a:schemeClr val="dk1"/>
+              </a:lnRef>
+              <a:fillRef idx="1">
+                <a:schemeClr val="lt1"/>
+              </a:fillRef>
+              <a:effectRef idx="0">
+                <a:schemeClr val="dk1"/>
+              </a:effectRef>
+              <a:fontRef idx="minor">
+                <a:schemeClr val="dk1"/>
+              </a:fontRef>
+            </p:style>
+            <p:txBody>
+              <a:bodyPr rtlCol="0" anchor="ctr"/>
+              <a:lstStyle/>
+              <a:p>
+                <a:pPr algn="ctr"/>
+                <a:r>
+                  <a:rPr lang="en-US" sz="2000" b="1" dirty="0"/>
+                  <a:t>5</a:t>
+                </a:r>
+              </a:p>
+            </p:txBody>
+          </p:sp>
+          <p:sp>
+            <p:nvSpPr>
+              <p:cNvPr id="144" name="Oval 143">
+                <a:extLst>
+                  <a:ext uri="{FF2B5EF4-FFF2-40B4-BE49-F238E27FC236}">
+                    <a16:creationId xmlns:a16="http://schemas.microsoft.com/office/drawing/2014/main" id="{50178AF3-B90E-CD42-9647-8F33E8F77DEB}"/>
+                  </a:ext>
+                </a:extLst>
+              </p:cNvPr>
+              <p:cNvSpPr/>
+              <p:nvPr/>
+            </p:nvSpPr>
+            <p:spPr>
+              <a:xfrm>
+                <a:off x="7538679" y="2376675"/>
+                <a:ext cx="578069" cy="588580"/>
+              </a:xfrm>
+              <a:prstGeom prst="ellipse">
+                <a:avLst/>
+              </a:prstGeom>
+              <a:ln w="28575"/>
+            </p:spPr>
+            <p:style>
+              <a:lnRef idx="2">
+                <a:schemeClr val="dk1"/>
+              </a:lnRef>
+              <a:fillRef idx="1">
+                <a:schemeClr val="lt1"/>
+              </a:fillRef>
+              <a:effectRef idx="0">
+                <a:schemeClr val="dk1"/>
+              </a:effectRef>
+              <a:fontRef idx="minor">
+                <a:schemeClr val="dk1"/>
+              </a:fontRef>
+            </p:style>
+            <p:txBody>
+              <a:bodyPr rtlCol="0" anchor="ctr"/>
+              <a:lstStyle/>
+              <a:p>
+                <a:pPr algn="ctr"/>
+                <a:r>
+                  <a:rPr lang="en-US" sz="2000" b="1" dirty="0"/>
+                  <a:t>4</a:t>
+                </a:r>
+              </a:p>
+            </p:txBody>
+          </p:sp>
+          <p:sp>
+            <p:nvSpPr>
+              <p:cNvPr id="145" name="Oval 144">
+                <a:extLst>
+                  <a:ext uri="{FF2B5EF4-FFF2-40B4-BE49-F238E27FC236}">
+                    <a16:creationId xmlns:a16="http://schemas.microsoft.com/office/drawing/2014/main" id="{E15A99A3-08E9-E146-BBB5-47E4A0E883DC}"/>
+                  </a:ext>
+                </a:extLst>
+              </p:cNvPr>
+              <p:cNvSpPr/>
+              <p:nvPr/>
+            </p:nvSpPr>
+            <p:spPr>
+              <a:xfrm>
+                <a:off x="7538679" y="1587062"/>
+                <a:ext cx="578069" cy="588580"/>
+              </a:xfrm>
+              <a:prstGeom prst="ellipse">
+                <a:avLst/>
+              </a:prstGeom>
+              <a:ln w="28575"/>
+            </p:spPr>
+            <p:style>
+              <a:lnRef idx="2">
+                <a:schemeClr val="dk1"/>
+              </a:lnRef>
+              <a:fillRef idx="1">
+                <a:schemeClr val="lt1"/>
+              </a:fillRef>
+              <a:effectRef idx="0">
+                <a:schemeClr val="dk1"/>
+              </a:effectRef>
+              <a:fontRef idx="minor">
+                <a:schemeClr val="dk1"/>
+              </a:fontRef>
+            </p:style>
+            <p:txBody>
+              <a:bodyPr rtlCol="0" anchor="ctr"/>
+              <a:lstStyle/>
+              <a:p>
+                <a:pPr algn="ctr"/>
+                <a:r>
+                  <a:rPr lang="en-US" sz="2000" b="1" dirty="0"/>
+                  <a:t>3</a:t>
+                </a:r>
+              </a:p>
+            </p:txBody>
+          </p:sp>
+          <p:cxnSp>
+            <p:nvCxnSpPr>
+              <p:cNvPr id="148" name="Curved Connector 147">
+                <a:extLst>
+                  <a:ext uri="{FF2B5EF4-FFF2-40B4-BE49-F238E27FC236}">
+                    <a16:creationId xmlns:a16="http://schemas.microsoft.com/office/drawing/2014/main" id="{9CB31E69-3325-2D4A-B187-52760FA3D295}"/>
+                  </a:ext>
+                </a:extLst>
+              </p:cNvPr>
+              <p:cNvCxnSpPr>
+                <a:cxnSpLocks/>
+                <a:stCxn id="142" idx="2"/>
+                <a:endCxn id="145" idx="2"/>
+              </p:cNvCxnSpPr>
+              <p:nvPr/>
+            </p:nvCxnSpPr>
+            <p:spPr>
+              <a:xfrm rot="10800000" flipV="1">
+                <a:off x="7538679" y="1086982"/>
+                <a:ext cx="6350" cy="794369"/>
+              </a:xfrm>
+              <a:prstGeom prst="curvedConnector3">
+                <a:avLst>
+                  <a:gd name="adj1" fmla="val 3700000"/>
+                </a:avLst>
+              </a:prstGeom>
+              <a:ln w="28575">
+                <a:tailEnd type="triangle"/>
+              </a:ln>
+            </p:spPr>
+            <p:style>
+              <a:lnRef idx="1">
+                <a:schemeClr val="accent1"/>
+              </a:lnRef>
+              <a:fillRef idx="0">
+                <a:schemeClr val="accent1"/>
+              </a:fillRef>
+              <a:effectRef idx="0">
+                <a:schemeClr val="accent1"/>
+              </a:effectRef>
+              <a:fontRef idx="minor">
+                <a:schemeClr val="tx1"/>
+              </a:fontRef>
+            </p:style>
+          </p:cxnSp>
+          <p:cxnSp>
+            <p:nvCxnSpPr>
+              <p:cNvPr id="149" name="Curved Connector 148">
+                <a:extLst>
+                  <a:ext uri="{FF2B5EF4-FFF2-40B4-BE49-F238E27FC236}">
+                    <a16:creationId xmlns:a16="http://schemas.microsoft.com/office/drawing/2014/main" id="{F82F83D2-AE54-2B40-AA58-2A1BACE2F22C}"/>
+                  </a:ext>
+                </a:extLst>
+              </p:cNvPr>
+              <p:cNvCxnSpPr>
+                <a:cxnSpLocks/>
+                <a:stCxn id="145" idx="2"/>
+                <a:endCxn id="144" idx="2"/>
+              </p:cNvCxnSpPr>
+              <p:nvPr/>
+            </p:nvCxnSpPr>
+            <p:spPr>
+              <a:xfrm rot="10800000" flipV="1">
+                <a:off x="7538679" y="1881351"/>
+                <a:ext cx="12700" cy="789613"/>
+              </a:xfrm>
+              <a:prstGeom prst="curvedConnector3">
+                <a:avLst>
+                  <a:gd name="adj1" fmla="val 1800000"/>
+                </a:avLst>
+              </a:prstGeom>
+              <a:ln w="28575">
+                <a:tailEnd type="triangle"/>
+              </a:ln>
+            </p:spPr>
+            <p:style>
+              <a:lnRef idx="1">
+                <a:schemeClr val="accent1"/>
+              </a:lnRef>
+              <a:fillRef idx="0">
+                <a:schemeClr val="accent1"/>
+              </a:fillRef>
+              <a:effectRef idx="0">
+                <a:schemeClr val="accent1"/>
+              </a:effectRef>
+              <a:fontRef idx="minor">
+                <a:schemeClr val="tx1"/>
+              </a:fontRef>
+            </p:style>
+          </p:cxnSp>
+          <p:cxnSp>
+            <p:nvCxnSpPr>
+              <p:cNvPr id="150" name="Curved Connector 149">
+                <a:extLst>
+                  <a:ext uri="{FF2B5EF4-FFF2-40B4-BE49-F238E27FC236}">
+                    <a16:creationId xmlns:a16="http://schemas.microsoft.com/office/drawing/2014/main" id="{0F5009C3-85AE-384F-B825-321740896907}"/>
+                  </a:ext>
+                </a:extLst>
+              </p:cNvPr>
+              <p:cNvCxnSpPr>
+                <a:cxnSpLocks/>
+                <a:stCxn id="144" idx="2"/>
+                <a:endCxn id="143" idx="2"/>
+              </p:cNvCxnSpPr>
+              <p:nvPr/>
+            </p:nvCxnSpPr>
+            <p:spPr>
+              <a:xfrm rot="10800000" flipV="1">
+                <a:off x="7512691" y="2670964"/>
+                <a:ext cx="25989" cy="1585787"/>
+              </a:xfrm>
+              <a:prstGeom prst="curvedConnector3">
+                <a:avLst>
+                  <a:gd name="adj1" fmla="val 979603"/>
+                </a:avLst>
+              </a:prstGeom>
+              <a:ln w="28575">
+                <a:tailEnd type="triangle"/>
+              </a:ln>
+            </p:spPr>
+            <p:style>
+              <a:lnRef idx="1">
+                <a:schemeClr val="accent1"/>
+              </a:lnRef>
+              <a:fillRef idx="0">
+                <a:schemeClr val="accent1"/>
+              </a:fillRef>
+              <a:effectRef idx="0">
+                <a:schemeClr val="accent1"/>
+              </a:effectRef>
+              <a:fontRef idx="minor">
+                <a:schemeClr val="tx1"/>
+              </a:fontRef>
+            </p:style>
+          </p:cxnSp>
+          <p:cxnSp>
+            <p:nvCxnSpPr>
+              <p:cNvPr id="151" name="Curved Connector 150">
+                <a:extLst>
+                  <a:ext uri="{FF2B5EF4-FFF2-40B4-BE49-F238E27FC236}">
+                    <a16:creationId xmlns:a16="http://schemas.microsoft.com/office/drawing/2014/main" id="{296907EF-1360-7145-A9D5-FDEE9193971A}"/>
+                  </a:ext>
+                </a:extLst>
+              </p:cNvPr>
+              <p:cNvCxnSpPr>
+                <a:cxnSpLocks/>
+                <a:stCxn id="145" idx="2"/>
+                <a:endCxn id="141" idx="2"/>
+              </p:cNvCxnSpPr>
+              <p:nvPr/>
+            </p:nvCxnSpPr>
+            <p:spPr>
+              <a:xfrm rot="10800000" flipV="1">
+                <a:off x="7512691" y="1881352"/>
+                <a:ext cx="25989" cy="1583982"/>
+              </a:xfrm>
+              <a:prstGeom prst="curvedConnector3">
+                <a:avLst>
+                  <a:gd name="adj1" fmla="val 979603"/>
+                </a:avLst>
+              </a:prstGeom>
+              <a:ln w="28575">
+                <a:tailEnd type="triangle"/>
+              </a:ln>
+            </p:spPr>
+            <p:style>
+              <a:lnRef idx="1">
+                <a:schemeClr val="accent1"/>
+              </a:lnRef>
+              <a:fillRef idx="0">
+                <a:schemeClr val="accent1"/>
+              </a:fillRef>
+              <a:effectRef idx="0">
+                <a:schemeClr val="accent1"/>
+              </a:effectRef>
+              <a:fontRef idx="minor">
+                <a:schemeClr val="tx1"/>
+              </a:fontRef>
+            </p:style>
+          </p:cxnSp>
+          <p:cxnSp>
+            <p:nvCxnSpPr>
+              <p:cNvPr id="152" name="Curved Connector 151">
+                <a:extLst>
+                  <a:ext uri="{FF2B5EF4-FFF2-40B4-BE49-F238E27FC236}">
+                    <a16:creationId xmlns:a16="http://schemas.microsoft.com/office/drawing/2014/main" id="{F45DA84E-70B6-8A41-B1D5-0D11B9D5E957}"/>
+                  </a:ext>
+                </a:extLst>
+              </p:cNvPr>
+              <p:cNvCxnSpPr>
+                <a:cxnSpLocks/>
+                <a:stCxn id="142" idx="2"/>
+                <a:endCxn id="143" idx="2"/>
+              </p:cNvCxnSpPr>
+              <p:nvPr/>
+            </p:nvCxnSpPr>
+            <p:spPr>
+              <a:xfrm rot="10800000" flipV="1">
+                <a:off x="7512691" y="1086982"/>
+                <a:ext cx="32339" cy="3169769"/>
+              </a:xfrm>
+              <a:prstGeom prst="curvedConnector3">
+                <a:avLst>
+                  <a:gd name="adj1" fmla="val 1781901"/>
+                </a:avLst>
+              </a:prstGeom>
+              <a:ln w="28575">
+                <a:tailEnd type="triangle"/>
+              </a:ln>
+            </p:spPr>
+            <p:style>
+              <a:lnRef idx="1">
+                <a:schemeClr val="accent1"/>
+              </a:lnRef>
+              <a:fillRef idx="0">
+                <a:schemeClr val="accent1"/>
+              </a:fillRef>
+              <a:effectRef idx="0">
+                <a:schemeClr val="accent1"/>
+              </a:effectRef>
+              <a:fontRef idx="minor">
+                <a:schemeClr val="tx1"/>
+              </a:fontRef>
+            </p:style>
+          </p:cxnSp>
+        </p:grpSp>
+        <p:cxnSp>
+          <p:nvCxnSpPr>
+            <p:cNvPr id="10" name="Curved Connector 9">
+              <a:extLst>
+                <a:ext uri="{FF2B5EF4-FFF2-40B4-BE49-F238E27FC236}">
+                  <a16:creationId xmlns:a16="http://schemas.microsoft.com/office/drawing/2014/main" id="{E0D0DF59-BDF0-4344-AB03-73AFBA2446D4}"/>
+                </a:ext>
+              </a:extLst>
+            </p:cNvPr>
+            <p:cNvCxnSpPr>
+              <a:stCxn id="141" idx="6"/>
+              <a:endCxn id="142" idx="6"/>
+            </p:cNvCxnSpPr>
+            <p:nvPr/>
+          </p:nvCxnSpPr>
+          <p:spPr>
+            <a:xfrm flipV="1">
+              <a:off x="7332344" y="1529862"/>
+              <a:ext cx="32339" cy="2378351"/>
+            </a:xfrm>
+            <a:prstGeom prst="curvedConnector3">
+              <a:avLst>
+                <a:gd name="adj1" fmla="val 806886"/>
+              </a:avLst>
+            </a:prstGeom>
+            <a:ln w="28575">
+              <a:solidFill>
+                <a:schemeClr val="bg1">
+                  <a:lumMod val="50000"/>
+                </a:schemeClr>
+              </a:solidFill>
+              <a:prstDash val="sysDot"/>
+              <a:tailEnd type="triangle"/>
+            </a:ln>
+          </p:spPr>
+          <p:style>
+            <a:lnRef idx="1">
+              <a:schemeClr val="accent1"/>
+            </a:lnRef>
+            <a:fillRef idx="0">
+              <a:schemeClr val="accent1"/>
+            </a:fillRef>
+            <a:effectRef idx="0">
+              <a:schemeClr val="accent1"/>
+            </a:effectRef>
+            <a:fontRef idx="minor">
+              <a:schemeClr val="tx1"/>
+            </a:fontRef>
+          </p:style>
+        </p:cxnSp>
+        <p:cxnSp>
+          <p:nvCxnSpPr>
+            <p:cNvPr id="17" name="Curved Connector 16">
+              <a:extLst>
+                <a:ext uri="{FF2B5EF4-FFF2-40B4-BE49-F238E27FC236}">
+                  <a16:creationId xmlns:a16="http://schemas.microsoft.com/office/drawing/2014/main" id="{E012ED05-5411-6945-9157-B55004CE6AF8}"/>
+                </a:ext>
+              </a:extLst>
+            </p:cNvPr>
+            <p:cNvCxnSpPr>
+              <a:stCxn id="143" idx="6"/>
+              <a:endCxn id="141" idx="6"/>
+            </p:cNvCxnSpPr>
+            <p:nvPr/>
+          </p:nvCxnSpPr>
+          <p:spPr>
+            <a:xfrm flipV="1">
+              <a:off x="7332344" y="3908213"/>
+              <a:ext cx="12700" cy="791418"/>
+            </a:xfrm>
+            <a:prstGeom prst="curvedConnector3">
+              <a:avLst>
+                <a:gd name="adj1" fmla="val 1800000"/>
+              </a:avLst>
+            </a:prstGeom>
+            <a:ln w="28575">
+              <a:solidFill>
+                <a:schemeClr val="bg1">
+                  <a:lumMod val="50000"/>
+                </a:schemeClr>
+              </a:solidFill>
+              <a:prstDash val="sysDot"/>
+              <a:tailEnd type="triangle"/>
+            </a:ln>
+          </p:spPr>
+          <p:style>
+            <a:lnRef idx="1">
+              <a:schemeClr val="accent1"/>
+            </a:lnRef>
+            <a:fillRef idx="0">
+              <a:schemeClr val="accent1"/>
+            </a:fillRef>
+            <a:effectRef idx="0">
+              <a:schemeClr val="accent1"/>
+            </a:effectRef>
+            <a:fontRef idx="minor">
+              <a:schemeClr val="tx1"/>
+            </a:fontRef>
+          </p:style>
+        </p:cxnSp>
+      </p:grpSp>
+      <p:grpSp>
+        <p:nvGrpSpPr>
+          <p:cNvPr id="14" name="Group 13">
+            <a:extLst>
+              <a:ext uri="{FF2B5EF4-FFF2-40B4-BE49-F238E27FC236}">
+                <a16:creationId xmlns:a16="http://schemas.microsoft.com/office/drawing/2014/main" id="{42861AE6-A82C-B043-986B-8830AD5835D2}"/>
+              </a:ext>
+            </a:extLst>
+          </p:cNvPr>
+          <p:cNvGrpSpPr/>
+          <p:nvPr/>
+        </p:nvGrpSpPr>
+        <p:grpSpPr>
+          <a:xfrm>
+            <a:off x="8051497" y="1815213"/>
+            <a:ext cx="2238704" cy="2201918"/>
+            <a:chOff x="8051497" y="1815213"/>
+            <a:chExt cx="2238704" cy="2201918"/>
+          </a:xfrm>
+        </p:grpSpPr>
+        <p:grpSp>
+          <p:nvGrpSpPr>
+            <p:cNvPr id="167" name="Group 166">
+              <a:extLst>
+                <a:ext uri="{FF2B5EF4-FFF2-40B4-BE49-F238E27FC236}">
+                  <a16:creationId xmlns:a16="http://schemas.microsoft.com/office/drawing/2014/main" id="{5E7FE555-2330-0441-802C-66E2F4912E3A}"/>
+                </a:ext>
+              </a:extLst>
+            </p:cNvPr>
+            <p:cNvGrpSpPr/>
+            <p:nvPr/>
+          </p:nvGrpSpPr>
+          <p:grpSpPr>
+            <a:xfrm>
+              <a:off x="8051497" y="1815213"/>
+              <a:ext cx="2238704" cy="2201918"/>
+              <a:chOff x="9296974" y="1292772"/>
+              <a:chExt cx="2238704" cy="2201918"/>
+            </a:xfrm>
+          </p:grpSpPr>
+          <p:sp>
+            <p:nvSpPr>
+              <p:cNvPr id="153" name="Oval 152">
+                <a:extLst>
+                  <a:ext uri="{FF2B5EF4-FFF2-40B4-BE49-F238E27FC236}">
+                    <a16:creationId xmlns:a16="http://schemas.microsoft.com/office/drawing/2014/main" id="{481E42F7-8D2B-234A-8E27-E0951DF01656}"/>
+                  </a:ext>
+                </a:extLst>
+              </p:cNvPr>
+              <p:cNvSpPr/>
+              <p:nvPr/>
+            </p:nvSpPr>
+            <p:spPr>
+              <a:xfrm>
+                <a:off x="10090505" y="1292772"/>
+                <a:ext cx="578069" cy="588580"/>
+              </a:xfrm>
+              <a:prstGeom prst="ellipse">
+                <a:avLst/>
+              </a:prstGeom>
+              <a:ln w="28575"/>
+            </p:spPr>
+            <p:style>
+              <a:lnRef idx="2">
+                <a:schemeClr val="dk1"/>
+              </a:lnRef>
+              <a:fillRef idx="1">
+                <a:schemeClr val="lt1"/>
+              </a:fillRef>
+              <a:effectRef idx="0">
+                <a:schemeClr val="dk1"/>
+              </a:effectRef>
+              <a:fontRef idx="minor">
+                <a:schemeClr val="dk1"/>
+              </a:fontRef>
+            </p:style>
+            <p:txBody>
+              <a:bodyPr rtlCol="0" anchor="ctr"/>
+              <a:lstStyle/>
+              <a:p>
+                <a:pPr algn="ctr"/>
+                <a:r>
+                  <a:rPr lang="en-US" sz="2000" b="1" dirty="0"/>
+                  <a:t>1</a:t>
+                </a:r>
+              </a:p>
+            </p:txBody>
+          </p:sp>
+          <p:sp>
+            <p:nvSpPr>
+              <p:cNvPr id="154" name="Oval 153">
+                <a:extLst>
+                  <a:ext uri="{FF2B5EF4-FFF2-40B4-BE49-F238E27FC236}">
+                    <a16:creationId xmlns:a16="http://schemas.microsoft.com/office/drawing/2014/main" id="{C38A32F5-B66F-D245-BBB3-657370BA47B9}"/>
+                  </a:ext>
+                </a:extLst>
+              </p:cNvPr>
+              <p:cNvSpPr/>
+              <p:nvPr/>
+            </p:nvSpPr>
+            <p:spPr>
+              <a:xfrm>
+                <a:off x="10957609" y="1991710"/>
+                <a:ext cx="578069" cy="588580"/>
+              </a:xfrm>
+              <a:prstGeom prst="ellipse">
+                <a:avLst/>
+              </a:prstGeom>
+              <a:ln w="28575"/>
+            </p:spPr>
+            <p:style>
+              <a:lnRef idx="2">
+                <a:schemeClr val="dk1"/>
+              </a:lnRef>
+              <a:fillRef idx="1">
+                <a:schemeClr val="lt1"/>
+              </a:fillRef>
+              <a:effectRef idx="0">
+                <a:schemeClr val="dk1"/>
+              </a:effectRef>
+              <a:fontRef idx="minor">
+                <a:schemeClr val="dk1"/>
+              </a:fontRef>
+            </p:style>
+            <p:txBody>
+              <a:bodyPr rtlCol="0" anchor="ctr"/>
+              <a:lstStyle/>
+              <a:p>
+                <a:pPr algn="ctr"/>
+                <a:r>
+                  <a:rPr lang="en-US" sz="2000" b="1" dirty="0"/>
+                  <a:t>2</a:t>
+                </a:r>
+              </a:p>
+            </p:txBody>
+          </p:sp>
+          <p:sp>
+            <p:nvSpPr>
+              <p:cNvPr id="155" name="Oval 154">
+                <a:extLst>
+                  <a:ext uri="{FF2B5EF4-FFF2-40B4-BE49-F238E27FC236}">
+                    <a16:creationId xmlns:a16="http://schemas.microsoft.com/office/drawing/2014/main" id="{63325720-24CA-D74C-A0B0-3F88ABDD7200}"/>
+                  </a:ext>
+                </a:extLst>
+              </p:cNvPr>
+              <p:cNvSpPr/>
+              <p:nvPr/>
+            </p:nvSpPr>
+            <p:spPr>
+              <a:xfrm>
+                <a:off x="9296974" y="1991710"/>
+                <a:ext cx="578069" cy="588580"/>
+              </a:xfrm>
+              <a:prstGeom prst="ellipse">
+                <a:avLst/>
+              </a:prstGeom>
+              <a:ln w="28575"/>
+            </p:spPr>
+            <p:style>
+              <a:lnRef idx="2">
+                <a:schemeClr val="dk1"/>
+              </a:lnRef>
+              <a:fillRef idx="1">
+                <a:schemeClr val="lt1"/>
+              </a:fillRef>
+              <a:effectRef idx="0">
+                <a:schemeClr val="dk1"/>
+              </a:effectRef>
+              <a:fontRef idx="minor">
+                <a:schemeClr val="dk1"/>
+              </a:fontRef>
+            </p:style>
+            <p:txBody>
+              <a:bodyPr rtlCol="0" anchor="ctr"/>
+              <a:lstStyle/>
+              <a:p>
+                <a:pPr algn="ctr"/>
+                <a:r>
+                  <a:rPr lang="en-US" sz="2000" b="1" dirty="0"/>
+                  <a:t>5</a:t>
+                </a:r>
+              </a:p>
+            </p:txBody>
+          </p:sp>
+          <p:sp>
+            <p:nvSpPr>
+              <p:cNvPr id="156" name="Oval 155">
+                <a:extLst>
+                  <a:ext uri="{FF2B5EF4-FFF2-40B4-BE49-F238E27FC236}">
+                    <a16:creationId xmlns:a16="http://schemas.microsoft.com/office/drawing/2014/main" id="{C83B54EF-4EDC-BA4E-B017-04BF749B2C31}"/>
+                  </a:ext>
+                </a:extLst>
+              </p:cNvPr>
+              <p:cNvSpPr/>
+              <p:nvPr/>
+            </p:nvSpPr>
+            <p:spPr>
+              <a:xfrm>
+                <a:off x="9664835" y="2906110"/>
+                <a:ext cx="578069" cy="588580"/>
+              </a:xfrm>
+              <a:prstGeom prst="ellipse">
+                <a:avLst/>
+              </a:prstGeom>
+              <a:ln w="28575"/>
+            </p:spPr>
+            <p:style>
+              <a:lnRef idx="2">
+                <a:schemeClr val="dk1"/>
+              </a:lnRef>
+              <a:fillRef idx="1">
+                <a:schemeClr val="lt1"/>
+              </a:fillRef>
+              <a:effectRef idx="0">
+                <a:schemeClr val="dk1"/>
+              </a:effectRef>
+              <a:fontRef idx="minor">
+                <a:schemeClr val="dk1"/>
+              </a:fontRef>
+            </p:style>
+            <p:txBody>
+              <a:bodyPr rtlCol="0" anchor="ctr"/>
+              <a:lstStyle/>
+              <a:p>
+                <a:pPr algn="ctr"/>
+                <a:r>
+                  <a:rPr lang="en-US" sz="2000" b="1" dirty="0"/>
+                  <a:t>4</a:t>
+                </a:r>
+              </a:p>
+            </p:txBody>
+          </p:sp>
+          <p:sp>
+            <p:nvSpPr>
+              <p:cNvPr id="157" name="Oval 156">
+                <a:extLst>
+                  <a:ext uri="{FF2B5EF4-FFF2-40B4-BE49-F238E27FC236}">
+                    <a16:creationId xmlns:a16="http://schemas.microsoft.com/office/drawing/2014/main" id="{2E2A1A62-C9E7-4940-B4CC-02A558E2E5A2}"/>
+                  </a:ext>
+                </a:extLst>
+              </p:cNvPr>
+              <p:cNvSpPr/>
+              <p:nvPr/>
+            </p:nvSpPr>
+            <p:spPr>
+              <a:xfrm>
+                <a:off x="10583918" y="2906110"/>
+                <a:ext cx="578069" cy="588580"/>
+              </a:xfrm>
+              <a:prstGeom prst="ellipse">
+                <a:avLst/>
+              </a:prstGeom>
+              <a:ln w="28575"/>
+            </p:spPr>
+            <p:style>
+              <a:lnRef idx="2">
+                <a:schemeClr val="dk1"/>
+              </a:lnRef>
+              <a:fillRef idx="1">
+                <a:schemeClr val="lt1"/>
+              </a:fillRef>
+              <a:effectRef idx="0">
+                <a:schemeClr val="dk1"/>
+              </a:effectRef>
+              <a:fontRef idx="minor">
+                <a:schemeClr val="dk1"/>
+              </a:fontRef>
+            </p:style>
+            <p:txBody>
+              <a:bodyPr rtlCol="0" anchor="ctr"/>
+              <a:lstStyle/>
+              <a:p>
+                <a:pPr algn="ctr"/>
+                <a:r>
+                  <a:rPr lang="en-US" sz="2000" b="1" dirty="0"/>
+                  <a:t>3</a:t>
+                </a:r>
+              </a:p>
+            </p:txBody>
+          </p:sp>
+          <p:cxnSp>
+            <p:nvCxnSpPr>
+              <p:cNvPr id="160" name="Straight Arrow Connector 159">
+                <a:extLst>
+                  <a:ext uri="{FF2B5EF4-FFF2-40B4-BE49-F238E27FC236}">
+                    <a16:creationId xmlns:a16="http://schemas.microsoft.com/office/drawing/2014/main" id="{404C39F0-FF7A-8D42-8F4C-81C471DC1481}"/>
+                  </a:ext>
+                </a:extLst>
+              </p:cNvPr>
+              <p:cNvCxnSpPr>
+                <a:stCxn id="154" idx="4"/>
+                <a:endCxn id="157" idx="7"/>
+              </p:cNvCxnSpPr>
+              <p:nvPr/>
+            </p:nvCxnSpPr>
+            <p:spPr>
+              <a:xfrm flipH="1">
+                <a:off x="11077331" y="2580290"/>
+                <a:ext cx="169313" cy="412016"/>
+              </a:xfrm>
+              <a:prstGeom prst="straightConnector1">
+                <a:avLst/>
+              </a:prstGeom>
+              <a:ln w="28575">
+                <a:tailEnd type="triangle"/>
+              </a:ln>
+            </p:spPr>
+            <p:style>
+              <a:lnRef idx="1">
+                <a:schemeClr val="accent1"/>
+              </a:lnRef>
+              <a:fillRef idx="0">
+                <a:schemeClr val="accent1"/>
+              </a:fillRef>
+              <a:effectRef idx="0">
+                <a:schemeClr val="accent1"/>
+              </a:effectRef>
+              <a:fontRef idx="minor">
+                <a:schemeClr val="tx1"/>
+              </a:fontRef>
+            </p:style>
+          </p:cxnSp>
+          <p:cxnSp>
+            <p:nvCxnSpPr>
+              <p:cNvPr id="161" name="Straight Arrow Connector 160">
+                <a:extLst>
+                  <a:ext uri="{FF2B5EF4-FFF2-40B4-BE49-F238E27FC236}">
+                    <a16:creationId xmlns:a16="http://schemas.microsoft.com/office/drawing/2014/main" id="{EE1C946D-42CE-5F43-BC06-C86465502F60}"/>
+                  </a:ext>
+                </a:extLst>
+              </p:cNvPr>
+              <p:cNvCxnSpPr>
+                <a:stCxn id="157" idx="1"/>
+                <a:endCxn id="153" idx="4"/>
+              </p:cNvCxnSpPr>
+              <p:nvPr/>
+            </p:nvCxnSpPr>
+            <p:spPr>
+              <a:xfrm flipH="1" flipV="1">
+                <a:off x="10379540" y="1881352"/>
+                <a:ext cx="289034" cy="1110954"/>
+              </a:xfrm>
+              <a:prstGeom prst="straightConnector1">
+                <a:avLst/>
+              </a:prstGeom>
+              <a:ln w="28575">
+                <a:tailEnd type="triangle"/>
+              </a:ln>
+            </p:spPr>
+            <p:style>
+              <a:lnRef idx="1">
+                <a:schemeClr val="accent1"/>
+              </a:lnRef>
+              <a:fillRef idx="0">
+                <a:schemeClr val="accent1"/>
+              </a:fillRef>
+              <a:effectRef idx="0">
+                <a:schemeClr val="accent1"/>
+              </a:effectRef>
+              <a:fontRef idx="minor">
+                <a:schemeClr val="tx1"/>
+              </a:fontRef>
+            </p:style>
+          </p:cxnSp>
+          <p:cxnSp>
+            <p:nvCxnSpPr>
+              <p:cNvPr id="162" name="Straight Arrow Connector 161">
+                <a:extLst>
+                  <a:ext uri="{FF2B5EF4-FFF2-40B4-BE49-F238E27FC236}">
+                    <a16:creationId xmlns:a16="http://schemas.microsoft.com/office/drawing/2014/main" id="{E7C0D8BA-78F6-3C40-B3DA-B5AD52802D58}"/>
+                  </a:ext>
+                </a:extLst>
+              </p:cNvPr>
+              <p:cNvCxnSpPr>
+                <a:cxnSpLocks/>
+                <a:stCxn id="157" idx="2"/>
+                <a:endCxn id="156" idx="6"/>
+              </p:cNvCxnSpPr>
+              <p:nvPr/>
+            </p:nvCxnSpPr>
+            <p:spPr>
+              <a:xfrm flipH="1">
+                <a:off x="10242904" y="3200400"/>
+                <a:ext cx="341014" cy="0"/>
+              </a:xfrm>
+              <a:prstGeom prst="straightConnector1">
+                <a:avLst/>
+              </a:prstGeom>
+              <a:ln w="28575">
+                <a:tailEnd type="triangle"/>
+              </a:ln>
+            </p:spPr>
+            <p:style>
+              <a:lnRef idx="1">
+                <a:schemeClr val="accent1"/>
+              </a:lnRef>
+              <a:fillRef idx="0">
+                <a:schemeClr val="accent1"/>
+              </a:fillRef>
+              <a:effectRef idx="0">
+                <a:schemeClr val="accent1"/>
+              </a:effectRef>
+              <a:fontRef idx="minor">
+                <a:schemeClr val="tx1"/>
+              </a:fontRef>
+            </p:style>
+          </p:cxnSp>
+          <p:cxnSp>
+            <p:nvCxnSpPr>
+              <p:cNvPr id="163" name="Straight Arrow Connector 162">
+                <a:extLst>
+                  <a:ext uri="{FF2B5EF4-FFF2-40B4-BE49-F238E27FC236}">
+                    <a16:creationId xmlns:a16="http://schemas.microsoft.com/office/drawing/2014/main" id="{690667C9-51DC-F84E-A3F4-5A3A46CE5584}"/>
+                  </a:ext>
+                </a:extLst>
+              </p:cNvPr>
+              <p:cNvCxnSpPr>
+                <a:stCxn id="156" idx="1"/>
+                <a:endCxn id="155" idx="4"/>
+              </p:cNvCxnSpPr>
+              <p:nvPr/>
+            </p:nvCxnSpPr>
+            <p:spPr>
+              <a:xfrm flipH="1" flipV="1">
+                <a:off x="9586009" y="2580290"/>
+                <a:ext cx="163482" cy="412016"/>
+              </a:xfrm>
+              <a:prstGeom prst="straightConnector1">
+                <a:avLst/>
+              </a:prstGeom>
+              <a:ln w="28575">
+                <a:tailEnd type="triangle"/>
+              </a:ln>
+            </p:spPr>
+            <p:style>
+              <a:lnRef idx="1">
+                <a:schemeClr val="accent1"/>
+              </a:lnRef>
+              <a:fillRef idx="0">
+                <a:schemeClr val="accent1"/>
+              </a:fillRef>
+              <a:effectRef idx="0">
+                <a:schemeClr val="accent1"/>
+              </a:effectRef>
+              <a:fontRef idx="minor">
+                <a:schemeClr val="tx1"/>
+              </a:fontRef>
+            </p:style>
+          </p:cxnSp>
+          <p:cxnSp>
+            <p:nvCxnSpPr>
+              <p:cNvPr id="164" name="Straight Arrow Connector 163">
+                <a:extLst>
+                  <a:ext uri="{FF2B5EF4-FFF2-40B4-BE49-F238E27FC236}">
+                    <a16:creationId xmlns:a16="http://schemas.microsoft.com/office/drawing/2014/main" id="{2397C298-B68D-274D-9A1E-3229FFFF21F2}"/>
+                  </a:ext>
+                </a:extLst>
+              </p:cNvPr>
+              <p:cNvCxnSpPr>
+                <a:stCxn id="154" idx="2"/>
+                <a:endCxn id="155" idx="6"/>
+              </p:cNvCxnSpPr>
+              <p:nvPr/>
+            </p:nvCxnSpPr>
+            <p:spPr>
+              <a:xfrm flipH="1">
+                <a:off x="9875043" y="2286000"/>
+                <a:ext cx="1082566" cy="0"/>
+              </a:xfrm>
+              <a:prstGeom prst="straightConnector1">
+                <a:avLst/>
+              </a:prstGeom>
+              <a:ln w="28575">
+                <a:tailEnd type="triangle"/>
+              </a:ln>
+            </p:spPr>
+            <p:style>
+              <a:lnRef idx="1">
+                <a:schemeClr val="accent1"/>
+              </a:lnRef>
+              <a:fillRef idx="0">
+                <a:schemeClr val="accent1"/>
+              </a:fillRef>
+              <a:effectRef idx="0">
+                <a:schemeClr val="accent1"/>
+              </a:effectRef>
+              <a:fontRef idx="minor">
+                <a:schemeClr val="tx1"/>
+              </a:fontRef>
+            </p:style>
+          </p:cxnSp>
+        </p:grpSp>
+        <p:cxnSp>
+          <p:nvCxnSpPr>
+            <p:cNvPr id="3" name="Straight Arrow Connector 2">
+              <a:extLst>
+                <a:ext uri="{FF2B5EF4-FFF2-40B4-BE49-F238E27FC236}">
+                  <a16:creationId xmlns:a16="http://schemas.microsoft.com/office/drawing/2014/main" id="{FDFEE1BF-00A7-E041-8E06-51DA46EB6738}"/>
+                </a:ext>
+              </a:extLst>
+            </p:cNvPr>
+            <p:cNvCxnSpPr>
+              <a:stCxn id="155" idx="7"/>
+              <a:endCxn id="153" idx="3"/>
+            </p:cNvCxnSpPr>
+            <p:nvPr/>
+          </p:nvCxnSpPr>
+          <p:spPr>
+            <a:xfrm flipV="1">
+              <a:off x="8544910" y="2317597"/>
+              <a:ext cx="384774" cy="282750"/>
+            </a:xfrm>
+            <a:prstGeom prst="straightConnector1">
+              <a:avLst/>
+            </a:prstGeom>
+            <a:ln w="28575">
+              <a:solidFill>
+                <a:schemeClr val="bg1">
+                  <a:lumMod val="50000"/>
+                </a:schemeClr>
+              </a:solidFill>
+              <a:prstDash val="sysDot"/>
+              <a:tailEnd type="triangle"/>
+            </a:ln>
+          </p:spPr>
+          <p:style>
+            <a:lnRef idx="1">
+              <a:schemeClr val="accent1"/>
+            </a:lnRef>
+            <a:fillRef idx="0">
+              <a:schemeClr val="accent1"/>
+            </a:fillRef>
+            <a:effectRef idx="0">
+              <a:schemeClr val="accent1"/>
+            </a:effectRef>
+            <a:fontRef idx="minor">
+              <a:schemeClr val="tx1"/>
+            </a:fontRef>
+          </p:style>
+        </p:cxnSp>
+        <p:cxnSp>
+          <p:nvCxnSpPr>
+            <p:cNvPr id="12" name="Straight Arrow Connector 11">
+              <a:extLst>
+                <a:ext uri="{FF2B5EF4-FFF2-40B4-BE49-F238E27FC236}">
+                  <a16:creationId xmlns:a16="http://schemas.microsoft.com/office/drawing/2014/main" id="{9D343206-002F-CA4D-A341-5B9C8B7F3D34}"/>
+                </a:ext>
+              </a:extLst>
+            </p:cNvPr>
+            <p:cNvCxnSpPr>
+              <a:stCxn id="153" idx="5"/>
+              <a:endCxn id="154" idx="1"/>
+            </p:cNvCxnSpPr>
+            <p:nvPr/>
+          </p:nvCxnSpPr>
+          <p:spPr>
+            <a:xfrm>
+              <a:off x="9338441" y="2317597"/>
+              <a:ext cx="458347" cy="282750"/>
+            </a:xfrm>
+            <a:prstGeom prst="straightConnector1">
+              <a:avLst/>
+            </a:prstGeom>
+            <a:ln w="28575">
+              <a:solidFill>
+                <a:schemeClr val="bg1">
+                  <a:lumMod val="50000"/>
+                </a:schemeClr>
+              </a:solidFill>
+              <a:prstDash val="sysDot"/>
+              <a:tailEnd type="triangle"/>
+            </a:ln>
+          </p:spPr>
+          <p:style>
+            <a:lnRef idx="1">
+              <a:schemeClr val="accent1"/>
+            </a:lnRef>
+            <a:fillRef idx="0">
+              <a:schemeClr val="accent1"/>
+            </a:fillRef>
+            <a:effectRef idx="0">
+              <a:schemeClr val="accent1"/>
+            </a:effectRef>
+            <a:fontRef idx="minor">
+              <a:schemeClr val="tx1"/>
+            </a:fontRef>
+          </p:style>
+        </p:cxnSp>
+      </p:grpSp>
     </p:spTree>
     <p:extLst>
       <p:ext uri="{BB962C8B-B14F-4D97-AF65-F5344CB8AC3E}">
-        <p14:creationId xmlns:p14="http://schemas.microsoft.com/office/powerpoint/2010/main" val="414230914"/>
+        <p14:creationId xmlns:p14="http://schemas.microsoft.com/office/powerpoint/2010/main" val="2541797718"/>
       </p:ext>
     </p:extLst>
   </p:cSld>
@@ -8635,10 +12272,1789 @@
           <a:chExt cx="0" cy="0"/>
         </a:xfrm>
       </p:grpSpPr>
+      <p:grpSp>
+        <p:nvGrpSpPr>
+          <p:cNvPr id="4" name="Group 3">
+            <a:extLst>
+              <a:ext uri="{FF2B5EF4-FFF2-40B4-BE49-F238E27FC236}">
+                <a16:creationId xmlns:a16="http://schemas.microsoft.com/office/drawing/2014/main" id="{5E8E6547-7AC7-ED4B-AF57-96EAB7EB2085}"/>
+              </a:ext>
+            </a:extLst>
+          </p:cNvPr>
+          <p:cNvGrpSpPr/>
+          <p:nvPr/>
+        </p:nvGrpSpPr>
+        <p:grpSpPr>
+          <a:xfrm>
+            <a:off x="2824287" y="1237143"/>
+            <a:ext cx="610408" cy="3758349"/>
+            <a:chOff x="5315167" y="793905"/>
+            <a:chExt cx="610408" cy="3758349"/>
+          </a:xfrm>
+        </p:grpSpPr>
+        <p:sp>
+          <p:nvSpPr>
+            <p:cNvPr id="5" name="Oval 4">
+              <a:extLst>
+                <a:ext uri="{FF2B5EF4-FFF2-40B4-BE49-F238E27FC236}">
+                  <a16:creationId xmlns:a16="http://schemas.microsoft.com/office/drawing/2014/main" id="{177D99C9-B170-6746-91C7-1CD9C0F76123}"/>
+                </a:ext>
+              </a:extLst>
+            </p:cNvPr>
+            <p:cNvSpPr/>
+            <p:nvPr/>
+          </p:nvSpPr>
+          <p:spPr>
+            <a:xfrm>
+              <a:off x="5315167" y="3172256"/>
+              <a:ext cx="578069" cy="588580"/>
+            </a:xfrm>
+            <a:prstGeom prst="ellipse">
+              <a:avLst/>
+            </a:prstGeom>
+            <a:ln w="28575">
+              <a:solidFill>
+                <a:schemeClr val="accent6">
+                  <a:lumMod val="50000"/>
+                </a:schemeClr>
+              </a:solidFill>
+            </a:ln>
+          </p:spPr>
+          <p:style>
+            <a:lnRef idx="2">
+              <a:schemeClr val="dk1"/>
+            </a:lnRef>
+            <a:fillRef idx="1">
+              <a:schemeClr val="lt1"/>
+            </a:fillRef>
+            <a:effectRef idx="0">
+              <a:schemeClr val="dk1"/>
+            </a:effectRef>
+            <a:fontRef idx="minor">
+              <a:schemeClr val="dk1"/>
+            </a:fontRef>
+          </p:style>
+          <p:txBody>
+            <a:bodyPr rtlCol="0" anchor="ctr"/>
+            <a:lstStyle/>
+            <a:p>
+              <a:pPr algn="ctr"/>
+              <a:r>
+                <a:rPr lang="en-US" sz="2000" b="1" dirty="0">
+                  <a:solidFill>
+                    <a:schemeClr val="accent6"/>
+                  </a:solidFill>
+                </a:rPr>
+                <a:t>1</a:t>
+              </a:r>
+            </a:p>
+          </p:txBody>
+        </p:sp>
+        <p:sp>
+          <p:nvSpPr>
+            <p:cNvPr id="6" name="Oval 5">
+              <a:extLst>
+                <a:ext uri="{FF2B5EF4-FFF2-40B4-BE49-F238E27FC236}">
+                  <a16:creationId xmlns:a16="http://schemas.microsoft.com/office/drawing/2014/main" id="{C1C4516C-7ED3-734F-A395-A637BB458E8B}"/>
+                </a:ext>
+              </a:extLst>
+            </p:cNvPr>
+            <p:cNvSpPr/>
+            <p:nvPr/>
+          </p:nvSpPr>
+          <p:spPr>
+            <a:xfrm>
+              <a:off x="5347506" y="793905"/>
+              <a:ext cx="578069" cy="588580"/>
+            </a:xfrm>
+            <a:prstGeom prst="ellipse">
+              <a:avLst/>
+            </a:prstGeom>
+            <a:ln w="28575">
+              <a:solidFill>
+                <a:schemeClr val="accent6">
+                  <a:lumMod val="50000"/>
+                </a:schemeClr>
+              </a:solidFill>
+            </a:ln>
+          </p:spPr>
+          <p:style>
+            <a:lnRef idx="2">
+              <a:schemeClr val="dk1"/>
+            </a:lnRef>
+            <a:fillRef idx="1">
+              <a:schemeClr val="lt1"/>
+            </a:fillRef>
+            <a:effectRef idx="0">
+              <a:schemeClr val="dk1"/>
+            </a:effectRef>
+            <a:fontRef idx="minor">
+              <a:schemeClr val="dk1"/>
+            </a:fontRef>
+          </p:style>
+          <p:txBody>
+            <a:bodyPr rtlCol="0" anchor="ctr"/>
+            <a:lstStyle/>
+            <a:p>
+              <a:pPr algn="ctr"/>
+              <a:r>
+                <a:rPr lang="en-US" sz="2000" b="1" dirty="0">
+                  <a:solidFill>
+                    <a:schemeClr val="accent6"/>
+                  </a:solidFill>
+                </a:rPr>
+                <a:t>2</a:t>
+              </a:r>
+            </a:p>
+          </p:txBody>
+        </p:sp>
+        <p:sp>
+          <p:nvSpPr>
+            <p:cNvPr id="7" name="Oval 6">
+              <a:extLst>
+                <a:ext uri="{FF2B5EF4-FFF2-40B4-BE49-F238E27FC236}">
+                  <a16:creationId xmlns:a16="http://schemas.microsoft.com/office/drawing/2014/main" id="{3693F3E2-CCCF-3C4A-AFAD-F0F83B16323F}"/>
+                </a:ext>
+              </a:extLst>
+            </p:cNvPr>
+            <p:cNvSpPr/>
+            <p:nvPr/>
+          </p:nvSpPr>
+          <p:spPr>
+            <a:xfrm>
+              <a:off x="5315167" y="3963674"/>
+              <a:ext cx="578069" cy="588580"/>
+            </a:xfrm>
+            <a:prstGeom prst="ellipse">
+              <a:avLst/>
+            </a:prstGeom>
+            <a:ln w="28575"/>
+          </p:spPr>
+          <p:style>
+            <a:lnRef idx="2">
+              <a:schemeClr val="dk1"/>
+            </a:lnRef>
+            <a:fillRef idx="1">
+              <a:schemeClr val="lt1"/>
+            </a:fillRef>
+            <a:effectRef idx="0">
+              <a:schemeClr val="dk1"/>
+            </a:effectRef>
+            <a:fontRef idx="minor">
+              <a:schemeClr val="dk1"/>
+            </a:fontRef>
+          </p:style>
+          <p:txBody>
+            <a:bodyPr rtlCol="0" anchor="ctr"/>
+            <a:lstStyle/>
+            <a:p>
+              <a:pPr algn="ctr"/>
+              <a:r>
+                <a:rPr lang="en-US" sz="2000" b="1" dirty="0"/>
+                <a:t>5</a:t>
+              </a:r>
+            </a:p>
+          </p:txBody>
+        </p:sp>
+        <p:sp>
+          <p:nvSpPr>
+            <p:cNvPr id="8" name="Oval 7">
+              <a:extLst>
+                <a:ext uri="{FF2B5EF4-FFF2-40B4-BE49-F238E27FC236}">
+                  <a16:creationId xmlns:a16="http://schemas.microsoft.com/office/drawing/2014/main" id="{04D44B29-BF1A-6B49-B8CA-24696F5037C6}"/>
+                </a:ext>
+              </a:extLst>
+            </p:cNvPr>
+            <p:cNvSpPr/>
+            <p:nvPr/>
+          </p:nvSpPr>
+          <p:spPr>
+            <a:xfrm>
+              <a:off x="5341156" y="2377887"/>
+              <a:ext cx="578069" cy="588580"/>
+            </a:xfrm>
+            <a:prstGeom prst="ellipse">
+              <a:avLst/>
+            </a:prstGeom>
+            <a:ln w="28575"/>
+          </p:spPr>
+          <p:style>
+            <a:lnRef idx="2">
+              <a:schemeClr val="dk1"/>
+            </a:lnRef>
+            <a:fillRef idx="1">
+              <a:schemeClr val="lt1"/>
+            </a:fillRef>
+            <a:effectRef idx="0">
+              <a:schemeClr val="dk1"/>
+            </a:effectRef>
+            <a:fontRef idx="minor">
+              <a:schemeClr val="dk1"/>
+            </a:fontRef>
+          </p:style>
+          <p:txBody>
+            <a:bodyPr rtlCol="0" anchor="ctr"/>
+            <a:lstStyle/>
+            <a:p>
+              <a:pPr algn="ctr"/>
+              <a:r>
+                <a:rPr lang="en-US" sz="2000" b="1" dirty="0"/>
+                <a:t>4</a:t>
+              </a:r>
+            </a:p>
+          </p:txBody>
+        </p:sp>
+        <p:sp>
+          <p:nvSpPr>
+            <p:cNvPr id="9" name="Oval 8">
+              <a:extLst>
+                <a:ext uri="{FF2B5EF4-FFF2-40B4-BE49-F238E27FC236}">
+                  <a16:creationId xmlns:a16="http://schemas.microsoft.com/office/drawing/2014/main" id="{259652A0-2EB1-694E-8A84-C863904F272D}"/>
+                </a:ext>
+              </a:extLst>
+            </p:cNvPr>
+            <p:cNvSpPr/>
+            <p:nvPr/>
+          </p:nvSpPr>
+          <p:spPr>
+            <a:xfrm>
+              <a:off x="5341156" y="1588274"/>
+              <a:ext cx="578069" cy="588580"/>
+            </a:xfrm>
+            <a:prstGeom prst="ellipse">
+              <a:avLst/>
+            </a:prstGeom>
+            <a:ln w="28575"/>
+          </p:spPr>
+          <p:style>
+            <a:lnRef idx="2">
+              <a:schemeClr val="dk1"/>
+            </a:lnRef>
+            <a:fillRef idx="1">
+              <a:schemeClr val="lt1"/>
+            </a:fillRef>
+            <a:effectRef idx="0">
+              <a:schemeClr val="dk1"/>
+            </a:effectRef>
+            <a:fontRef idx="minor">
+              <a:schemeClr val="dk1"/>
+            </a:fontRef>
+          </p:style>
+          <p:txBody>
+            <a:bodyPr rtlCol="0" anchor="ctr"/>
+            <a:lstStyle/>
+            <a:p>
+              <a:pPr algn="ctr"/>
+              <a:r>
+                <a:rPr lang="en-US" sz="2000" b="1" dirty="0"/>
+                <a:t>3</a:t>
+              </a:r>
+            </a:p>
+          </p:txBody>
+        </p:sp>
+        <p:cxnSp>
+          <p:nvCxnSpPr>
+            <p:cNvPr id="10" name="Curved Connector 9">
+              <a:extLst>
+                <a:ext uri="{FF2B5EF4-FFF2-40B4-BE49-F238E27FC236}">
+                  <a16:creationId xmlns:a16="http://schemas.microsoft.com/office/drawing/2014/main" id="{99575D85-6259-2748-9282-B9B42F8252F8}"/>
+                </a:ext>
+              </a:extLst>
+            </p:cNvPr>
+            <p:cNvCxnSpPr>
+              <a:stCxn id="7" idx="6"/>
+              <a:endCxn id="5" idx="6"/>
+            </p:cNvCxnSpPr>
+            <p:nvPr/>
+          </p:nvCxnSpPr>
+          <p:spPr>
+            <a:xfrm flipV="1">
+              <a:off x="5893236" y="3466546"/>
+              <a:ext cx="12700" cy="791418"/>
+            </a:xfrm>
+            <a:prstGeom prst="curvedConnector3">
+              <a:avLst>
+                <a:gd name="adj1" fmla="val 1800000"/>
+              </a:avLst>
+            </a:prstGeom>
+            <a:ln w="28575">
+              <a:solidFill>
+                <a:srgbClr val="FF0000"/>
+              </a:solidFill>
+              <a:tailEnd type="triangle"/>
+            </a:ln>
+          </p:spPr>
+          <p:style>
+            <a:lnRef idx="1">
+              <a:schemeClr val="accent1"/>
+            </a:lnRef>
+            <a:fillRef idx="0">
+              <a:schemeClr val="accent1"/>
+            </a:fillRef>
+            <a:effectRef idx="0">
+              <a:schemeClr val="accent1"/>
+            </a:effectRef>
+            <a:fontRef idx="minor">
+              <a:schemeClr val="tx1"/>
+            </a:fontRef>
+          </p:style>
+        </p:cxnSp>
+        <p:cxnSp>
+          <p:nvCxnSpPr>
+            <p:cNvPr id="11" name="Curved Connector 10">
+              <a:extLst>
+                <a:ext uri="{FF2B5EF4-FFF2-40B4-BE49-F238E27FC236}">
+                  <a16:creationId xmlns:a16="http://schemas.microsoft.com/office/drawing/2014/main" id="{5D452BEF-F3EE-C442-A672-86BCF230B0BE}"/>
+                </a:ext>
+              </a:extLst>
+            </p:cNvPr>
+            <p:cNvCxnSpPr>
+              <a:cxnSpLocks/>
+              <a:stCxn id="5" idx="6"/>
+              <a:endCxn id="6" idx="6"/>
+            </p:cNvCxnSpPr>
+            <p:nvPr/>
+          </p:nvCxnSpPr>
+          <p:spPr>
+            <a:xfrm flipV="1">
+              <a:off x="5893236" y="1088195"/>
+              <a:ext cx="32339" cy="2378351"/>
+            </a:xfrm>
+            <a:prstGeom prst="curvedConnector3">
+              <a:avLst>
+                <a:gd name="adj1" fmla="val 806886"/>
+              </a:avLst>
+            </a:prstGeom>
+            <a:ln w="28575">
+              <a:solidFill>
+                <a:srgbClr val="FF0000"/>
+              </a:solidFill>
+              <a:tailEnd type="triangle"/>
+            </a:ln>
+          </p:spPr>
+          <p:style>
+            <a:lnRef idx="1">
+              <a:schemeClr val="accent1"/>
+            </a:lnRef>
+            <a:fillRef idx="0">
+              <a:schemeClr val="accent1"/>
+            </a:fillRef>
+            <a:effectRef idx="0">
+              <a:schemeClr val="accent1"/>
+            </a:effectRef>
+            <a:fontRef idx="minor">
+              <a:schemeClr val="tx1"/>
+            </a:fontRef>
+          </p:style>
+        </p:cxnSp>
+        <p:cxnSp>
+          <p:nvCxnSpPr>
+            <p:cNvPr id="12" name="Curved Connector 11">
+              <a:extLst>
+                <a:ext uri="{FF2B5EF4-FFF2-40B4-BE49-F238E27FC236}">
+                  <a16:creationId xmlns:a16="http://schemas.microsoft.com/office/drawing/2014/main" id="{4623B1BD-923A-DD49-8243-23CA4D5E64A6}"/>
+                </a:ext>
+              </a:extLst>
+            </p:cNvPr>
+            <p:cNvCxnSpPr>
+              <a:cxnSpLocks/>
+              <a:stCxn id="6" idx="2"/>
+              <a:endCxn id="9" idx="2"/>
+            </p:cNvCxnSpPr>
+            <p:nvPr/>
+          </p:nvCxnSpPr>
+          <p:spPr>
+            <a:xfrm rot="10800000" flipV="1">
+              <a:off x="5341156" y="1088194"/>
+              <a:ext cx="6350" cy="794369"/>
+            </a:xfrm>
+            <a:prstGeom prst="curvedConnector3">
+              <a:avLst>
+                <a:gd name="adj1" fmla="val 3700000"/>
+              </a:avLst>
+            </a:prstGeom>
+            <a:ln w="28575">
+              <a:tailEnd type="triangle"/>
+            </a:ln>
+          </p:spPr>
+          <p:style>
+            <a:lnRef idx="1">
+              <a:schemeClr val="accent1"/>
+            </a:lnRef>
+            <a:fillRef idx="0">
+              <a:schemeClr val="accent1"/>
+            </a:fillRef>
+            <a:effectRef idx="0">
+              <a:schemeClr val="accent1"/>
+            </a:effectRef>
+            <a:fontRef idx="minor">
+              <a:schemeClr val="tx1"/>
+            </a:fontRef>
+          </p:style>
+        </p:cxnSp>
+        <p:cxnSp>
+          <p:nvCxnSpPr>
+            <p:cNvPr id="13" name="Curved Connector 12">
+              <a:extLst>
+                <a:ext uri="{FF2B5EF4-FFF2-40B4-BE49-F238E27FC236}">
+                  <a16:creationId xmlns:a16="http://schemas.microsoft.com/office/drawing/2014/main" id="{C78B8DE1-E26E-6F42-8724-0D54824787E8}"/>
+                </a:ext>
+              </a:extLst>
+            </p:cNvPr>
+            <p:cNvCxnSpPr>
+              <a:cxnSpLocks/>
+              <a:stCxn id="9" idx="2"/>
+              <a:endCxn id="8" idx="2"/>
+            </p:cNvCxnSpPr>
+            <p:nvPr/>
+          </p:nvCxnSpPr>
+          <p:spPr>
+            <a:xfrm rot="10800000" flipV="1">
+              <a:off x="5341156" y="1882563"/>
+              <a:ext cx="12700" cy="789613"/>
+            </a:xfrm>
+            <a:prstGeom prst="curvedConnector3">
+              <a:avLst>
+                <a:gd name="adj1" fmla="val 1800000"/>
+              </a:avLst>
+            </a:prstGeom>
+            <a:ln w="28575">
+              <a:tailEnd type="triangle"/>
+            </a:ln>
+          </p:spPr>
+          <p:style>
+            <a:lnRef idx="1">
+              <a:schemeClr val="accent1"/>
+            </a:lnRef>
+            <a:fillRef idx="0">
+              <a:schemeClr val="accent1"/>
+            </a:fillRef>
+            <a:effectRef idx="0">
+              <a:schemeClr val="accent1"/>
+            </a:effectRef>
+            <a:fontRef idx="minor">
+              <a:schemeClr val="tx1"/>
+            </a:fontRef>
+          </p:style>
+        </p:cxnSp>
+        <p:cxnSp>
+          <p:nvCxnSpPr>
+            <p:cNvPr id="14" name="Curved Connector 13">
+              <a:extLst>
+                <a:ext uri="{FF2B5EF4-FFF2-40B4-BE49-F238E27FC236}">
+                  <a16:creationId xmlns:a16="http://schemas.microsoft.com/office/drawing/2014/main" id="{8A465AA1-35A2-7340-8FAA-8257246BF379}"/>
+                </a:ext>
+              </a:extLst>
+            </p:cNvPr>
+            <p:cNvCxnSpPr>
+              <a:cxnSpLocks/>
+              <a:stCxn id="8" idx="2"/>
+              <a:endCxn id="7" idx="2"/>
+            </p:cNvCxnSpPr>
+            <p:nvPr/>
+          </p:nvCxnSpPr>
+          <p:spPr>
+            <a:xfrm rot="10800000" flipV="1">
+              <a:off x="5315168" y="2672176"/>
+              <a:ext cx="25989" cy="1585787"/>
+            </a:xfrm>
+            <a:prstGeom prst="curvedConnector3">
+              <a:avLst>
+                <a:gd name="adj1" fmla="val 979603"/>
+              </a:avLst>
+            </a:prstGeom>
+            <a:ln w="28575">
+              <a:tailEnd type="triangle"/>
+            </a:ln>
+          </p:spPr>
+          <p:style>
+            <a:lnRef idx="1">
+              <a:schemeClr val="accent1"/>
+            </a:lnRef>
+            <a:fillRef idx="0">
+              <a:schemeClr val="accent1"/>
+            </a:fillRef>
+            <a:effectRef idx="0">
+              <a:schemeClr val="accent1"/>
+            </a:effectRef>
+            <a:fontRef idx="minor">
+              <a:schemeClr val="tx1"/>
+            </a:fontRef>
+          </p:style>
+        </p:cxnSp>
+        <p:cxnSp>
+          <p:nvCxnSpPr>
+            <p:cNvPr id="15" name="Curved Connector 14">
+              <a:extLst>
+                <a:ext uri="{FF2B5EF4-FFF2-40B4-BE49-F238E27FC236}">
+                  <a16:creationId xmlns:a16="http://schemas.microsoft.com/office/drawing/2014/main" id="{170FBE91-094F-DB49-A396-729734FBE007}"/>
+                </a:ext>
+              </a:extLst>
+            </p:cNvPr>
+            <p:cNvCxnSpPr>
+              <a:cxnSpLocks/>
+              <a:stCxn id="9" idx="2"/>
+              <a:endCxn id="5" idx="2"/>
+            </p:cNvCxnSpPr>
+            <p:nvPr/>
+          </p:nvCxnSpPr>
+          <p:spPr>
+            <a:xfrm rot="10800000" flipV="1">
+              <a:off x="5315168" y="1882564"/>
+              <a:ext cx="25989" cy="1583982"/>
+            </a:xfrm>
+            <a:prstGeom prst="curvedConnector3">
+              <a:avLst>
+                <a:gd name="adj1" fmla="val 979603"/>
+              </a:avLst>
+            </a:prstGeom>
+            <a:ln w="28575">
+              <a:tailEnd type="triangle"/>
+            </a:ln>
+          </p:spPr>
+          <p:style>
+            <a:lnRef idx="1">
+              <a:schemeClr val="accent1"/>
+            </a:lnRef>
+            <a:fillRef idx="0">
+              <a:schemeClr val="accent1"/>
+            </a:fillRef>
+            <a:effectRef idx="0">
+              <a:schemeClr val="accent1"/>
+            </a:effectRef>
+            <a:fontRef idx="minor">
+              <a:schemeClr val="tx1"/>
+            </a:fontRef>
+          </p:style>
+        </p:cxnSp>
+        <p:cxnSp>
+          <p:nvCxnSpPr>
+            <p:cNvPr id="16" name="Curved Connector 15">
+              <a:extLst>
+                <a:ext uri="{FF2B5EF4-FFF2-40B4-BE49-F238E27FC236}">
+                  <a16:creationId xmlns:a16="http://schemas.microsoft.com/office/drawing/2014/main" id="{58F86280-AC86-4E42-95AA-93784C4E6921}"/>
+                </a:ext>
+              </a:extLst>
+            </p:cNvPr>
+            <p:cNvCxnSpPr>
+              <a:cxnSpLocks/>
+              <a:stCxn id="6" idx="2"/>
+              <a:endCxn id="7" idx="2"/>
+            </p:cNvCxnSpPr>
+            <p:nvPr/>
+          </p:nvCxnSpPr>
+          <p:spPr>
+            <a:xfrm rot="10800000" flipV="1">
+              <a:off x="5315168" y="1088194"/>
+              <a:ext cx="32339" cy="3169769"/>
+            </a:xfrm>
+            <a:prstGeom prst="curvedConnector3">
+              <a:avLst>
+                <a:gd name="adj1" fmla="val 1781901"/>
+              </a:avLst>
+            </a:prstGeom>
+            <a:ln w="28575">
+              <a:tailEnd type="triangle"/>
+            </a:ln>
+          </p:spPr>
+          <p:style>
+            <a:lnRef idx="1">
+              <a:schemeClr val="accent1"/>
+            </a:lnRef>
+            <a:fillRef idx="0">
+              <a:schemeClr val="accent1"/>
+            </a:fillRef>
+            <a:effectRef idx="0">
+              <a:schemeClr val="accent1"/>
+            </a:effectRef>
+            <a:fontRef idx="minor">
+              <a:schemeClr val="tx1"/>
+            </a:fontRef>
+          </p:style>
+        </p:cxnSp>
+      </p:grpSp>
+      <p:grpSp>
+        <p:nvGrpSpPr>
+          <p:cNvPr id="30" name="Group 29">
+            <a:extLst>
+              <a:ext uri="{FF2B5EF4-FFF2-40B4-BE49-F238E27FC236}">
+                <a16:creationId xmlns:a16="http://schemas.microsoft.com/office/drawing/2014/main" id="{984A4F11-8FCA-8B4E-8CFF-DC0EF612B9E4}"/>
+              </a:ext>
+            </a:extLst>
+          </p:cNvPr>
+          <p:cNvGrpSpPr/>
+          <p:nvPr/>
+        </p:nvGrpSpPr>
+        <p:grpSpPr>
+          <a:xfrm>
+            <a:off x="5039423" y="1237142"/>
+            <a:ext cx="625943" cy="3758350"/>
+            <a:chOff x="5296855" y="793904"/>
+            <a:chExt cx="625943" cy="3758350"/>
+          </a:xfrm>
+        </p:grpSpPr>
+        <p:sp>
+          <p:nvSpPr>
+            <p:cNvPr id="31" name="Oval 30">
+              <a:extLst>
+                <a:ext uri="{FF2B5EF4-FFF2-40B4-BE49-F238E27FC236}">
+                  <a16:creationId xmlns:a16="http://schemas.microsoft.com/office/drawing/2014/main" id="{65CB61CD-E3CD-2B4B-A103-0BD6C07ACB4F}"/>
+                </a:ext>
+              </a:extLst>
+            </p:cNvPr>
+            <p:cNvSpPr/>
+            <p:nvPr/>
+          </p:nvSpPr>
+          <p:spPr>
+            <a:xfrm>
+              <a:off x="5329426" y="793904"/>
+              <a:ext cx="578069" cy="588580"/>
+            </a:xfrm>
+            <a:prstGeom prst="ellipse">
+              <a:avLst/>
+            </a:prstGeom>
+            <a:ln w="28575"/>
+          </p:spPr>
+          <p:style>
+            <a:lnRef idx="2">
+              <a:schemeClr val="dk1"/>
+            </a:lnRef>
+            <a:fillRef idx="1">
+              <a:schemeClr val="lt1"/>
+            </a:fillRef>
+            <a:effectRef idx="0">
+              <a:schemeClr val="dk1"/>
+            </a:effectRef>
+            <a:fontRef idx="minor">
+              <a:schemeClr val="dk1"/>
+            </a:fontRef>
+          </p:style>
+          <p:txBody>
+            <a:bodyPr rtlCol="0" anchor="ctr"/>
+            <a:lstStyle/>
+            <a:p>
+              <a:pPr algn="ctr"/>
+              <a:r>
+                <a:rPr lang="en-US" sz="2000" b="1" dirty="0">
+                  <a:solidFill>
+                    <a:schemeClr val="accent6"/>
+                  </a:solidFill>
+                </a:rPr>
+                <a:t>1</a:t>
+              </a:r>
+            </a:p>
+          </p:txBody>
+        </p:sp>
+        <p:sp>
+          <p:nvSpPr>
+            <p:cNvPr id="32" name="Oval 31">
+              <a:extLst>
+                <a:ext uri="{FF2B5EF4-FFF2-40B4-BE49-F238E27FC236}">
+                  <a16:creationId xmlns:a16="http://schemas.microsoft.com/office/drawing/2014/main" id="{3FA14C7A-91F2-0041-A8E6-7CFCB81B8605}"/>
+                </a:ext>
+              </a:extLst>
+            </p:cNvPr>
+            <p:cNvSpPr/>
+            <p:nvPr/>
+          </p:nvSpPr>
+          <p:spPr>
+            <a:xfrm>
+              <a:off x="5344729" y="1583518"/>
+              <a:ext cx="578069" cy="588580"/>
+            </a:xfrm>
+            <a:prstGeom prst="ellipse">
+              <a:avLst/>
+            </a:prstGeom>
+            <a:ln w="28575"/>
+          </p:spPr>
+          <p:style>
+            <a:lnRef idx="2">
+              <a:schemeClr val="dk1"/>
+            </a:lnRef>
+            <a:fillRef idx="1">
+              <a:schemeClr val="lt1"/>
+            </a:fillRef>
+            <a:effectRef idx="0">
+              <a:schemeClr val="dk1"/>
+            </a:effectRef>
+            <a:fontRef idx="minor">
+              <a:schemeClr val="dk1"/>
+            </a:fontRef>
+          </p:style>
+          <p:txBody>
+            <a:bodyPr rtlCol="0" anchor="ctr"/>
+            <a:lstStyle/>
+            <a:p>
+              <a:pPr algn="ctr"/>
+              <a:r>
+                <a:rPr lang="en-US" sz="2000" b="1" dirty="0">
+                  <a:solidFill>
+                    <a:schemeClr val="accent6"/>
+                  </a:solidFill>
+                </a:rPr>
+                <a:t>2</a:t>
+              </a:r>
+            </a:p>
+          </p:txBody>
+        </p:sp>
+        <p:sp>
+          <p:nvSpPr>
+            <p:cNvPr id="33" name="Oval 32">
+              <a:extLst>
+                <a:ext uri="{FF2B5EF4-FFF2-40B4-BE49-F238E27FC236}">
+                  <a16:creationId xmlns:a16="http://schemas.microsoft.com/office/drawing/2014/main" id="{F57FD6DE-F244-1E4E-A663-BAE4FE941348}"/>
+                </a:ext>
+              </a:extLst>
+            </p:cNvPr>
+            <p:cNvSpPr/>
+            <p:nvPr/>
+          </p:nvSpPr>
+          <p:spPr>
+            <a:xfrm>
+              <a:off x="5296855" y="3963674"/>
+              <a:ext cx="578069" cy="588580"/>
+            </a:xfrm>
+            <a:prstGeom prst="ellipse">
+              <a:avLst/>
+            </a:prstGeom>
+            <a:ln w="28575"/>
+          </p:spPr>
+          <p:style>
+            <a:lnRef idx="2">
+              <a:schemeClr val="dk1"/>
+            </a:lnRef>
+            <a:fillRef idx="1">
+              <a:schemeClr val="lt1"/>
+            </a:fillRef>
+            <a:effectRef idx="0">
+              <a:schemeClr val="dk1"/>
+            </a:effectRef>
+            <a:fontRef idx="minor">
+              <a:schemeClr val="dk1"/>
+            </a:fontRef>
+          </p:style>
+          <p:txBody>
+            <a:bodyPr rtlCol="0" anchor="ctr"/>
+            <a:lstStyle/>
+            <a:p>
+              <a:pPr algn="ctr"/>
+              <a:r>
+                <a:rPr lang="en-US" sz="2000" b="1" dirty="0"/>
+                <a:t>5</a:t>
+              </a:r>
+            </a:p>
+          </p:txBody>
+        </p:sp>
+        <p:sp>
+          <p:nvSpPr>
+            <p:cNvPr id="34" name="Oval 33">
+              <a:extLst>
+                <a:ext uri="{FF2B5EF4-FFF2-40B4-BE49-F238E27FC236}">
+                  <a16:creationId xmlns:a16="http://schemas.microsoft.com/office/drawing/2014/main" id="{3CD3963E-A830-134C-BD33-D5AFC5E87EBC}"/>
+                </a:ext>
+              </a:extLst>
+            </p:cNvPr>
+            <p:cNvSpPr/>
+            <p:nvPr/>
+          </p:nvSpPr>
+          <p:spPr>
+            <a:xfrm>
+              <a:off x="5313024" y="3172256"/>
+              <a:ext cx="578069" cy="588580"/>
+            </a:xfrm>
+            <a:prstGeom prst="ellipse">
+              <a:avLst/>
+            </a:prstGeom>
+            <a:ln w="28575"/>
+          </p:spPr>
+          <p:style>
+            <a:lnRef idx="2">
+              <a:schemeClr val="dk1"/>
+            </a:lnRef>
+            <a:fillRef idx="1">
+              <a:schemeClr val="lt1"/>
+            </a:fillRef>
+            <a:effectRef idx="0">
+              <a:schemeClr val="dk1"/>
+            </a:effectRef>
+            <a:fontRef idx="minor">
+              <a:schemeClr val="dk1"/>
+            </a:fontRef>
+          </p:style>
+          <p:txBody>
+            <a:bodyPr rtlCol="0" anchor="ctr"/>
+            <a:lstStyle/>
+            <a:p>
+              <a:pPr algn="ctr"/>
+              <a:r>
+                <a:rPr lang="en-US" sz="2000" b="1" dirty="0"/>
+                <a:t>4</a:t>
+              </a:r>
+            </a:p>
+          </p:txBody>
+        </p:sp>
+        <p:sp>
+          <p:nvSpPr>
+            <p:cNvPr id="35" name="Oval 34">
+              <a:extLst>
+                <a:ext uri="{FF2B5EF4-FFF2-40B4-BE49-F238E27FC236}">
+                  <a16:creationId xmlns:a16="http://schemas.microsoft.com/office/drawing/2014/main" id="{C15AD92D-6250-4340-82B6-46DC0386D382}"/>
+                </a:ext>
+              </a:extLst>
+            </p:cNvPr>
+            <p:cNvSpPr/>
+            <p:nvPr/>
+          </p:nvSpPr>
+          <p:spPr>
+            <a:xfrm>
+              <a:off x="5315166" y="2377887"/>
+              <a:ext cx="578069" cy="588580"/>
+            </a:xfrm>
+            <a:prstGeom prst="ellipse">
+              <a:avLst/>
+            </a:prstGeom>
+            <a:ln w="28575"/>
+          </p:spPr>
+          <p:style>
+            <a:lnRef idx="2">
+              <a:schemeClr val="dk1"/>
+            </a:lnRef>
+            <a:fillRef idx="1">
+              <a:schemeClr val="lt1"/>
+            </a:fillRef>
+            <a:effectRef idx="0">
+              <a:schemeClr val="dk1"/>
+            </a:effectRef>
+            <a:fontRef idx="minor">
+              <a:schemeClr val="dk1"/>
+            </a:fontRef>
+          </p:style>
+          <p:txBody>
+            <a:bodyPr rtlCol="0" anchor="ctr"/>
+            <a:lstStyle/>
+            <a:p>
+              <a:pPr algn="ctr"/>
+              <a:r>
+                <a:rPr lang="en-US" sz="2000" b="1" dirty="0"/>
+                <a:t>3</a:t>
+              </a:r>
+            </a:p>
+          </p:txBody>
+        </p:sp>
+        <p:cxnSp>
+          <p:nvCxnSpPr>
+            <p:cNvPr id="36" name="Curved Connector 35">
+              <a:extLst>
+                <a:ext uri="{FF2B5EF4-FFF2-40B4-BE49-F238E27FC236}">
+                  <a16:creationId xmlns:a16="http://schemas.microsoft.com/office/drawing/2014/main" id="{B46402DB-70E0-0D42-A997-C4908323D8FF}"/>
+                </a:ext>
+              </a:extLst>
+            </p:cNvPr>
+            <p:cNvCxnSpPr>
+              <a:stCxn id="33" idx="6"/>
+              <a:endCxn id="31" idx="6"/>
+            </p:cNvCxnSpPr>
+            <p:nvPr/>
+          </p:nvCxnSpPr>
+          <p:spPr>
+            <a:xfrm flipV="1">
+              <a:off x="5874924" y="1088194"/>
+              <a:ext cx="32571" cy="3169770"/>
+            </a:xfrm>
+            <a:prstGeom prst="curvedConnector3">
+              <a:avLst>
+                <a:gd name="adj1" fmla="val 801851"/>
+              </a:avLst>
+            </a:prstGeom>
+            <a:ln w="28575">
+              <a:solidFill>
+                <a:srgbClr val="FF0000"/>
+              </a:solidFill>
+              <a:tailEnd type="triangle"/>
+            </a:ln>
+          </p:spPr>
+          <p:style>
+            <a:lnRef idx="1">
+              <a:schemeClr val="accent1"/>
+            </a:lnRef>
+            <a:fillRef idx="0">
+              <a:schemeClr val="accent1"/>
+            </a:fillRef>
+            <a:effectRef idx="0">
+              <a:schemeClr val="accent1"/>
+            </a:effectRef>
+            <a:fontRef idx="minor">
+              <a:schemeClr val="tx1"/>
+            </a:fontRef>
+          </p:style>
+        </p:cxnSp>
+        <p:cxnSp>
+          <p:nvCxnSpPr>
+            <p:cNvPr id="37" name="Curved Connector 36">
+              <a:extLst>
+                <a:ext uri="{FF2B5EF4-FFF2-40B4-BE49-F238E27FC236}">
+                  <a16:creationId xmlns:a16="http://schemas.microsoft.com/office/drawing/2014/main" id="{96523F0A-31F5-9544-9093-9D3745DFAFF1}"/>
+                </a:ext>
+              </a:extLst>
+            </p:cNvPr>
+            <p:cNvCxnSpPr>
+              <a:cxnSpLocks/>
+              <a:stCxn id="31" idx="6"/>
+              <a:endCxn id="32" idx="6"/>
+            </p:cNvCxnSpPr>
+            <p:nvPr/>
+          </p:nvCxnSpPr>
+          <p:spPr>
+            <a:xfrm>
+              <a:off x="5907495" y="1088194"/>
+              <a:ext cx="15303" cy="789614"/>
+            </a:xfrm>
+            <a:prstGeom prst="curvedConnector3">
+              <a:avLst>
+                <a:gd name="adj1" fmla="val 1593825"/>
+              </a:avLst>
+            </a:prstGeom>
+            <a:ln w="28575">
+              <a:tailEnd type="triangle"/>
+            </a:ln>
+          </p:spPr>
+          <p:style>
+            <a:lnRef idx="1">
+              <a:schemeClr val="accent1"/>
+            </a:lnRef>
+            <a:fillRef idx="0">
+              <a:schemeClr val="accent1"/>
+            </a:fillRef>
+            <a:effectRef idx="0">
+              <a:schemeClr val="accent1"/>
+            </a:effectRef>
+            <a:fontRef idx="minor">
+              <a:schemeClr val="tx1"/>
+            </a:fontRef>
+          </p:style>
+        </p:cxnSp>
+        <p:cxnSp>
+          <p:nvCxnSpPr>
+            <p:cNvPr id="38" name="Curved Connector 37">
+              <a:extLst>
+                <a:ext uri="{FF2B5EF4-FFF2-40B4-BE49-F238E27FC236}">
+                  <a16:creationId xmlns:a16="http://schemas.microsoft.com/office/drawing/2014/main" id="{AAC58D80-D2C8-5942-A87F-96856529FA9A}"/>
+                </a:ext>
+              </a:extLst>
+            </p:cNvPr>
+            <p:cNvCxnSpPr>
+              <a:cxnSpLocks/>
+              <a:stCxn id="32" idx="2"/>
+              <a:endCxn id="35" idx="2"/>
+            </p:cNvCxnSpPr>
+            <p:nvPr/>
+          </p:nvCxnSpPr>
+          <p:spPr>
+            <a:xfrm rot="10800000" flipV="1">
+              <a:off x="5315167" y="1877807"/>
+              <a:ext cx="29563" cy="794369"/>
+            </a:xfrm>
+            <a:prstGeom prst="curvedConnector3">
+              <a:avLst>
+                <a:gd name="adj1" fmla="val 873264"/>
+              </a:avLst>
+            </a:prstGeom>
+            <a:ln w="28575">
+              <a:tailEnd type="triangle"/>
+            </a:ln>
+          </p:spPr>
+          <p:style>
+            <a:lnRef idx="1">
+              <a:schemeClr val="accent1"/>
+            </a:lnRef>
+            <a:fillRef idx="0">
+              <a:schemeClr val="accent1"/>
+            </a:fillRef>
+            <a:effectRef idx="0">
+              <a:schemeClr val="accent1"/>
+            </a:effectRef>
+            <a:fontRef idx="minor">
+              <a:schemeClr val="tx1"/>
+            </a:fontRef>
+          </p:style>
+        </p:cxnSp>
+        <p:cxnSp>
+          <p:nvCxnSpPr>
+            <p:cNvPr id="39" name="Curved Connector 38">
+              <a:extLst>
+                <a:ext uri="{FF2B5EF4-FFF2-40B4-BE49-F238E27FC236}">
+                  <a16:creationId xmlns:a16="http://schemas.microsoft.com/office/drawing/2014/main" id="{ED7C0722-B11A-5249-B905-9CFA3309C077}"/>
+                </a:ext>
+              </a:extLst>
+            </p:cNvPr>
+            <p:cNvCxnSpPr>
+              <a:cxnSpLocks/>
+              <a:stCxn id="35" idx="2"/>
+              <a:endCxn id="34" idx="2"/>
+            </p:cNvCxnSpPr>
+            <p:nvPr/>
+          </p:nvCxnSpPr>
+          <p:spPr>
+            <a:xfrm rot="10800000" flipV="1">
+              <a:off x="5313024" y="2672176"/>
+              <a:ext cx="2142" cy="794369"/>
+            </a:xfrm>
+            <a:prstGeom prst="curvedConnector3">
+              <a:avLst>
+                <a:gd name="adj1" fmla="val 10772269"/>
+              </a:avLst>
+            </a:prstGeom>
+            <a:ln w="28575">
+              <a:tailEnd type="triangle"/>
+            </a:ln>
+          </p:spPr>
+          <p:style>
+            <a:lnRef idx="1">
+              <a:schemeClr val="accent1"/>
+            </a:lnRef>
+            <a:fillRef idx="0">
+              <a:schemeClr val="accent1"/>
+            </a:fillRef>
+            <a:effectRef idx="0">
+              <a:schemeClr val="accent1"/>
+            </a:effectRef>
+            <a:fontRef idx="minor">
+              <a:schemeClr val="tx1"/>
+            </a:fontRef>
+          </p:style>
+        </p:cxnSp>
+        <p:cxnSp>
+          <p:nvCxnSpPr>
+            <p:cNvPr id="40" name="Curved Connector 39">
+              <a:extLst>
+                <a:ext uri="{FF2B5EF4-FFF2-40B4-BE49-F238E27FC236}">
+                  <a16:creationId xmlns:a16="http://schemas.microsoft.com/office/drawing/2014/main" id="{0B56FEFD-E23F-A04C-A297-5B0744C7C3E8}"/>
+                </a:ext>
+              </a:extLst>
+            </p:cNvPr>
+            <p:cNvCxnSpPr>
+              <a:cxnSpLocks/>
+              <a:stCxn id="34" idx="2"/>
+              <a:endCxn id="33" idx="2"/>
+            </p:cNvCxnSpPr>
+            <p:nvPr/>
+          </p:nvCxnSpPr>
+          <p:spPr>
+            <a:xfrm rot="10800000" flipV="1">
+              <a:off x="5296856" y="3466546"/>
+              <a:ext cx="16169" cy="791418"/>
+            </a:xfrm>
+            <a:prstGeom prst="curvedConnector3">
+              <a:avLst>
+                <a:gd name="adj1" fmla="val 1513817"/>
+              </a:avLst>
+            </a:prstGeom>
+            <a:ln w="28575">
+              <a:tailEnd type="triangle"/>
+            </a:ln>
+          </p:spPr>
+          <p:style>
+            <a:lnRef idx="1">
+              <a:schemeClr val="accent1"/>
+            </a:lnRef>
+            <a:fillRef idx="0">
+              <a:schemeClr val="accent1"/>
+            </a:fillRef>
+            <a:effectRef idx="0">
+              <a:schemeClr val="accent1"/>
+            </a:effectRef>
+            <a:fontRef idx="minor">
+              <a:schemeClr val="tx1"/>
+            </a:fontRef>
+          </p:style>
+        </p:cxnSp>
+        <p:cxnSp>
+          <p:nvCxnSpPr>
+            <p:cNvPr id="41" name="Curved Connector 40">
+              <a:extLst>
+                <a:ext uri="{FF2B5EF4-FFF2-40B4-BE49-F238E27FC236}">
+                  <a16:creationId xmlns:a16="http://schemas.microsoft.com/office/drawing/2014/main" id="{CB04D9FE-94C5-044F-97F6-7C2352CF8B7D}"/>
+                </a:ext>
+              </a:extLst>
+            </p:cNvPr>
+            <p:cNvCxnSpPr>
+              <a:cxnSpLocks/>
+              <a:stCxn id="35" idx="2"/>
+              <a:endCxn id="31" idx="2"/>
+            </p:cNvCxnSpPr>
+            <p:nvPr/>
+          </p:nvCxnSpPr>
+          <p:spPr>
+            <a:xfrm rot="10800000" flipH="1">
+              <a:off x="5315166" y="1088195"/>
+              <a:ext cx="14260" cy="1583983"/>
+            </a:xfrm>
+            <a:prstGeom prst="curvedConnector3">
+              <a:avLst>
+                <a:gd name="adj1" fmla="val -1603086"/>
+              </a:avLst>
+            </a:prstGeom>
+            <a:ln w="28575">
+              <a:solidFill>
+                <a:srgbClr val="FF0000"/>
+              </a:solidFill>
+              <a:tailEnd type="triangle"/>
+            </a:ln>
+          </p:spPr>
+          <p:style>
+            <a:lnRef idx="1">
+              <a:schemeClr val="accent1"/>
+            </a:lnRef>
+            <a:fillRef idx="0">
+              <a:schemeClr val="accent1"/>
+            </a:fillRef>
+            <a:effectRef idx="0">
+              <a:schemeClr val="accent1"/>
+            </a:effectRef>
+            <a:fontRef idx="minor">
+              <a:schemeClr val="tx1"/>
+            </a:fontRef>
+          </p:style>
+        </p:cxnSp>
+        <p:cxnSp>
+          <p:nvCxnSpPr>
+            <p:cNvPr id="42" name="Curved Connector 41">
+              <a:extLst>
+                <a:ext uri="{FF2B5EF4-FFF2-40B4-BE49-F238E27FC236}">
+                  <a16:creationId xmlns:a16="http://schemas.microsoft.com/office/drawing/2014/main" id="{D54CAE8C-E8EA-0940-880C-4A4DFC6370ED}"/>
+                </a:ext>
+              </a:extLst>
+            </p:cNvPr>
+            <p:cNvCxnSpPr>
+              <a:cxnSpLocks/>
+              <a:stCxn id="32" idx="2"/>
+              <a:endCxn id="33" idx="2"/>
+            </p:cNvCxnSpPr>
+            <p:nvPr/>
+          </p:nvCxnSpPr>
+          <p:spPr>
+            <a:xfrm rot="10800000" flipV="1">
+              <a:off x="5296855" y="1877808"/>
+              <a:ext cx="47874" cy="2380156"/>
+            </a:xfrm>
+            <a:prstGeom prst="curvedConnector3">
+              <a:avLst>
+                <a:gd name="adj1" fmla="val 577503"/>
+              </a:avLst>
+            </a:prstGeom>
+            <a:ln w="28575">
+              <a:tailEnd type="triangle"/>
+            </a:ln>
+          </p:spPr>
+          <p:style>
+            <a:lnRef idx="1">
+              <a:schemeClr val="accent1"/>
+            </a:lnRef>
+            <a:fillRef idx="0">
+              <a:schemeClr val="accent1"/>
+            </a:fillRef>
+            <a:effectRef idx="0">
+              <a:schemeClr val="accent1"/>
+            </a:effectRef>
+            <a:fontRef idx="minor">
+              <a:schemeClr val="tx1"/>
+            </a:fontRef>
+          </p:style>
+        </p:cxnSp>
+      </p:grpSp>
+      <p:grpSp>
+        <p:nvGrpSpPr>
+          <p:cNvPr id="44" name="Group 43">
+            <a:extLst>
+              <a:ext uri="{FF2B5EF4-FFF2-40B4-BE49-F238E27FC236}">
+                <a16:creationId xmlns:a16="http://schemas.microsoft.com/office/drawing/2014/main" id="{876A7D96-B178-CE48-A668-DAC1E4F7E3D5}"/>
+              </a:ext>
+            </a:extLst>
+          </p:cNvPr>
+          <p:cNvGrpSpPr/>
+          <p:nvPr/>
+        </p:nvGrpSpPr>
+        <p:grpSpPr>
+          <a:xfrm>
+            <a:off x="7521535" y="1241679"/>
+            <a:ext cx="584423" cy="3753813"/>
+            <a:chOff x="5308813" y="798441"/>
+            <a:chExt cx="584423" cy="3753813"/>
+          </a:xfrm>
+        </p:grpSpPr>
+        <p:sp>
+          <p:nvSpPr>
+            <p:cNvPr id="45" name="Oval 44">
+              <a:extLst>
+                <a:ext uri="{FF2B5EF4-FFF2-40B4-BE49-F238E27FC236}">
+                  <a16:creationId xmlns:a16="http://schemas.microsoft.com/office/drawing/2014/main" id="{5FAB2410-3AB6-B848-BC84-50DE29B3F8F1}"/>
+                </a:ext>
+              </a:extLst>
+            </p:cNvPr>
+            <p:cNvSpPr/>
+            <p:nvPr/>
+          </p:nvSpPr>
+          <p:spPr>
+            <a:xfrm>
+              <a:off x="5308816" y="2384450"/>
+              <a:ext cx="578069" cy="588580"/>
+            </a:xfrm>
+            <a:prstGeom prst="ellipse">
+              <a:avLst/>
+            </a:prstGeom>
+            <a:ln w="28575"/>
+          </p:spPr>
+          <p:style>
+            <a:lnRef idx="2">
+              <a:schemeClr val="dk1"/>
+            </a:lnRef>
+            <a:fillRef idx="1">
+              <a:schemeClr val="lt1"/>
+            </a:fillRef>
+            <a:effectRef idx="0">
+              <a:schemeClr val="dk1"/>
+            </a:effectRef>
+            <a:fontRef idx="minor">
+              <a:schemeClr val="dk1"/>
+            </a:fontRef>
+          </p:style>
+          <p:txBody>
+            <a:bodyPr rtlCol="0" anchor="ctr"/>
+            <a:lstStyle/>
+            <a:p>
+              <a:pPr algn="ctr"/>
+              <a:r>
+                <a:rPr lang="en-US" sz="2000" b="1" dirty="0">
+                  <a:solidFill>
+                    <a:schemeClr val="accent6"/>
+                  </a:solidFill>
+                </a:rPr>
+                <a:t>1</a:t>
+              </a:r>
+            </a:p>
+          </p:txBody>
+        </p:sp>
+        <p:sp>
+          <p:nvSpPr>
+            <p:cNvPr id="46" name="Oval 45">
+              <a:extLst>
+                <a:ext uri="{FF2B5EF4-FFF2-40B4-BE49-F238E27FC236}">
+                  <a16:creationId xmlns:a16="http://schemas.microsoft.com/office/drawing/2014/main" id="{3ABA0DEC-D94F-624D-95F6-F3FD17C5F9AF}"/>
+                </a:ext>
+              </a:extLst>
+            </p:cNvPr>
+            <p:cNvSpPr/>
+            <p:nvPr/>
+          </p:nvSpPr>
+          <p:spPr>
+            <a:xfrm>
+              <a:off x="5308817" y="3174062"/>
+              <a:ext cx="578069" cy="588580"/>
+            </a:xfrm>
+            <a:prstGeom prst="ellipse">
+              <a:avLst/>
+            </a:prstGeom>
+            <a:ln w="28575"/>
+          </p:spPr>
+          <p:style>
+            <a:lnRef idx="2">
+              <a:schemeClr val="dk1"/>
+            </a:lnRef>
+            <a:fillRef idx="1">
+              <a:schemeClr val="lt1"/>
+            </a:fillRef>
+            <a:effectRef idx="0">
+              <a:schemeClr val="dk1"/>
+            </a:effectRef>
+            <a:fontRef idx="minor">
+              <a:schemeClr val="dk1"/>
+            </a:fontRef>
+          </p:style>
+          <p:txBody>
+            <a:bodyPr rtlCol="0" anchor="ctr"/>
+            <a:lstStyle/>
+            <a:p>
+              <a:pPr algn="ctr"/>
+              <a:r>
+                <a:rPr lang="en-US" sz="2000" b="1" dirty="0">
+                  <a:solidFill>
+                    <a:schemeClr val="accent6"/>
+                  </a:solidFill>
+                </a:rPr>
+                <a:t>2</a:t>
+              </a:r>
+            </a:p>
+          </p:txBody>
+        </p:sp>
+        <p:sp>
+          <p:nvSpPr>
+            <p:cNvPr id="47" name="Oval 46">
+              <a:extLst>
+                <a:ext uri="{FF2B5EF4-FFF2-40B4-BE49-F238E27FC236}">
+                  <a16:creationId xmlns:a16="http://schemas.microsoft.com/office/drawing/2014/main" id="{8EA90AA6-6C01-C546-B3C0-5147505EB5D0}"/>
+                </a:ext>
+              </a:extLst>
+            </p:cNvPr>
+            <p:cNvSpPr/>
+            <p:nvPr/>
+          </p:nvSpPr>
+          <p:spPr>
+            <a:xfrm>
+              <a:off x="5315167" y="3963674"/>
+              <a:ext cx="578069" cy="588580"/>
+            </a:xfrm>
+            <a:prstGeom prst="ellipse">
+              <a:avLst/>
+            </a:prstGeom>
+            <a:ln w="28575"/>
+          </p:spPr>
+          <p:style>
+            <a:lnRef idx="2">
+              <a:schemeClr val="dk1"/>
+            </a:lnRef>
+            <a:fillRef idx="1">
+              <a:schemeClr val="lt1"/>
+            </a:fillRef>
+            <a:effectRef idx="0">
+              <a:schemeClr val="dk1"/>
+            </a:effectRef>
+            <a:fontRef idx="minor">
+              <a:schemeClr val="dk1"/>
+            </a:fontRef>
+          </p:style>
+          <p:txBody>
+            <a:bodyPr rtlCol="0" anchor="ctr"/>
+            <a:lstStyle/>
+            <a:p>
+              <a:pPr algn="ctr"/>
+              <a:r>
+                <a:rPr lang="en-US" sz="2000" b="1" dirty="0"/>
+                <a:t>5</a:t>
+              </a:r>
+            </a:p>
+          </p:txBody>
+        </p:sp>
+        <p:sp>
+          <p:nvSpPr>
+            <p:cNvPr id="48" name="Oval 47">
+              <a:extLst>
+                <a:ext uri="{FF2B5EF4-FFF2-40B4-BE49-F238E27FC236}">
+                  <a16:creationId xmlns:a16="http://schemas.microsoft.com/office/drawing/2014/main" id="{97CE9F6A-DFA8-3544-839E-1870E83C443A}"/>
+                </a:ext>
+              </a:extLst>
+            </p:cNvPr>
+            <p:cNvSpPr/>
+            <p:nvPr/>
+          </p:nvSpPr>
+          <p:spPr>
+            <a:xfrm>
+              <a:off x="5308815" y="1583516"/>
+              <a:ext cx="578069" cy="588580"/>
+            </a:xfrm>
+            <a:prstGeom prst="ellipse">
+              <a:avLst/>
+            </a:prstGeom>
+            <a:ln w="28575"/>
+          </p:spPr>
+          <p:style>
+            <a:lnRef idx="2">
+              <a:schemeClr val="dk1"/>
+            </a:lnRef>
+            <a:fillRef idx="1">
+              <a:schemeClr val="lt1"/>
+            </a:fillRef>
+            <a:effectRef idx="0">
+              <a:schemeClr val="dk1"/>
+            </a:effectRef>
+            <a:fontRef idx="minor">
+              <a:schemeClr val="dk1"/>
+            </a:fontRef>
+          </p:style>
+          <p:txBody>
+            <a:bodyPr rtlCol="0" anchor="ctr"/>
+            <a:lstStyle/>
+            <a:p>
+              <a:pPr algn="ctr"/>
+              <a:r>
+                <a:rPr lang="en-US" sz="2000" b="1" dirty="0"/>
+                <a:t>4</a:t>
+              </a:r>
+            </a:p>
+          </p:txBody>
+        </p:sp>
+        <p:sp>
+          <p:nvSpPr>
+            <p:cNvPr id="49" name="Oval 48">
+              <a:extLst>
+                <a:ext uri="{FF2B5EF4-FFF2-40B4-BE49-F238E27FC236}">
+                  <a16:creationId xmlns:a16="http://schemas.microsoft.com/office/drawing/2014/main" id="{A30B985C-B48A-3047-BFFD-0C612A72D94D}"/>
+                </a:ext>
+              </a:extLst>
+            </p:cNvPr>
+            <p:cNvSpPr/>
+            <p:nvPr/>
+          </p:nvSpPr>
+          <p:spPr>
+            <a:xfrm>
+              <a:off x="5308814" y="798441"/>
+              <a:ext cx="578069" cy="588580"/>
+            </a:xfrm>
+            <a:prstGeom prst="ellipse">
+              <a:avLst/>
+            </a:prstGeom>
+            <a:ln w="28575"/>
+          </p:spPr>
+          <p:style>
+            <a:lnRef idx="2">
+              <a:schemeClr val="dk1"/>
+            </a:lnRef>
+            <a:fillRef idx="1">
+              <a:schemeClr val="lt1"/>
+            </a:fillRef>
+            <a:effectRef idx="0">
+              <a:schemeClr val="dk1"/>
+            </a:effectRef>
+            <a:fontRef idx="minor">
+              <a:schemeClr val="dk1"/>
+            </a:fontRef>
+          </p:style>
+          <p:txBody>
+            <a:bodyPr rtlCol="0" anchor="ctr"/>
+            <a:lstStyle/>
+            <a:p>
+              <a:pPr algn="ctr"/>
+              <a:r>
+                <a:rPr lang="en-US" sz="2000" b="1" dirty="0"/>
+                <a:t>3</a:t>
+              </a:r>
+            </a:p>
+          </p:txBody>
+        </p:sp>
+        <p:cxnSp>
+          <p:nvCxnSpPr>
+            <p:cNvPr id="50" name="Curved Connector 49">
+              <a:extLst>
+                <a:ext uri="{FF2B5EF4-FFF2-40B4-BE49-F238E27FC236}">
+                  <a16:creationId xmlns:a16="http://schemas.microsoft.com/office/drawing/2014/main" id="{A69BE6D6-5F85-F74B-B6F1-1F43941E031E}"/>
+                </a:ext>
+              </a:extLst>
+            </p:cNvPr>
+            <p:cNvCxnSpPr>
+              <a:stCxn id="47" idx="6"/>
+              <a:endCxn id="45" idx="6"/>
+            </p:cNvCxnSpPr>
+            <p:nvPr/>
+          </p:nvCxnSpPr>
+          <p:spPr>
+            <a:xfrm flipH="1" flipV="1">
+              <a:off x="5886885" y="2678740"/>
+              <a:ext cx="6351" cy="1579224"/>
+            </a:xfrm>
+            <a:prstGeom prst="curvedConnector3">
+              <a:avLst>
+                <a:gd name="adj1" fmla="val -3599433"/>
+              </a:avLst>
+            </a:prstGeom>
+            <a:ln w="28575">
+              <a:solidFill>
+                <a:srgbClr val="FF0000"/>
+              </a:solidFill>
+              <a:tailEnd type="triangle"/>
+            </a:ln>
+          </p:spPr>
+          <p:style>
+            <a:lnRef idx="1">
+              <a:schemeClr val="accent1"/>
+            </a:lnRef>
+            <a:fillRef idx="0">
+              <a:schemeClr val="accent1"/>
+            </a:fillRef>
+            <a:effectRef idx="0">
+              <a:schemeClr val="accent1"/>
+            </a:effectRef>
+            <a:fontRef idx="minor">
+              <a:schemeClr val="tx1"/>
+            </a:fontRef>
+          </p:style>
+        </p:cxnSp>
+        <p:cxnSp>
+          <p:nvCxnSpPr>
+            <p:cNvPr id="51" name="Curved Connector 50">
+              <a:extLst>
+                <a:ext uri="{FF2B5EF4-FFF2-40B4-BE49-F238E27FC236}">
+                  <a16:creationId xmlns:a16="http://schemas.microsoft.com/office/drawing/2014/main" id="{558D32B4-F888-C647-BD00-C6ADDF328942}"/>
+                </a:ext>
+              </a:extLst>
+            </p:cNvPr>
+            <p:cNvCxnSpPr>
+              <a:cxnSpLocks/>
+              <a:stCxn id="45" idx="6"/>
+              <a:endCxn id="46" idx="6"/>
+            </p:cNvCxnSpPr>
+            <p:nvPr/>
+          </p:nvCxnSpPr>
+          <p:spPr>
+            <a:xfrm>
+              <a:off x="5886885" y="2678740"/>
+              <a:ext cx="1" cy="789612"/>
+            </a:xfrm>
+            <a:prstGeom prst="curvedConnector3">
+              <a:avLst>
+                <a:gd name="adj1" fmla="val 22860100000"/>
+              </a:avLst>
+            </a:prstGeom>
+            <a:ln w="28575">
+              <a:tailEnd type="triangle"/>
+            </a:ln>
+          </p:spPr>
+          <p:style>
+            <a:lnRef idx="1">
+              <a:schemeClr val="accent1"/>
+            </a:lnRef>
+            <a:fillRef idx="0">
+              <a:schemeClr val="accent1"/>
+            </a:fillRef>
+            <a:effectRef idx="0">
+              <a:schemeClr val="accent1"/>
+            </a:effectRef>
+            <a:fontRef idx="minor">
+              <a:schemeClr val="tx1"/>
+            </a:fontRef>
+          </p:style>
+        </p:cxnSp>
+        <p:cxnSp>
+          <p:nvCxnSpPr>
+            <p:cNvPr id="52" name="Curved Connector 51">
+              <a:extLst>
+                <a:ext uri="{FF2B5EF4-FFF2-40B4-BE49-F238E27FC236}">
+                  <a16:creationId xmlns:a16="http://schemas.microsoft.com/office/drawing/2014/main" id="{3E352E9D-0A78-C143-9280-F04E96EB0127}"/>
+                </a:ext>
+              </a:extLst>
+            </p:cNvPr>
+            <p:cNvCxnSpPr>
+              <a:cxnSpLocks/>
+              <a:stCxn id="46" idx="2"/>
+              <a:endCxn id="49" idx="2"/>
+            </p:cNvCxnSpPr>
+            <p:nvPr/>
+          </p:nvCxnSpPr>
+          <p:spPr>
+            <a:xfrm rot="10800000">
+              <a:off x="5308815" y="1092732"/>
+              <a:ext cx="3" cy="2375621"/>
+            </a:xfrm>
+            <a:prstGeom prst="curvedConnector3">
+              <a:avLst>
+                <a:gd name="adj1" fmla="val 7620100000"/>
+              </a:avLst>
+            </a:prstGeom>
+            <a:ln w="28575">
+              <a:solidFill>
+                <a:srgbClr val="FF0000"/>
+              </a:solidFill>
+              <a:tailEnd type="triangle"/>
+            </a:ln>
+          </p:spPr>
+          <p:style>
+            <a:lnRef idx="1">
+              <a:schemeClr val="accent1"/>
+            </a:lnRef>
+            <a:fillRef idx="0">
+              <a:schemeClr val="accent1"/>
+            </a:fillRef>
+            <a:effectRef idx="0">
+              <a:schemeClr val="accent1"/>
+            </a:effectRef>
+            <a:fontRef idx="minor">
+              <a:schemeClr val="tx1"/>
+            </a:fontRef>
+          </p:style>
+        </p:cxnSp>
+        <p:cxnSp>
+          <p:nvCxnSpPr>
+            <p:cNvPr id="53" name="Curved Connector 52">
+              <a:extLst>
+                <a:ext uri="{FF2B5EF4-FFF2-40B4-BE49-F238E27FC236}">
+                  <a16:creationId xmlns:a16="http://schemas.microsoft.com/office/drawing/2014/main" id="{019F81CC-F780-4D41-91C8-210241FDC699}"/>
+                </a:ext>
+              </a:extLst>
+            </p:cNvPr>
+            <p:cNvCxnSpPr>
+              <a:cxnSpLocks/>
+              <a:stCxn id="49" idx="2"/>
+              <a:endCxn id="48" idx="2"/>
+            </p:cNvCxnSpPr>
+            <p:nvPr/>
+          </p:nvCxnSpPr>
+          <p:spPr>
+            <a:xfrm rot="10800000" flipH="1" flipV="1">
+              <a:off x="5308813" y="1092730"/>
+              <a:ext cx="1" cy="785075"/>
+            </a:xfrm>
+            <a:prstGeom prst="curvedConnector3">
+              <a:avLst>
+                <a:gd name="adj1" fmla="val -2147483647"/>
+              </a:avLst>
+            </a:prstGeom>
+            <a:ln w="28575">
+              <a:tailEnd type="triangle"/>
+            </a:ln>
+          </p:spPr>
+          <p:style>
+            <a:lnRef idx="1">
+              <a:schemeClr val="accent1"/>
+            </a:lnRef>
+            <a:fillRef idx="0">
+              <a:schemeClr val="accent1"/>
+            </a:fillRef>
+            <a:effectRef idx="0">
+              <a:schemeClr val="accent1"/>
+            </a:effectRef>
+            <a:fontRef idx="minor">
+              <a:schemeClr val="tx1"/>
+            </a:fontRef>
+          </p:style>
+        </p:cxnSp>
+        <p:cxnSp>
+          <p:nvCxnSpPr>
+            <p:cNvPr id="54" name="Curved Connector 53">
+              <a:extLst>
+                <a:ext uri="{FF2B5EF4-FFF2-40B4-BE49-F238E27FC236}">
+                  <a16:creationId xmlns:a16="http://schemas.microsoft.com/office/drawing/2014/main" id="{2EFE0C9D-9920-CE4C-B894-C656AE7A01E1}"/>
+                </a:ext>
+              </a:extLst>
+            </p:cNvPr>
+            <p:cNvCxnSpPr>
+              <a:cxnSpLocks/>
+              <a:stCxn id="48" idx="2"/>
+              <a:endCxn id="47" idx="2"/>
+            </p:cNvCxnSpPr>
+            <p:nvPr/>
+          </p:nvCxnSpPr>
+          <p:spPr>
+            <a:xfrm rot="10800000" flipH="1" flipV="1">
+              <a:off x="5308815" y="1877806"/>
+              <a:ext cx="6352" cy="2380158"/>
+            </a:xfrm>
+            <a:prstGeom prst="curvedConnector3">
+              <a:avLst>
+                <a:gd name="adj1" fmla="val -5062815"/>
+              </a:avLst>
+            </a:prstGeom>
+            <a:ln w="28575">
+              <a:tailEnd type="triangle"/>
+            </a:ln>
+          </p:spPr>
+          <p:style>
+            <a:lnRef idx="1">
+              <a:schemeClr val="accent1"/>
+            </a:lnRef>
+            <a:fillRef idx="0">
+              <a:schemeClr val="accent1"/>
+            </a:fillRef>
+            <a:effectRef idx="0">
+              <a:schemeClr val="accent1"/>
+            </a:effectRef>
+            <a:fontRef idx="minor">
+              <a:schemeClr val="tx1"/>
+            </a:fontRef>
+          </p:style>
+        </p:cxnSp>
+        <p:cxnSp>
+          <p:nvCxnSpPr>
+            <p:cNvPr id="55" name="Curved Connector 54">
+              <a:extLst>
+                <a:ext uri="{FF2B5EF4-FFF2-40B4-BE49-F238E27FC236}">
+                  <a16:creationId xmlns:a16="http://schemas.microsoft.com/office/drawing/2014/main" id="{65526C91-5DCD-6247-ADE7-8F56FA49C94D}"/>
+                </a:ext>
+              </a:extLst>
+            </p:cNvPr>
+            <p:cNvCxnSpPr>
+              <a:cxnSpLocks/>
+              <a:stCxn id="49" idx="2"/>
+              <a:endCxn id="45" idx="2"/>
+            </p:cNvCxnSpPr>
+            <p:nvPr/>
+          </p:nvCxnSpPr>
+          <p:spPr>
+            <a:xfrm rot="10800000" flipH="1" flipV="1">
+              <a:off x="5308814" y="1092730"/>
+              <a:ext cx="2" cy="1586009"/>
+            </a:xfrm>
+            <a:prstGeom prst="curvedConnector3">
+              <a:avLst>
+                <a:gd name="adj1" fmla="val -11430000000"/>
+              </a:avLst>
+            </a:prstGeom>
+            <a:ln w="28575">
+              <a:tailEnd type="triangle"/>
+            </a:ln>
+          </p:spPr>
+          <p:style>
+            <a:lnRef idx="1">
+              <a:schemeClr val="accent1"/>
+            </a:lnRef>
+            <a:fillRef idx="0">
+              <a:schemeClr val="accent1"/>
+            </a:fillRef>
+            <a:effectRef idx="0">
+              <a:schemeClr val="accent1"/>
+            </a:effectRef>
+            <a:fontRef idx="minor">
+              <a:schemeClr val="tx1"/>
+            </a:fontRef>
+          </p:style>
+        </p:cxnSp>
+        <p:cxnSp>
+          <p:nvCxnSpPr>
+            <p:cNvPr id="56" name="Curved Connector 55">
+              <a:extLst>
+                <a:ext uri="{FF2B5EF4-FFF2-40B4-BE49-F238E27FC236}">
+                  <a16:creationId xmlns:a16="http://schemas.microsoft.com/office/drawing/2014/main" id="{C7F72CEE-7C07-AD4F-88A8-6AB65D0051B2}"/>
+                </a:ext>
+              </a:extLst>
+            </p:cNvPr>
+            <p:cNvCxnSpPr>
+              <a:cxnSpLocks/>
+              <a:stCxn id="46" idx="2"/>
+              <a:endCxn id="47" idx="2"/>
+            </p:cNvCxnSpPr>
+            <p:nvPr/>
+          </p:nvCxnSpPr>
+          <p:spPr>
+            <a:xfrm rot="10800000" flipH="1" flipV="1">
+              <a:off x="5308817" y="3468352"/>
+              <a:ext cx="6350" cy="789612"/>
+            </a:xfrm>
+            <a:prstGeom prst="curvedConnector3">
+              <a:avLst>
+                <a:gd name="adj1" fmla="val -1914882"/>
+              </a:avLst>
+            </a:prstGeom>
+            <a:ln w="28575">
+              <a:tailEnd type="triangle"/>
+            </a:ln>
+          </p:spPr>
+          <p:style>
+            <a:lnRef idx="1">
+              <a:schemeClr val="accent1"/>
+            </a:lnRef>
+            <a:fillRef idx="0">
+              <a:schemeClr val="accent1"/>
+            </a:fillRef>
+            <a:effectRef idx="0">
+              <a:schemeClr val="accent1"/>
+            </a:effectRef>
+            <a:fontRef idx="minor">
+              <a:schemeClr val="tx1"/>
+            </a:fontRef>
+          </p:style>
+        </p:cxnSp>
+      </p:grpSp>
     </p:spTree>
     <p:extLst>
       <p:ext uri="{BB962C8B-B14F-4D97-AF65-F5344CB8AC3E}">
-        <p14:creationId xmlns:p14="http://schemas.microsoft.com/office/powerpoint/2010/main" val="78086966"/>
+        <p14:creationId xmlns:p14="http://schemas.microsoft.com/office/powerpoint/2010/main" val="2180648155"/>
       </p:ext>
     </p:extLst>
   </p:cSld>
@@ -8668,7 +14084,7 @@
     </p:spTree>
     <p:extLst>
       <p:ext uri="{BB962C8B-B14F-4D97-AF65-F5344CB8AC3E}">
-        <p14:creationId xmlns:p14="http://schemas.microsoft.com/office/powerpoint/2010/main" val="1620160819"/>
+        <p14:creationId xmlns:p14="http://schemas.microsoft.com/office/powerpoint/2010/main" val="414230914"/>
       </p:ext>
     </p:extLst>
   </p:cSld>
@@ -8698,7 +14114,7 @@
     </p:spTree>
     <p:extLst>
       <p:ext uri="{BB962C8B-B14F-4D97-AF65-F5344CB8AC3E}">
-        <p14:creationId xmlns:p14="http://schemas.microsoft.com/office/powerpoint/2010/main" val="3957349314"/>
+        <p14:creationId xmlns:p14="http://schemas.microsoft.com/office/powerpoint/2010/main" val="78086966"/>
       </p:ext>
     </p:extLst>
   </p:cSld>
